--- a/static/lectures/SSA_Lecture2_QualitativeData.pptx
+++ b/static/lectures/SSA_Lecture2_QualitativeData.pptx
@@ -5,25 +5,22 @@
     <p:sldMasterId id="2147483648" r:id="rId1"/>
   </p:sldMasterIdLst>
   <p:notesMasterIdLst>
-    <p:notesMasterId r:id="rId18"/>
+    <p:notesMasterId r:id="rId15"/>
   </p:notesMasterIdLst>
   <p:sldIdLst>
-    <p:sldId id="258" r:id="rId2"/>
-    <p:sldId id="259" r:id="rId3"/>
-    <p:sldId id="260" r:id="rId4"/>
-    <p:sldId id="265" r:id="rId5"/>
-    <p:sldId id="266" r:id="rId6"/>
-    <p:sldId id="267" r:id="rId7"/>
-    <p:sldId id="269" r:id="rId8"/>
-    <p:sldId id="261" r:id="rId9"/>
-    <p:sldId id="262" r:id="rId10"/>
-    <p:sldId id="263" r:id="rId11"/>
-    <p:sldId id="264" r:id="rId12"/>
-    <p:sldId id="270" r:id="rId13"/>
-    <p:sldId id="268" r:id="rId14"/>
-    <p:sldId id="271" r:id="rId15"/>
-    <p:sldId id="272" r:id="rId16"/>
-    <p:sldId id="257" r:id="rId17"/>
+    <p:sldId id="256" r:id="rId2"/>
+    <p:sldId id="265" r:id="rId3"/>
+    <p:sldId id="258" r:id="rId4"/>
+    <p:sldId id="257" r:id="rId5"/>
+    <p:sldId id="259" r:id="rId6"/>
+    <p:sldId id="260" r:id="rId7"/>
+    <p:sldId id="261" r:id="rId8"/>
+    <p:sldId id="262" r:id="rId9"/>
+    <p:sldId id="263" r:id="rId10"/>
+    <p:sldId id="264" r:id="rId11"/>
+    <p:sldId id="266" r:id="rId12"/>
+    <p:sldId id="268" r:id="rId13"/>
+    <p:sldId id="267" r:id="rId14"/>
   </p:sldIdLst>
   <p:sldSz cx="12192000" cy="6858000"/>
   <p:notesSz cx="6858000" cy="9144000"/>
@@ -175,8 +172,8 @@
         <c:manualLayout>
           <c:xMode val="edge"/>
           <c:yMode val="edge"/>
-          <c:x val="0.376159667541557"/>
-          <c:y val="2.3148148148148098E-2"/>
+          <c:x val="0.37615966754155733"/>
+          <c:y val="2.3148148148148147E-2"/>
         </c:manualLayout>
       </c:layout>
       <c:overlay val="0"/>
@@ -386,11 +383,11 @@
           <c:showPercent val="0"/>
           <c:showBubbleSize val="0"/>
         </c:dLbls>
-        <c:axId val="1691256000"/>
-        <c:axId val="1690404928"/>
+        <c:axId val="405362912"/>
+        <c:axId val="405356352"/>
       </c:scatterChart>
       <c:valAx>
-        <c:axId val="1691256000"/>
+        <c:axId val="405362912"/>
         <c:scaling>
           <c:orientation val="minMax"/>
         </c:scaling>
@@ -416,17 +413,18 @@
                   </a:defRPr>
                 </a:pPr>
                 <a:r>
-                  <a:rPr lang="en-US" dirty="0"/>
+                  <a:rPr lang="en-US" dirty="0" smtClean="0"/>
                   <a:t>Independent</a:t>
                 </a:r>
                 <a:r>
-                  <a:rPr lang="en-US" baseline="0" dirty="0"/>
+                  <a:rPr lang="en-US" baseline="0" dirty="0" smtClean="0"/>
                   <a:t> variable (e.g., water depth)</a:t>
                 </a:r>
                 <a:endParaRPr lang="en-US" dirty="0"/>
               </a:p>
             </c:rich>
           </c:tx>
+          <c:layout/>
           <c:overlay val="0"/>
           <c:spPr>
             <a:noFill/>
@@ -493,12 +491,12 @@
             <a:endParaRPr lang="en-US"/>
           </a:p>
         </c:txPr>
-        <c:crossAx val="1690404928"/>
+        <c:crossAx val="405356352"/>
         <c:crosses val="autoZero"/>
         <c:crossBetween val="midCat"/>
       </c:valAx>
       <c:valAx>
-        <c:axId val="1690404928"/>
+        <c:axId val="405356352"/>
         <c:scaling>
           <c:orientation val="minMax"/>
         </c:scaling>
@@ -524,12 +522,14 @@
                   </a:defRPr>
                 </a:pPr>
                 <a:r>
-                  <a:rPr lang="en-US" dirty="0"/>
+                  <a:rPr lang="en-US" dirty="0" smtClean="0"/>
                   <a:t>Categorical dependent parameter</a:t>
                 </a:r>
+                <a:endParaRPr lang="en-US" dirty="0"/>
               </a:p>
             </c:rich>
           </c:tx>
+          <c:layout/>
           <c:overlay val="0"/>
           <c:spPr>
             <a:noFill/>
@@ -596,7 +596,7 @@
             <a:endParaRPr lang="en-US"/>
           </a:p>
         </c:txPr>
-        <c:crossAx val="1691256000"/>
+        <c:crossAx val="405362912"/>
         <c:crosses val="autoZero"/>
         <c:crossBetween val="midCat"/>
         <c:majorUnit val="1"/>
@@ -661,16 +661,21 @@
             </a:pPr>
             <a:r>
               <a:rPr lang="en-US" dirty="0"/>
-              <a:t>headwater chub</a:t>
-            </a:r>
-            <a:r>
-              <a:rPr lang="en-US" baseline="0" dirty="0"/>
+              <a:t>headwater </a:t>
+            </a:r>
+            <a:r>
+              <a:rPr lang="en-US" dirty="0" smtClean="0"/>
+              <a:t>chub</a:t>
+            </a:r>
+            <a:r>
+              <a:rPr lang="en-US" baseline="0" dirty="0" smtClean="0"/>
               <a:t> abundance</a:t>
             </a:r>
             <a:endParaRPr lang="en-US" dirty="0"/>
           </a:p>
         </c:rich>
       </c:tx>
+      <c:layout/>
       <c:overlay val="0"/>
     </c:title>
     <c:autoTitleDeleted val="0"/>
@@ -681,9 +686,9 @@
           <c:xMode val="edge"/>
           <c:yMode val="edge"/>
           <c:x val="0.15825275018163401"/>
-          <c:y val="0.165994759388985"/>
-          <c:w val="0.80644313747178098"/>
-          <c:h val="0.57635665919020296"/>
+          <c:y val="0.16599475938898514"/>
+          <c:w val="0.80644313747178142"/>
+          <c:h val="0.5763566591902034"/>
         </c:manualLayout>
       </c:layout>
       <c:scatterChart>
@@ -715,8 +720,8 @@
             <c:trendlineLbl>
               <c:layout>
                 <c:manualLayout>
-                  <c:x val="-0.12915113735782999"/>
-                  <c:y val="-0.49418197725284402"/>
+                  <c:x val="-0.12915113735783026"/>
+                  <c:y val="-0.49418197725284341"/>
                 </c:manualLayout>
               </c:layout>
               <c:numFmt formatCode="General" sourceLinked="0"/>
@@ -797,11 +802,11 @@
           <c:showPercent val="0"/>
           <c:showBubbleSize val="0"/>
         </c:dLbls>
-        <c:axId val="1691018800"/>
-        <c:axId val="1691022192"/>
+        <c:axId val="142886784"/>
+        <c:axId val="142888320"/>
       </c:scatterChart>
       <c:valAx>
-        <c:axId val="1691018800"/>
+        <c:axId val="142886784"/>
         <c:scaling>
           <c:orientation val="minMax"/>
         </c:scaling>
@@ -817,24 +822,26 @@
                   <a:defRPr/>
                 </a:pPr>
                 <a:r>
-                  <a:rPr lang="en-US" dirty="0"/>
+                  <a:rPr lang="en-US" dirty="0" smtClean="0"/>
                   <a:t>Stream length</a:t>
                 </a:r>
+                <a:endParaRPr lang="en-US" dirty="0"/>
               </a:p>
             </c:rich>
           </c:tx>
+          <c:layout/>
           <c:overlay val="0"/>
         </c:title>
         <c:numFmt formatCode="General" sourceLinked="1"/>
         <c:majorTickMark val="out"/>
         <c:minorTickMark val="none"/>
         <c:tickLblPos val="nextTo"/>
-        <c:crossAx val="1691022192"/>
+        <c:crossAx val="142888320"/>
         <c:crosses val="autoZero"/>
         <c:crossBetween val="midCat"/>
       </c:valAx>
       <c:valAx>
-        <c:axId val="1691022192"/>
+        <c:axId val="142888320"/>
         <c:scaling>
           <c:orientation val="minMax"/>
         </c:scaling>
@@ -850,19 +857,28 @@
                   <a:defRPr/>
                 </a:pPr>
                 <a:r>
-                  <a:rPr lang="en-US" dirty="0"/>
-                  <a:t>Fish abundance</a:t>
+                  <a:rPr lang="en-US" dirty="0" smtClean="0"/>
+                  <a:t>Extinction Probability (%)</a:t>
                 </a:r>
+                <a:endParaRPr lang="en-US" dirty="0"/>
               </a:p>
             </c:rich>
           </c:tx>
+          <c:layout>
+            <c:manualLayout>
+              <c:xMode val="edge"/>
+              <c:yMode val="edge"/>
+              <c:x val="5.7290326571698712E-2"/>
+              <c:y val="5.943221695770385E-2"/>
+            </c:manualLayout>
+          </c:layout>
           <c:overlay val="0"/>
         </c:title>
         <c:numFmt formatCode="General" sourceLinked="1"/>
         <c:majorTickMark val="out"/>
         <c:minorTickMark val="none"/>
         <c:tickLblPos val="nextTo"/>
-        <c:crossAx val="1691018800"/>
+        <c:crossAx val="142886784"/>
         <c:crosses val="autoZero"/>
         <c:crossBetween val="midCat"/>
       </c:valAx>
@@ -1523,9 +1539,9 @@
             </a:lvl1pPr>
           </a:lstStyle>
           <a:p>
-            <a:fld id="{336F2EA0-C40E-4F2B-82DB-02C2E937C52C}" type="datetimeFigureOut">
+            <a:fld id="{CFC19564-2AA9-4D9B-A5FE-CA8E485D8243}" type="datetimeFigureOut">
               <a:rPr lang="en-US" smtClean="0"/>
-              <a:t>10/18/2018</a:t>
+              <a:t>12/11/2018</a:t>
             </a:fld>
             <a:endParaRPr lang="en-US"/>
           </a:p>
@@ -1589,37 +1605,38 @@
           <a:p>
             <a:pPr lvl="0"/>
             <a:r>
-              <a:rPr lang="en-US"/>
+              <a:rPr lang="en-US" smtClean="0"/>
               <a:t>Edit Master text styles</a:t>
             </a:r>
           </a:p>
           <a:p>
             <a:pPr lvl="1"/>
             <a:r>
-              <a:rPr lang="en-US"/>
+              <a:rPr lang="en-US" smtClean="0"/>
               <a:t>Second level</a:t>
             </a:r>
           </a:p>
           <a:p>
             <a:pPr lvl="2"/>
             <a:r>
-              <a:rPr lang="en-US"/>
+              <a:rPr lang="en-US" smtClean="0"/>
               <a:t>Third level</a:t>
             </a:r>
           </a:p>
           <a:p>
             <a:pPr lvl="3"/>
             <a:r>
-              <a:rPr lang="en-US"/>
+              <a:rPr lang="en-US" smtClean="0"/>
               <a:t>Fourth level</a:t>
             </a:r>
           </a:p>
           <a:p>
             <a:pPr lvl="4"/>
             <a:r>
-              <a:rPr lang="en-US"/>
+              <a:rPr lang="en-US" smtClean="0"/>
               <a:t>Fifth level</a:t>
             </a:r>
+            <a:endParaRPr lang="en-US"/>
           </a:p>
         </p:txBody>
       </p:sp>
@@ -1681,7 +1698,7 @@
             </a:lvl1pPr>
           </a:lstStyle>
           <a:p>
-            <a:fld id="{99E69747-1F11-4441-A369-A9FA1ED385EB}" type="slidenum">
+            <a:fld id="{673BC2EA-6883-4FBC-84D8-5E63915ED647}" type="slidenum">
               <a:rPr lang="en-US" smtClean="0"/>
               <a:t>‹#›</a:t>
             </a:fld>
@@ -1692,7 +1709,7 @@
     </p:spTree>
     <p:extLst>
       <p:ext uri="{BB962C8B-B14F-4D97-AF65-F5344CB8AC3E}">
-        <p14:creationId xmlns:p14="http://schemas.microsoft.com/office/powerpoint/2010/main" val="2329129014"/>
+        <p14:creationId xmlns:p14="http://schemas.microsoft.com/office/powerpoint/2010/main" val="1799219563"/>
       </p:ext>
     </p:extLst>
   </p:cSld>
@@ -1837,9 +1854,14 @@
           <a:lstStyle/>
           <a:p>
             <a:r>
-              <a:rPr lang="en-US" dirty="0"/>
-              <a:t>You can convert this. </a:t>
-            </a:r>
+              <a:rPr lang="en-US" dirty="0" smtClean="0"/>
+              <a:t>The regression model asks</a:t>
+            </a:r>
+            <a:r>
+              <a:rPr lang="en-US" baseline="0" dirty="0" smtClean="0"/>
+              <a:t> the question: does the species need certain elevations? Canopy cover? Etc.?</a:t>
+            </a:r>
+            <a:endParaRPr lang="en-US" dirty="0"/>
           </a:p>
         </p:txBody>
       </p:sp>
@@ -1860,7 +1882,7 @@
           <a:p>
             <a:fld id="{673BC2EA-6883-4FBC-84D8-5E63915ED647}" type="slidenum">
               <a:rPr lang="en-US" smtClean="0"/>
-              <a:t>4</a:t>
+              <a:t>9</a:t>
             </a:fld>
             <a:endParaRPr lang="en-US"/>
           </a:p>
@@ -1869,99 +1891,7 @@
     </p:spTree>
     <p:extLst>
       <p:ext uri="{BB962C8B-B14F-4D97-AF65-F5344CB8AC3E}">
-        <p14:creationId xmlns:p14="http://schemas.microsoft.com/office/powerpoint/2010/main" val="512108370"/>
-      </p:ext>
-    </p:extLst>
-  </p:cSld>
-  <p:clrMapOvr>
-    <a:masterClrMapping/>
-  </p:clrMapOvr>
-</p:notes>
-</file>
-
-<file path=ppt/notesSlides/notesSlide2.xml><?xml version="1.0" encoding="utf-8"?>
-<p:notes xmlns:a="http://schemas.openxmlformats.org/drawingml/2006/main" xmlns:r="http://schemas.openxmlformats.org/officeDocument/2006/relationships" xmlns:p="http://schemas.openxmlformats.org/presentationml/2006/main">
-  <p:cSld>
-    <p:spTree>
-      <p:nvGrpSpPr>
-        <p:cNvPr id="1" name=""/>
-        <p:cNvGrpSpPr/>
-        <p:nvPr/>
-      </p:nvGrpSpPr>
-      <p:grpSpPr>
-        <a:xfrm>
-          <a:off x="0" y="0"/>
-          <a:ext cx="0" cy="0"/>
-          <a:chOff x="0" y="0"/>
-          <a:chExt cx="0" cy="0"/>
-        </a:xfrm>
-      </p:grpSpPr>
-      <p:sp>
-        <p:nvSpPr>
-          <p:cNvPr id="2" name="Slide Image Placeholder 1"/>
-          <p:cNvSpPr>
-            <a:spLocks noGrp="1" noRot="1" noChangeAspect="1"/>
-          </p:cNvSpPr>
-          <p:nvPr>
-            <p:ph type="sldImg"/>
-          </p:nvPr>
-        </p:nvSpPr>
-        <p:spPr/>
-      </p:sp>
-      <p:sp>
-        <p:nvSpPr>
-          <p:cNvPr id="3" name="Notes Placeholder 2"/>
-          <p:cNvSpPr>
-            <a:spLocks noGrp="1"/>
-          </p:cNvSpPr>
-          <p:nvPr>
-            <p:ph type="body" idx="1"/>
-          </p:nvPr>
-        </p:nvSpPr>
-        <p:spPr/>
-        <p:txBody>
-          <a:bodyPr/>
-          <a:lstStyle/>
-          <a:p>
-            <a:r>
-              <a:rPr lang="en-US" dirty="0"/>
-              <a:t>The regression model asks</a:t>
-            </a:r>
-            <a:r>
-              <a:rPr lang="en-US" baseline="0" dirty="0"/>
-              <a:t> the question: does the species need certain elevations? Canopy cover? Etc.?</a:t>
-            </a:r>
-            <a:endParaRPr lang="en-US" dirty="0"/>
-          </a:p>
-        </p:txBody>
-      </p:sp>
-      <p:sp>
-        <p:nvSpPr>
-          <p:cNvPr id="4" name="Slide Number Placeholder 3"/>
-          <p:cNvSpPr>
-            <a:spLocks noGrp="1"/>
-          </p:cNvSpPr>
-          <p:nvPr>
-            <p:ph type="sldNum" sz="quarter" idx="10"/>
-          </p:nvPr>
-        </p:nvSpPr>
-        <p:spPr/>
-        <p:txBody>
-          <a:bodyPr/>
-          <a:lstStyle/>
-          <a:p>
-            <a:fld id="{673BC2EA-6883-4FBC-84D8-5E63915ED647}" type="slidenum">
-              <a:rPr lang="en-US" smtClean="0"/>
-              <a:t>10</a:t>
-            </a:fld>
-            <a:endParaRPr lang="en-US"/>
-          </a:p>
-        </p:txBody>
-      </p:sp>
-    </p:spTree>
-    <p:extLst>
-      <p:ext uri="{BB962C8B-B14F-4D97-AF65-F5344CB8AC3E}">
-        <p14:creationId xmlns:p14="http://schemas.microsoft.com/office/powerpoint/2010/main" val="2330898800"/>
+        <p14:creationId xmlns:p14="http://schemas.microsoft.com/office/powerpoint/2010/main" val="3934596357"/>
       </p:ext>
     </p:extLst>
   </p:cSld>
@@ -1990,13 +1920,7 @@
       </p:grpSpPr>
       <p:sp>
         <p:nvSpPr>
-          <p:cNvPr id="2" name="Title 1">
-            <a:extLst>
-              <a:ext uri="{FF2B5EF4-FFF2-40B4-BE49-F238E27FC236}">
-                <a16:creationId xmlns:a16="http://schemas.microsoft.com/office/drawing/2014/main" id="{F6BEE4D0-2948-4D8B-A6B0-A27F98C5260C}"/>
-              </a:ext>
-            </a:extLst>
-          </p:cNvPr>
+          <p:cNvPr id="2" name="Title 1"/>
           <p:cNvSpPr>
             <a:spLocks noGrp="1"/>
           </p:cNvSpPr>
@@ -2019,22 +1943,16 @@
           </a:lstStyle>
           <a:p>
             <a:r>
-              <a:rPr lang="en-US"/>
+              <a:rPr lang="en-US" smtClean="0"/>
               <a:t>Click to edit Master title style</a:t>
             </a:r>
-            <a:endParaRPr lang="en-US" dirty="0"/>
-          </a:p>
-        </p:txBody>
-      </p:sp>
-      <p:sp>
-        <p:nvSpPr>
-          <p:cNvPr id="3" name="Subtitle 2">
-            <a:extLst>
-              <a:ext uri="{FF2B5EF4-FFF2-40B4-BE49-F238E27FC236}">
-                <a16:creationId xmlns:a16="http://schemas.microsoft.com/office/drawing/2014/main" id="{7F1F3275-E82E-484B-AF27-5650288E8ED2}"/>
-              </a:ext>
-            </a:extLst>
-          </p:cNvPr>
+            <a:endParaRPr lang="en-US"/>
+          </a:p>
+        </p:txBody>
+      </p:sp>
+      <p:sp>
+        <p:nvSpPr>
+          <p:cNvPr id="3" name="Subtitle 2"/>
           <p:cNvSpPr>
             <a:spLocks noGrp="1"/>
           </p:cNvSpPr>
@@ -2049,13 +1967,11 @@
           </a:xfrm>
         </p:spPr>
         <p:txBody>
-          <a:bodyPr>
-            <a:normAutofit/>
-          </a:bodyPr>
+          <a:bodyPr/>
           <a:lstStyle>
             <a:lvl1pPr marL="0" indent="0" algn="ctr">
               <a:buNone/>
-              <a:defRPr sz="2800" b="1"/>
+              <a:defRPr sz="2400"/>
             </a:lvl1pPr>
             <a:lvl2pPr marL="457200" indent="0" algn="ctr">
               <a:buNone/>
@@ -2092,110 +2008,82 @@
           </a:lstStyle>
           <a:p>
             <a:r>
-              <a:rPr lang="en-US"/>
+              <a:rPr lang="en-US" smtClean="0"/>
               <a:t>Click to edit Master subtitle style</a:t>
             </a:r>
-            <a:endParaRPr lang="en-US" dirty="0"/>
-          </a:p>
-        </p:txBody>
-      </p:sp>
-      <p:grpSp>
-        <p:nvGrpSpPr>
-          <p:cNvPr id="9" name="Group 8">
-            <a:extLst>
-              <a:ext uri="{FF2B5EF4-FFF2-40B4-BE49-F238E27FC236}">
-                <a16:creationId xmlns:a16="http://schemas.microsoft.com/office/drawing/2014/main" id="{D86187BD-A9A7-4B3D-8F2C-B91567B9C326}"/>
-              </a:ext>
-            </a:extLst>
-          </p:cNvPr>
-          <p:cNvGrpSpPr/>
-          <p:nvPr userDrawn="1"/>
-        </p:nvGrpSpPr>
-        <p:grpSpPr>
-          <a:xfrm>
-            <a:off x="9460175" y="5892139"/>
-            <a:ext cx="2606722" cy="928422"/>
-            <a:chOff x="0" y="4684383"/>
-            <a:chExt cx="1175626" cy="447549"/>
-          </a:xfrm>
-        </p:grpSpPr>
-        <p:pic>
-          <p:nvPicPr>
-            <p:cNvPr id="7" name="Picture 6">
-              <a:extLst>
-                <a:ext uri="{FF2B5EF4-FFF2-40B4-BE49-F238E27FC236}">
-                  <a16:creationId xmlns:a16="http://schemas.microsoft.com/office/drawing/2014/main" id="{0A3E5B43-8C12-4719-87CA-7E757457C225}"/>
-                </a:ext>
-              </a:extLst>
-            </p:cNvPr>
-            <p:cNvPicPr>
-              <a:picLocks noChangeAspect="1"/>
-            </p:cNvPicPr>
-            <p:nvPr userDrawn="1"/>
-          </p:nvPicPr>
-          <p:blipFill>
-            <a:blip r:embed="rId2" cstate="print">
-              <a:extLst>
-                <a:ext uri="{28A0092B-C50C-407E-A947-70E740481C1C}">
-                  <a14:useLocalDpi xmlns:a14="http://schemas.microsoft.com/office/drawing/2010/main" val="0"/>
-                </a:ext>
-              </a:extLst>
-            </a:blip>
-            <a:stretch>
-              <a:fillRect/>
-            </a:stretch>
-          </p:blipFill>
-          <p:spPr>
-            <a:xfrm>
-              <a:off x="0" y="4705350"/>
-              <a:ext cx="775817" cy="426582"/>
-            </a:xfrm>
-            <a:prstGeom prst="rect">
-              <a:avLst/>
-            </a:prstGeom>
-          </p:spPr>
-        </p:pic>
-        <p:pic>
-          <p:nvPicPr>
-            <p:cNvPr id="8" name="Picture 7">
-              <a:extLst>
-                <a:ext uri="{FF2B5EF4-FFF2-40B4-BE49-F238E27FC236}">
-                  <a16:creationId xmlns:a16="http://schemas.microsoft.com/office/drawing/2014/main" id="{D1FEADCA-1EA9-45D5-8DD0-F4B44D8E1151}"/>
-                </a:ext>
-              </a:extLst>
-            </p:cNvPr>
-            <p:cNvPicPr>
-              <a:picLocks noChangeAspect="1"/>
-            </p:cNvPicPr>
-            <p:nvPr userDrawn="1"/>
-          </p:nvPicPr>
-          <p:blipFill>
-            <a:blip r:embed="rId3" cstate="print">
-              <a:extLst>
-                <a:ext uri="{28A0092B-C50C-407E-A947-70E740481C1C}">
-                  <a14:useLocalDpi xmlns:a14="http://schemas.microsoft.com/office/drawing/2010/main" val="0"/>
-                </a:ext>
-              </a:extLst>
-            </a:blip>
-            <a:stretch>
-              <a:fillRect/>
-            </a:stretch>
-          </p:blipFill>
-          <p:spPr>
-            <a:xfrm>
-              <a:off x="799685" y="4684383"/>
-              <a:ext cx="375941" cy="447549"/>
-            </a:xfrm>
-            <a:prstGeom prst="rect">
-              <a:avLst/>
-            </a:prstGeom>
-          </p:spPr>
-        </p:pic>
-      </p:grpSp>
+            <a:endParaRPr lang="en-US"/>
+          </a:p>
+        </p:txBody>
+      </p:sp>
+      <p:sp>
+        <p:nvSpPr>
+          <p:cNvPr id="4" name="Date Placeholder 3"/>
+          <p:cNvSpPr>
+            <a:spLocks noGrp="1"/>
+          </p:cNvSpPr>
+          <p:nvPr>
+            <p:ph type="dt" sz="half" idx="10"/>
+          </p:nvPr>
+        </p:nvSpPr>
+        <p:spPr/>
+        <p:txBody>
+          <a:bodyPr/>
+          <a:lstStyle/>
+          <a:p>
+            <a:fld id="{E2CECFA9-435C-48EE-8853-C428740090EF}" type="datetimeFigureOut">
+              <a:rPr lang="en-US" smtClean="0"/>
+              <a:t>12/11/2018</a:t>
+            </a:fld>
+            <a:endParaRPr lang="en-US"/>
+          </a:p>
+        </p:txBody>
+      </p:sp>
+      <p:sp>
+        <p:nvSpPr>
+          <p:cNvPr id="5" name="Footer Placeholder 4"/>
+          <p:cNvSpPr>
+            <a:spLocks noGrp="1"/>
+          </p:cNvSpPr>
+          <p:nvPr>
+            <p:ph type="ftr" sz="quarter" idx="11"/>
+          </p:nvPr>
+        </p:nvSpPr>
+        <p:spPr/>
+        <p:txBody>
+          <a:bodyPr/>
+          <a:lstStyle/>
+          <a:p>
+            <a:endParaRPr lang="en-US"/>
+          </a:p>
+        </p:txBody>
+      </p:sp>
+      <p:sp>
+        <p:nvSpPr>
+          <p:cNvPr id="6" name="Slide Number Placeholder 5"/>
+          <p:cNvSpPr>
+            <a:spLocks noGrp="1"/>
+          </p:cNvSpPr>
+          <p:nvPr>
+            <p:ph type="sldNum" sz="quarter" idx="12"/>
+          </p:nvPr>
+        </p:nvSpPr>
+        <p:spPr/>
+        <p:txBody>
+          <a:bodyPr/>
+          <a:lstStyle/>
+          <a:p>
+            <a:fld id="{631BB399-0552-41B9-A082-909C1E8A4E28}" type="slidenum">
+              <a:rPr lang="en-US" smtClean="0"/>
+              <a:t>‹#›</a:t>
+            </a:fld>
+            <a:endParaRPr lang="en-US"/>
+          </a:p>
+        </p:txBody>
+      </p:sp>
     </p:spTree>
     <p:extLst>
       <p:ext uri="{BB962C8B-B14F-4D97-AF65-F5344CB8AC3E}">
-        <p14:creationId xmlns:p14="http://schemas.microsoft.com/office/powerpoint/2010/main" val="2646855601"/>
+        <p14:creationId xmlns:p14="http://schemas.microsoft.com/office/powerpoint/2010/main" val="1463078195"/>
       </p:ext>
     </p:extLst>
   </p:cSld>
@@ -2224,13 +2112,7 @@
       </p:grpSpPr>
       <p:sp>
         <p:nvSpPr>
-          <p:cNvPr id="2" name="Title 1">
-            <a:extLst>
-              <a:ext uri="{FF2B5EF4-FFF2-40B4-BE49-F238E27FC236}">
-                <a16:creationId xmlns:a16="http://schemas.microsoft.com/office/drawing/2014/main" id="{494522C5-0666-4DB7-83CE-5B6CB4D1CF9A}"/>
-              </a:ext>
-            </a:extLst>
-          </p:cNvPr>
+          <p:cNvPr id="2" name="Title 1"/>
           <p:cNvSpPr>
             <a:spLocks noGrp="1"/>
           </p:cNvSpPr>
@@ -2244,21 +2126,16 @@
           <a:lstStyle/>
           <a:p>
             <a:r>
-              <a:rPr lang="en-US"/>
+              <a:rPr lang="en-US" smtClean="0"/>
               <a:t>Click to edit Master title style</a:t>
             </a:r>
-          </a:p>
-        </p:txBody>
-      </p:sp>
-      <p:sp>
-        <p:nvSpPr>
-          <p:cNvPr id="3" name="Vertical Text Placeholder 2">
-            <a:extLst>
-              <a:ext uri="{FF2B5EF4-FFF2-40B4-BE49-F238E27FC236}">
-                <a16:creationId xmlns:a16="http://schemas.microsoft.com/office/drawing/2014/main" id="{2C129D95-7B38-4744-A706-F3D434E89EF7}"/>
-              </a:ext>
-            </a:extLst>
-          </p:cNvPr>
+            <a:endParaRPr lang="en-US"/>
+          </a:p>
+        </p:txBody>
+      </p:sp>
+      <p:sp>
+        <p:nvSpPr>
+          <p:cNvPr id="3" name="Vertical Text Placeholder 2"/>
           <p:cNvSpPr>
             <a:spLocks noGrp="1"/>
           </p:cNvSpPr>
@@ -2273,49 +2150,44 @@
           <a:p>
             <a:pPr lvl="0"/>
             <a:r>
-              <a:rPr lang="en-US"/>
+              <a:rPr lang="en-US" smtClean="0"/>
               <a:t>Edit Master text styles</a:t>
             </a:r>
           </a:p>
           <a:p>
             <a:pPr lvl="1"/>
             <a:r>
-              <a:rPr lang="en-US"/>
+              <a:rPr lang="en-US" smtClean="0"/>
               <a:t>Second level</a:t>
             </a:r>
           </a:p>
           <a:p>
             <a:pPr lvl="2"/>
             <a:r>
-              <a:rPr lang="en-US"/>
+              <a:rPr lang="en-US" smtClean="0"/>
               <a:t>Third level</a:t>
             </a:r>
           </a:p>
           <a:p>
             <a:pPr lvl="3"/>
             <a:r>
-              <a:rPr lang="en-US"/>
+              <a:rPr lang="en-US" smtClean="0"/>
               <a:t>Fourth level</a:t>
             </a:r>
           </a:p>
           <a:p>
             <a:pPr lvl="4"/>
             <a:r>
-              <a:rPr lang="en-US"/>
+              <a:rPr lang="en-US" smtClean="0"/>
               <a:t>Fifth level</a:t>
             </a:r>
-          </a:p>
-        </p:txBody>
-      </p:sp>
-      <p:sp>
-        <p:nvSpPr>
-          <p:cNvPr id="4" name="Date Placeholder 3">
-            <a:extLst>
-              <a:ext uri="{FF2B5EF4-FFF2-40B4-BE49-F238E27FC236}">
-                <a16:creationId xmlns:a16="http://schemas.microsoft.com/office/drawing/2014/main" id="{ADC97E7D-72AD-48B7-ABA5-B20ABBFBD7C7}"/>
-              </a:ext>
-            </a:extLst>
-          </p:cNvPr>
+            <a:endParaRPr lang="en-US"/>
+          </a:p>
+        </p:txBody>
+      </p:sp>
+      <p:sp>
+        <p:nvSpPr>
+          <p:cNvPr id="4" name="Date Placeholder 3"/>
           <p:cNvSpPr>
             <a:spLocks noGrp="1"/>
           </p:cNvSpPr>
@@ -2323,22 +2195,14 @@
             <p:ph type="dt" sz="half" idx="10"/>
           </p:nvPr>
         </p:nvSpPr>
-        <p:spPr>
-          <a:xfrm>
-            <a:off x="838200" y="6356350"/>
-            <a:ext cx="2743200" cy="365125"/>
-          </a:xfrm>
-          <a:prstGeom prst="rect">
-            <a:avLst/>
-          </a:prstGeom>
-        </p:spPr>
+        <p:spPr/>
         <p:txBody>
           <a:bodyPr/>
           <a:lstStyle/>
           <a:p>
-            <a:fld id="{96DCDAD2-BF2B-4B23-962D-FA09F549519F}" type="datetimeFigureOut">
+            <a:fld id="{E2CECFA9-435C-48EE-8853-C428740090EF}" type="datetimeFigureOut">
               <a:rPr lang="en-US" smtClean="0"/>
-              <a:t>10/18/2018</a:t>
+              <a:t>12/11/2018</a:t>
             </a:fld>
             <a:endParaRPr lang="en-US"/>
           </a:p>
@@ -2346,13 +2210,7 @@
       </p:sp>
       <p:sp>
         <p:nvSpPr>
-          <p:cNvPr id="5" name="Footer Placeholder 4">
-            <a:extLst>
-              <a:ext uri="{FF2B5EF4-FFF2-40B4-BE49-F238E27FC236}">
-                <a16:creationId xmlns:a16="http://schemas.microsoft.com/office/drawing/2014/main" id="{796783C9-D241-4646-AA69-5AFF6519F7EB}"/>
-              </a:ext>
-            </a:extLst>
-          </p:cNvPr>
+          <p:cNvPr id="5" name="Footer Placeholder 4"/>
           <p:cNvSpPr>
             <a:spLocks noGrp="1"/>
           </p:cNvSpPr>
@@ -2371,13 +2229,7 @@
       </p:sp>
       <p:sp>
         <p:nvSpPr>
-          <p:cNvPr id="6" name="Slide Number Placeholder 5">
-            <a:extLst>
-              <a:ext uri="{FF2B5EF4-FFF2-40B4-BE49-F238E27FC236}">
-                <a16:creationId xmlns:a16="http://schemas.microsoft.com/office/drawing/2014/main" id="{0ABA8567-0C73-4EE1-85D6-11E997D3CA11}"/>
-              </a:ext>
-            </a:extLst>
-          </p:cNvPr>
+          <p:cNvPr id="6" name="Slide Number Placeholder 5"/>
           <p:cNvSpPr>
             <a:spLocks noGrp="1"/>
           </p:cNvSpPr>
@@ -2385,20 +2237,12 @@
             <p:ph type="sldNum" sz="quarter" idx="12"/>
           </p:nvPr>
         </p:nvSpPr>
-        <p:spPr>
-          <a:xfrm>
-            <a:off x="8610600" y="6356350"/>
-            <a:ext cx="2743200" cy="365125"/>
-          </a:xfrm>
-          <a:prstGeom prst="rect">
-            <a:avLst/>
-          </a:prstGeom>
-        </p:spPr>
+        <p:spPr/>
         <p:txBody>
           <a:bodyPr/>
           <a:lstStyle/>
           <a:p>
-            <a:fld id="{17033AE6-5420-42A5-A1BB-851F57D25ED1}" type="slidenum">
+            <a:fld id="{631BB399-0552-41B9-A082-909C1E8A4E28}" type="slidenum">
               <a:rPr lang="en-US" smtClean="0"/>
               <a:t>‹#›</a:t>
             </a:fld>
@@ -2409,7 +2253,7 @@
     </p:spTree>
     <p:extLst>
       <p:ext uri="{BB962C8B-B14F-4D97-AF65-F5344CB8AC3E}">
-        <p14:creationId xmlns:p14="http://schemas.microsoft.com/office/powerpoint/2010/main" val="3184401384"/>
+        <p14:creationId xmlns:p14="http://schemas.microsoft.com/office/powerpoint/2010/main" val="2596920760"/>
       </p:ext>
     </p:extLst>
   </p:cSld>
@@ -2438,13 +2282,7 @@
       </p:grpSpPr>
       <p:sp>
         <p:nvSpPr>
-          <p:cNvPr id="2" name="Vertical Title 1">
-            <a:extLst>
-              <a:ext uri="{FF2B5EF4-FFF2-40B4-BE49-F238E27FC236}">
-                <a16:creationId xmlns:a16="http://schemas.microsoft.com/office/drawing/2014/main" id="{C034C754-EBB8-4F31-83B1-76F65241CF42}"/>
-              </a:ext>
-            </a:extLst>
-          </p:cNvPr>
+          <p:cNvPr id="2" name="Vertical Title 1"/>
           <p:cNvSpPr>
             <a:spLocks noGrp="1"/>
           </p:cNvSpPr>
@@ -2463,21 +2301,16 @@
           <a:lstStyle/>
           <a:p>
             <a:r>
-              <a:rPr lang="en-US"/>
+              <a:rPr lang="en-US" smtClean="0"/>
               <a:t>Click to edit Master title style</a:t>
             </a:r>
-          </a:p>
-        </p:txBody>
-      </p:sp>
-      <p:sp>
-        <p:nvSpPr>
-          <p:cNvPr id="3" name="Vertical Text Placeholder 2">
-            <a:extLst>
-              <a:ext uri="{FF2B5EF4-FFF2-40B4-BE49-F238E27FC236}">
-                <a16:creationId xmlns:a16="http://schemas.microsoft.com/office/drawing/2014/main" id="{F0C526F1-1446-4F44-BC5F-884564219E21}"/>
-              </a:ext>
-            </a:extLst>
-          </p:cNvPr>
+            <a:endParaRPr lang="en-US"/>
+          </a:p>
+        </p:txBody>
+      </p:sp>
+      <p:sp>
+        <p:nvSpPr>
+          <p:cNvPr id="3" name="Vertical Text Placeholder 2"/>
           <p:cNvSpPr>
             <a:spLocks noGrp="1"/>
           </p:cNvSpPr>
@@ -2497,49 +2330,44 @@
           <a:p>
             <a:pPr lvl="0"/>
             <a:r>
-              <a:rPr lang="en-US"/>
+              <a:rPr lang="en-US" smtClean="0"/>
               <a:t>Edit Master text styles</a:t>
             </a:r>
           </a:p>
           <a:p>
             <a:pPr lvl="1"/>
             <a:r>
-              <a:rPr lang="en-US"/>
+              <a:rPr lang="en-US" smtClean="0"/>
               <a:t>Second level</a:t>
             </a:r>
           </a:p>
           <a:p>
             <a:pPr lvl="2"/>
             <a:r>
-              <a:rPr lang="en-US"/>
+              <a:rPr lang="en-US" smtClean="0"/>
               <a:t>Third level</a:t>
             </a:r>
           </a:p>
           <a:p>
             <a:pPr lvl="3"/>
             <a:r>
-              <a:rPr lang="en-US"/>
+              <a:rPr lang="en-US" smtClean="0"/>
               <a:t>Fourth level</a:t>
             </a:r>
           </a:p>
           <a:p>
             <a:pPr lvl="4"/>
             <a:r>
-              <a:rPr lang="en-US"/>
+              <a:rPr lang="en-US" smtClean="0"/>
               <a:t>Fifth level</a:t>
             </a:r>
-          </a:p>
-        </p:txBody>
-      </p:sp>
-      <p:sp>
-        <p:nvSpPr>
-          <p:cNvPr id="4" name="Date Placeholder 3">
-            <a:extLst>
-              <a:ext uri="{FF2B5EF4-FFF2-40B4-BE49-F238E27FC236}">
-                <a16:creationId xmlns:a16="http://schemas.microsoft.com/office/drawing/2014/main" id="{1DAB0D6A-501E-4400-90AE-40AD173EACB5}"/>
-              </a:ext>
-            </a:extLst>
-          </p:cNvPr>
+            <a:endParaRPr lang="en-US"/>
+          </a:p>
+        </p:txBody>
+      </p:sp>
+      <p:sp>
+        <p:nvSpPr>
+          <p:cNvPr id="4" name="Date Placeholder 3"/>
           <p:cNvSpPr>
             <a:spLocks noGrp="1"/>
           </p:cNvSpPr>
@@ -2547,22 +2375,14 @@
             <p:ph type="dt" sz="half" idx="10"/>
           </p:nvPr>
         </p:nvSpPr>
-        <p:spPr>
-          <a:xfrm>
-            <a:off x="838200" y="6356350"/>
-            <a:ext cx="2743200" cy="365125"/>
-          </a:xfrm>
-          <a:prstGeom prst="rect">
-            <a:avLst/>
-          </a:prstGeom>
-        </p:spPr>
+        <p:spPr/>
         <p:txBody>
           <a:bodyPr/>
           <a:lstStyle/>
           <a:p>
-            <a:fld id="{96DCDAD2-BF2B-4B23-962D-FA09F549519F}" type="datetimeFigureOut">
+            <a:fld id="{E2CECFA9-435C-48EE-8853-C428740090EF}" type="datetimeFigureOut">
               <a:rPr lang="en-US" smtClean="0"/>
-              <a:t>10/18/2018</a:t>
+              <a:t>12/11/2018</a:t>
             </a:fld>
             <a:endParaRPr lang="en-US"/>
           </a:p>
@@ -2570,13 +2390,7 @@
       </p:sp>
       <p:sp>
         <p:nvSpPr>
-          <p:cNvPr id="5" name="Footer Placeholder 4">
-            <a:extLst>
-              <a:ext uri="{FF2B5EF4-FFF2-40B4-BE49-F238E27FC236}">
-                <a16:creationId xmlns:a16="http://schemas.microsoft.com/office/drawing/2014/main" id="{76F1E445-1BC8-4794-9C96-36BEAF0741B6}"/>
-              </a:ext>
-            </a:extLst>
-          </p:cNvPr>
+          <p:cNvPr id="5" name="Footer Placeholder 4"/>
           <p:cNvSpPr>
             <a:spLocks noGrp="1"/>
           </p:cNvSpPr>
@@ -2595,13 +2409,7 @@
       </p:sp>
       <p:sp>
         <p:nvSpPr>
-          <p:cNvPr id="6" name="Slide Number Placeholder 5">
-            <a:extLst>
-              <a:ext uri="{FF2B5EF4-FFF2-40B4-BE49-F238E27FC236}">
-                <a16:creationId xmlns:a16="http://schemas.microsoft.com/office/drawing/2014/main" id="{D28A5DE7-2691-4958-B071-BAF6637CA8BE}"/>
-              </a:ext>
-            </a:extLst>
-          </p:cNvPr>
+          <p:cNvPr id="6" name="Slide Number Placeholder 5"/>
           <p:cNvSpPr>
             <a:spLocks noGrp="1"/>
           </p:cNvSpPr>
@@ -2609,20 +2417,12 @@
             <p:ph type="sldNum" sz="quarter" idx="12"/>
           </p:nvPr>
         </p:nvSpPr>
-        <p:spPr>
-          <a:xfrm>
-            <a:off x="8610600" y="6356350"/>
-            <a:ext cx="2743200" cy="365125"/>
-          </a:xfrm>
-          <a:prstGeom prst="rect">
-            <a:avLst/>
-          </a:prstGeom>
-        </p:spPr>
+        <p:spPr/>
         <p:txBody>
           <a:bodyPr/>
           <a:lstStyle/>
           <a:p>
-            <a:fld id="{17033AE6-5420-42A5-A1BB-851F57D25ED1}" type="slidenum">
+            <a:fld id="{631BB399-0552-41B9-A082-909C1E8A4E28}" type="slidenum">
               <a:rPr lang="en-US" smtClean="0"/>
               <a:t>‹#›</a:t>
             </a:fld>
@@ -2633,7 +2433,7 @@
     </p:spTree>
     <p:extLst>
       <p:ext uri="{BB962C8B-B14F-4D97-AF65-F5344CB8AC3E}">
-        <p14:creationId xmlns:p14="http://schemas.microsoft.com/office/powerpoint/2010/main" val="1649279261"/>
+        <p14:creationId xmlns:p14="http://schemas.microsoft.com/office/powerpoint/2010/main" val="1362233018"/>
       </p:ext>
     </p:extLst>
   </p:cSld>
@@ -2662,13 +2462,7 @@
       </p:grpSpPr>
       <p:sp>
         <p:nvSpPr>
-          <p:cNvPr id="2" name="Title 1">
-            <a:extLst>
-              <a:ext uri="{FF2B5EF4-FFF2-40B4-BE49-F238E27FC236}">
-                <a16:creationId xmlns:a16="http://schemas.microsoft.com/office/drawing/2014/main" id="{6C17425C-18D3-491A-B44C-33310DF00363}"/>
-              </a:ext>
-            </a:extLst>
-          </p:cNvPr>
+          <p:cNvPr id="2" name="Title 1"/>
           <p:cNvSpPr>
             <a:spLocks noGrp="1"/>
           </p:cNvSpPr>
@@ -2682,22 +2476,16 @@
           <a:lstStyle/>
           <a:p>
             <a:r>
-              <a:rPr lang="en-US"/>
+              <a:rPr lang="en-US" smtClean="0"/>
               <a:t>Click to edit Master title style</a:t>
             </a:r>
-            <a:endParaRPr lang="en-US" dirty="0"/>
-          </a:p>
-        </p:txBody>
-      </p:sp>
-      <p:sp>
-        <p:nvSpPr>
-          <p:cNvPr id="3" name="Content Placeholder 2">
-            <a:extLst>
-              <a:ext uri="{FF2B5EF4-FFF2-40B4-BE49-F238E27FC236}">
-                <a16:creationId xmlns:a16="http://schemas.microsoft.com/office/drawing/2014/main" id="{690EA820-1375-49CA-A199-58675EA20385}"/>
-              </a:ext>
-            </a:extLst>
-          </p:cNvPr>
+            <a:endParaRPr lang="en-US"/>
+          </a:p>
+        </p:txBody>
+      </p:sp>
+      <p:sp>
+        <p:nvSpPr>
+          <p:cNvPr id="3" name="Content Placeholder 2"/>
           <p:cNvSpPr>
             <a:spLocks noGrp="1"/>
           </p:cNvSpPr>
@@ -2708,65 +2496,71 @@
         <p:spPr/>
         <p:txBody>
           <a:bodyPr/>
-          <a:lstStyle>
-            <a:lvl2pPr marL="685800" indent="-228600">
-              <a:buFont typeface="Courier New" panose="02070309020205020404" pitchFamily="49" charset="0"/>
-              <a:buChar char="o"/>
-              <a:defRPr/>
-            </a:lvl2pPr>
-            <a:lvl3pPr marL="1143000" indent="-228600">
-              <a:buFont typeface="Wingdings" panose="05000000000000000000" pitchFamily="2" charset="2"/>
-              <a:buChar char="§"/>
-              <a:defRPr/>
-            </a:lvl3pPr>
-          </a:lstStyle>
+          <a:lstStyle/>
           <a:p>
             <a:pPr lvl="0"/>
             <a:r>
-              <a:rPr lang="en-US"/>
+              <a:rPr lang="en-US" smtClean="0"/>
               <a:t>Edit Master text styles</a:t>
             </a:r>
           </a:p>
           <a:p>
             <a:pPr lvl="1"/>
             <a:r>
-              <a:rPr lang="en-US"/>
+              <a:rPr lang="en-US" smtClean="0"/>
               <a:t>Second level</a:t>
             </a:r>
           </a:p>
           <a:p>
             <a:pPr lvl="2"/>
             <a:r>
-              <a:rPr lang="en-US"/>
+              <a:rPr lang="en-US" smtClean="0"/>
               <a:t>Third level</a:t>
             </a:r>
           </a:p>
           <a:p>
             <a:pPr lvl="3"/>
             <a:r>
-              <a:rPr lang="en-US"/>
+              <a:rPr lang="en-US" smtClean="0"/>
               <a:t>Fourth level</a:t>
             </a:r>
           </a:p>
           <a:p>
             <a:pPr lvl="4"/>
             <a:r>
-              <a:rPr lang="en-US"/>
+              <a:rPr lang="en-US" smtClean="0"/>
               <a:t>Fifth level</a:t>
             </a:r>
-            <a:endParaRPr lang="en-US" dirty="0"/>
-          </a:p>
-        </p:txBody>
-      </p:sp>
-      <p:sp>
-        <p:nvSpPr>
-          <p:cNvPr id="5" name="Footer Placeholder 4">
-            <a:extLst>
-              <a:ext uri="{FF2B5EF4-FFF2-40B4-BE49-F238E27FC236}">
-                <a16:creationId xmlns:a16="http://schemas.microsoft.com/office/drawing/2014/main" id="{2E02902E-6772-48E0-9C32-694AC3F38F05}"/>
-              </a:ext>
-            </a:extLst>
-          </p:cNvPr>
+            <a:endParaRPr lang="en-US"/>
+          </a:p>
+        </p:txBody>
+      </p:sp>
+      <p:sp>
+        <p:nvSpPr>
+          <p:cNvPr id="4" name="Date Placeholder 3"/>
+          <p:cNvSpPr>
+            <a:spLocks noGrp="1"/>
+          </p:cNvSpPr>
+          <p:nvPr>
+            <p:ph type="dt" sz="half" idx="10"/>
+          </p:nvPr>
+        </p:nvSpPr>
+        <p:spPr/>
+        <p:txBody>
+          <a:bodyPr/>
+          <a:lstStyle/>
+          <a:p>
+            <a:fld id="{E2CECFA9-435C-48EE-8853-C428740090EF}" type="datetimeFigureOut">
+              <a:rPr lang="en-US" smtClean="0"/>
+              <a:t>12/11/2018</a:t>
+            </a:fld>
+            <a:endParaRPr lang="en-US"/>
+          </a:p>
+        </p:txBody>
+      </p:sp>
+      <p:sp>
+        <p:nvSpPr>
+          <p:cNvPr id="5" name="Footer Placeholder 4"/>
           <p:cNvSpPr>
             <a:spLocks noGrp="1"/>
           </p:cNvSpPr>
@@ -2779,110 +2573,37 @@
           <a:bodyPr/>
           <a:lstStyle/>
           <a:p>
-            <a:r>
-              <a:rPr lang="en-US" dirty="0"/>
-              <a:t>SSA - 200</a:t>
-            </a:r>
-          </a:p>
-        </p:txBody>
-      </p:sp>
-      <p:grpSp>
-        <p:nvGrpSpPr>
-          <p:cNvPr id="7" name="Group 6">
-            <a:extLst>
-              <a:ext uri="{FF2B5EF4-FFF2-40B4-BE49-F238E27FC236}">
-                <a16:creationId xmlns:a16="http://schemas.microsoft.com/office/drawing/2014/main" id="{298F834E-EBF3-46CA-A2EC-73D50440B60A}"/>
-              </a:ext>
-            </a:extLst>
-          </p:cNvPr>
-          <p:cNvGrpSpPr/>
-          <p:nvPr userDrawn="1"/>
-        </p:nvGrpSpPr>
-        <p:grpSpPr>
-          <a:xfrm>
-            <a:off x="9460175" y="5892139"/>
-            <a:ext cx="2606722" cy="928422"/>
-            <a:chOff x="0" y="4684383"/>
-            <a:chExt cx="1175626" cy="447549"/>
-          </a:xfrm>
-        </p:grpSpPr>
-        <p:pic>
-          <p:nvPicPr>
-            <p:cNvPr id="8" name="Picture 7">
-              <a:extLst>
-                <a:ext uri="{FF2B5EF4-FFF2-40B4-BE49-F238E27FC236}">
-                  <a16:creationId xmlns:a16="http://schemas.microsoft.com/office/drawing/2014/main" id="{EB3E9659-0155-4ABB-9E67-A5BD8C5D39FB}"/>
-                </a:ext>
-              </a:extLst>
-            </p:cNvPr>
-            <p:cNvPicPr>
-              <a:picLocks noChangeAspect="1"/>
-            </p:cNvPicPr>
-            <p:nvPr userDrawn="1"/>
-          </p:nvPicPr>
-          <p:blipFill>
-            <a:blip r:embed="rId2" cstate="print">
-              <a:extLst>
-                <a:ext uri="{28A0092B-C50C-407E-A947-70E740481C1C}">
-                  <a14:useLocalDpi xmlns:a14="http://schemas.microsoft.com/office/drawing/2010/main" val="0"/>
-                </a:ext>
-              </a:extLst>
-            </a:blip>
-            <a:stretch>
-              <a:fillRect/>
-            </a:stretch>
-          </p:blipFill>
-          <p:spPr>
-            <a:xfrm>
-              <a:off x="0" y="4705350"/>
-              <a:ext cx="775817" cy="426582"/>
-            </a:xfrm>
-            <a:prstGeom prst="rect">
-              <a:avLst/>
-            </a:prstGeom>
-          </p:spPr>
-        </p:pic>
-        <p:pic>
-          <p:nvPicPr>
-            <p:cNvPr id="9" name="Picture 8">
-              <a:extLst>
-                <a:ext uri="{FF2B5EF4-FFF2-40B4-BE49-F238E27FC236}">
-                  <a16:creationId xmlns:a16="http://schemas.microsoft.com/office/drawing/2014/main" id="{1798BE8B-8B5E-4738-8DF7-8EF166351FDC}"/>
-                </a:ext>
-              </a:extLst>
-            </p:cNvPr>
-            <p:cNvPicPr>
-              <a:picLocks noChangeAspect="1"/>
-            </p:cNvPicPr>
-            <p:nvPr userDrawn="1"/>
-          </p:nvPicPr>
-          <p:blipFill>
-            <a:blip r:embed="rId3" cstate="print">
-              <a:extLst>
-                <a:ext uri="{28A0092B-C50C-407E-A947-70E740481C1C}">
-                  <a14:useLocalDpi xmlns:a14="http://schemas.microsoft.com/office/drawing/2010/main" val="0"/>
-                </a:ext>
-              </a:extLst>
-            </a:blip>
-            <a:stretch>
-              <a:fillRect/>
-            </a:stretch>
-          </p:blipFill>
-          <p:spPr>
-            <a:xfrm>
-              <a:off x="799685" y="4684383"/>
-              <a:ext cx="375941" cy="447549"/>
-            </a:xfrm>
-            <a:prstGeom prst="rect">
-              <a:avLst/>
-            </a:prstGeom>
-          </p:spPr>
-        </p:pic>
-      </p:grpSp>
+            <a:endParaRPr lang="en-US"/>
+          </a:p>
+        </p:txBody>
+      </p:sp>
+      <p:sp>
+        <p:nvSpPr>
+          <p:cNvPr id="6" name="Slide Number Placeholder 5"/>
+          <p:cNvSpPr>
+            <a:spLocks noGrp="1"/>
+          </p:cNvSpPr>
+          <p:nvPr>
+            <p:ph type="sldNum" sz="quarter" idx="12"/>
+          </p:nvPr>
+        </p:nvSpPr>
+        <p:spPr/>
+        <p:txBody>
+          <a:bodyPr/>
+          <a:lstStyle/>
+          <a:p>
+            <a:fld id="{631BB399-0552-41B9-A082-909C1E8A4E28}" type="slidenum">
+              <a:rPr lang="en-US" smtClean="0"/>
+              <a:t>‹#›</a:t>
+            </a:fld>
+            <a:endParaRPr lang="en-US"/>
+          </a:p>
+        </p:txBody>
+      </p:sp>
     </p:spTree>
     <p:extLst>
       <p:ext uri="{BB962C8B-B14F-4D97-AF65-F5344CB8AC3E}">
-        <p14:creationId xmlns:p14="http://schemas.microsoft.com/office/powerpoint/2010/main" val="3030983028"/>
+        <p14:creationId xmlns:p14="http://schemas.microsoft.com/office/powerpoint/2010/main" val="2802109876"/>
       </p:ext>
     </p:extLst>
   </p:cSld>
@@ -2911,13 +2632,7 @@
       </p:grpSpPr>
       <p:sp>
         <p:nvSpPr>
-          <p:cNvPr id="2" name="Title 1">
-            <a:extLst>
-              <a:ext uri="{FF2B5EF4-FFF2-40B4-BE49-F238E27FC236}">
-                <a16:creationId xmlns:a16="http://schemas.microsoft.com/office/drawing/2014/main" id="{185726EC-5590-4B3F-8B93-87BF6D6E2685}"/>
-              </a:ext>
-            </a:extLst>
-          </p:cNvPr>
+          <p:cNvPr id="2" name="Title 1"/>
           <p:cNvSpPr>
             <a:spLocks noGrp="1"/>
           </p:cNvSpPr>
@@ -2940,21 +2655,16 @@
           </a:lstStyle>
           <a:p>
             <a:r>
-              <a:rPr lang="en-US"/>
+              <a:rPr lang="en-US" smtClean="0"/>
               <a:t>Click to edit Master title style</a:t>
             </a:r>
-          </a:p>
-        </p:txBody>
-      </p:sp>
-      <p:sp>
-        <p:nvSpPr>
-          <p:cNvPr id="3" name="Text Placeholder 2">
-            <a:extLst>
-              <a:ext uri="{FF2B5EF4-FFF2-40B4-BE49-F238E27FC236}">
-                <a16:creationId xmlns:a16="http://schemas.microsoft.com/office/drawing/2014/main" id="{702BC31A-AFD3-475B-8FD8-2A3385AB9343}"/>
-              </a:ext>
-            </a:extLst>
-          </p:cNvPr>
+            <a:endParaRPr lang="en-US"/>
+          </a:p>
+        </p:txBody>
+      </p:sp>
+      <p:sp>
+        <p:nvSpPr>
+          <p:cNvPr id="3" name="Text Placeholder 2"/>
           <p:cNvSpPr>
             <a:spLocks noGrp="1"/>
           </p:cNvSpPr>
@@ -3065,7 +2775,7 @@
           <a:p>
             <a:pPr lvl="0"/>
             <a:r>
-              <a:rPr lang="en-US"/>
+              <a:rPr lang="en-US" smtClean="0"/>
               <a:t>Edit Master text styles</a:t>
             </a:r>
           </a:p>
@@ -3073,13 +2783,7 @@
       </p:sp>
       <p:sp>
         <p:nvSpPr>
-          <p:cNvPr id="4" name="Date Placeholder 3">
-            <a:extLst>
-              <a:ext uri="{FF2B5EF4-FFF2-40B4-BE49-F238E27FC236}">
-                <a16:creationId xmlns:a16="http://schemas.microsoft.com/office/drawing/2014/main" id="{C34470BF-A87D-49C2-A87F-81CA950634A0}"/>
-              </a:ext>
-            </a:extLst>
-          </p:cNvPr>
+          <p:cNvPr id="4" name="Date Placeholder 3"/>
           <p:cNvSpPr>
             <a:spLocks noGrp="1"/>
           </p:cNvSpPr>
@@ -3087,22 +2791,14 @@
             <p:ph type="dt" sz="half" idx="10"/>
           </p:nvPr>
         </p:nvSpPr>
-        <p:spPr>
-          <a:xfrm>
-            <a:off x="838200" y="6356350"/>
-            <a:ext cx="2743200" cy="365125"/>
-          </a:xfrm>
-          <a:prstGeom prst="rect">
-            <a:avLst/>
-          </a:prstGeom>
-        </p:spPr>
+        <p:spPr/>
         <p:txBody>
           <a:bodyPr/>
           <a:lstStyle/>
           <a:p>
-            <a:fld id="{96DCDAD2-BF2B-4B23-962D-FA09F549519F}" type="datetimeFigureOut">
+            <a:fld id="{E2CECFA9-435C-48EE-8853-C428740090EF}" type="datetimeFigureOut">
               <a:rPr lang="en-US" smtClean="0"/>
-              <a:t>10/18/2018</a:t>
+              <a:t>12/11/2018</a:t>
             </a:fld>
             <a:endParaRPr lang="en-US"/>
           </a:p>
@@ -3110,13 +2806,7 @@
       </p:sp>
       <p:sp>
         <p:nvSpPr>
-          <p:cNvPr id="5" name="Footer Placeholder 4">
-            <a:extLst>
-              <a:ext uri="{FF2B5EF4-FFF2-40B4-BE49-F238E27FC236}">
-                <a16:creationId xmlns:a16="http://schemas.microsoft.com/office/drawing/2014/main" id="{FA92D832-4BA1-436E-9216-19CE6A5C0BFE}"/>
-              </a:ext>
-            </a:extLst>
-          </p:cNvPr>
+          <p:cNvPr id="5" name="Footer Placeholder 4"/>
           <p:cNvSpPr>
             <a:spLocks noGrp="1"/>
           </p:cNvSpPr>
@@ -3135,13 +2825,7 @@
       </p:sp>
       <p:sp>
         <p:nvSpPr>
-          <p:cNvPr id="6" name="Slide Number Placeholder 5">
-            <a:extLst>
-              <a:ext uri="{FF2B5EF4-FFF2-40B4-BE49-F238E27FC236}">
-                <a16:creationId xmlns:a16="http://schemas.microsoft.com/office/drawing/2014/main" id="{F05B968E-A11B-4791-A225-DDAB8A994CFA}"/>
-              </a:ext>
-            </a:extLst>
-          </p:cNvPr>
+          <p:cNvPr id="6" name="Slide Number Placeholder 5"/>
           <p:cNvSpPr>
             <a:spLocks noGrp="1"/>
           </p:cNvSpPr>
@@ -3149,20 +2833,12 @@
             <p:ph type="sldNum" sz="quarter" idx="12"/>
           </p:nvPr>
         </p:nvSpPr>
-        <p:spPr>
-          <a:xfrm>
-            <a:off x="8610600" y="6356350"/>
-            <a:ext cx="2743200" cy="365125"/>
-          </a:xfrm>
-          <a:prstGeom prst="rect">
-            <a:avLst/>
-          </a:prstGeom>
-        </p:spPr>
+        <p:spPr/>
         <p:txBody>
           <a:bodyPr/>
           <a:lstStyle/>
           <a:p>
-            <a:fld id="{17033AE6-5420-42A5-A1BB-851F57D25ED1}" type="slidenum">
+            <a:fld id="{631BB399-0552-41B9-A082-909C1E8A4E28}" type="slidenum">
               <a:rPr lang="en-US" smtClean="0"/>
               <a:t>‹#›</a:t>
             </a:fld>
@@ -3173,7 +2849,7 @@
     </p:spTree>
     <p:extLst>
       <p:ext uri="{BB962C8B-B14F-4D97-AF65-F5344CB8AC3E}">
-        <p14:creationId xmlns:p14="http://schemas.microsoft.com/office/powerpoint/2010/main" val="2875018213"/>
+        <p14:creationId xmlns:p14="http://schemas.microsoft.com/office/powerpoint/2010/main" val="1998421322"/>
       </p:ext>
     </p:extLst>
   </p:cSld>
@@ -3202,13 +2878,7 @@
       </p:grpSpPr>
       <p:sp>
         <p:nvSpPr>
-          <p:cNvPr id="2" name="Title 1">
-            <a:extLst>
-              <a:ext uri="{FF2B5EF4-FFF2-40B4-BE49-F238E27FC236}">
-                <a16:creationId xmlns:a16="http://schemas.microsoft.com/office/drawing/2014/main" id="{A4669A23-3852-415D-8903-B7312F70C8CE}"/>
-              </a:ext>
-            </a:extLst>
-          </p:cNvPr>
+          <p:cNvPr id="2" name="Title 1"/>
           <p:cNvSpPr>
             <a:spLocks noGrp="1"/>
           </p:cNvSpPr>
@@ -3222,21 +2892,16 @@
           <a:lstStyle/>
           <a:p>
             <a:r>
-              <a:rPr lang="en-US"/>
+              <a:rPr lang="en-US" smtClean="0"/>
               <a:t>Click to edit Master title style</a:t>
             </a:r>
-          </a:p>
-        </p:txBody>
-      </p:sp>
-      <p:sp>
-        <p:nvSpPr>
-          <p:cNvPr id="3" name="Content Placeholder 2">
-            <a:extLst>
-              <a:ext uri="{FF2B5EF4-FFF2-40B4-BE49-F238E27FC236}">
-                <a16:creationId xmlns:a16="http://schemas.microsoft.com/office/drawing/2014/main" id="{11D49E50-AD63-415E-99DA-84C92E64DE61}"/>
-              </a:ext>
-            </a:extLst>
-          </p:cNvPr>
+            <a:endParaRPr lang="en-US"/>
+          </a:p>
+        </p:txBody>
+      </p:sp>
+      <p:sp>
+        <p:nvSpPr>
+          <p:cNvPr id="3" name="Content Placeholder 2"/>
           <p:cNvSpPr>
             <a:spLocks noGrp="1"/>
           </p:cNvSpPr>
@@ -3256,49 +2921,44 @@
           <a:p>
             <a:pPr lvl="0"/>
             <a:r>
-              <a:rPr lang="en-US"/>
+              <a:rPr lang="en-US" smtClean="0"/>
               <a:t>Edit Master text styles</a:t>
             </a:r>
           </a:p>
           <a:p>
             <a:pPr lvl="1"/>
             <a:r>
-              <a:rPr lang="en-US"/>
+              <a:rPr lang="en-US" smtClean="0"/>
               <a:t>Second level</a:t>
             </a:r>
           </a:p>
           <a:p>
             <a:pPr lvl="2"/>
             <a:r>
-              <a:rPr lang="en-US"/>
+              <a:rPr lang="en-US" smtClean="0"/>
               <a:t>Third level</a:t>
             </a:r>
           </a:p>
           <a:p>
             <a:pPr lvl="3"/>
             <a:r>
-              <a:rPr lang="en-US"/>
+              <a:rPr lang="en-US" smtClean="0"/>
               <a:t>Fourth level</a:t>
             </a:r>
           </a:p>
           <a:p>
             <a:pPr lvl="4"/>
             <a:r>
-              <a:rPr lang="en-US"/>
+              <a:rPr lang="en-US" smtClean="0"/>
               <a:t>Fifth level</a:t>
             </a:r>
-          </a:p>
-        </p:txBody>
-      </p:sp>
-      <p:sp>
-        <p:nvSpPr>
-          <p:cNvPr id="4" name="Content Placeholder 3">
-            <a:extLst>
-              <a:ext uri="{FF2B5EF4-FFF2-40B4-BE49-F238E27FC236}">
-                <a16:creationId xmlns:a16="http://schemas.microsoft.com/office/drawing/2014/main" id="{2A4420E8-85C5-4B63-9A9C-1CC0FA16D3A1}"/>
-              </a:ext>
-            </a:extLst>
-          </p:cNvPr>
+            <a:endParaRPr lang="en-US"/>
+          </a:p>
+        </p:txBody>
+      </p:sp>
+      <p:sp>
+        <p:nvSpPr>
+          <p:cNvPr id="4" name="Content Placeholder 3"/>
           <p:cNvSpPr>
             <a:spLocks noGrp="1"/>
           </p:cNvSpPr>
@@ -3318,49 +2978,44 @@
           <a:p>
             <a:pPr lvl="0"/>
             <a:r>
-              <a:rPr lang="en-US"/>
+              <a:rPr lang="en-US" smtClean="0"/>
               <a:t>Edit Master text styles</a:t>
             </a:r>
           </a:p>
           <a:p>
             <a:pPr lvl="1"/>
             <a:r>
-              <a:rPr lang="en-US"/>
+              <a:rPr lang="en-US" smtClean="0"/>
               <a:t>Second level</a:t>
             </a:r>
           </a:p>
           <a:p>
             <a:pPr lvl="2"/>
             <a:r>
-              <a:rPr lang="en-US"/>
+              <a:rPr lang="en-US" smtClean="0"/>
               <a:t>Third level</a:t>
             </a:r>
           </a:p>
           <a:p>
             <a:pPr lvl="3"/>
             <a:r>
-              <a:rPr lang="en-US"/>
+              <a:rPr lang="en-US" smtClean="0"/>
               <a:t>Fourth level</a:t>
             </a:r>
           </a:p>
           <a:p>
             <a:pPr lvl="4"/>
             <a:r>
-              <a:rPr lang="en-US"/>
+              <a:rPr lang="en-US" smtClean="0"/>
               <a:t>Fifth level</a:t>
             </a:r>
-          </a:p>
-        </p:txBody>
-      </p:sp>
-      <p:sp>
-        <p:nvSpPr>
-          <p:cNvPr id="5" name="Date Placeholder 4">
-            <a:extLst>
-              <a:ext uri="{FF2B5EF4-FFF2-40B4-BE49-F238E27FC236}">
-                <a16:creationId xmlns:a16="http://schemas.microsoft.com/office/drawing/2014/main" id="{2CD305D2-024D-47A9-A566-3657C84A3336}"/>
-              </a:ext>
-            </a:extLst>
-          </p:cNvPr>
+            <a:endParaRPr lang="en-US"/>
+          </a:p>
+        </p:txBody>
+      </p:sp>
+      <p:sp>
+        <p:nvSpPr>
+          <p:cNvPr id="5" name="Date Placeholder 4"/>
           <p:cNvSpPr>
             <a:spLocks noGrp="1"/>
           </p:cNvSpPr>
@@ -3368,22 +3023,14 @@
             <p:ph type="dt" sz="half" idx="10"/>
           </p:nvPr>
         </p:nvSpPr>
-        <p:spPr>
-          <a:xfrm>
-            <a:off x="838200" y="6356350"/>
-            <a:ext cx="2743200" cy="365125"/>
-          </a:xfrm>
-          <a:prstGeom prst="rect">
-            <a:avLst/>
-          </a:prstGeom>
-        </p:spPr>
+        <p:spPr/>
         <p:txBody>
           <a:bodyPr/>
           <a:lstStyle/>
           <a:p>
-            <a:fld id="{96DCDAD2-BF2B-4B23-962D-FA09F549519F}" type="datetimeFigureOut">
+            <a:fld id="{E2CECFA9-435C-48EE-8853-C428740090EF}" type="datetimeFigureOut">
               <a:rPr lang="en-US" smtClean="0"/>
-              <a:t>10/18/2018</a:t>
+              <a:t>12/11/2018</a:t>
             </a:fld>
             <a:endParaRPr lang="en-US"/>
           </a:p>
@@ -3391,13 +3038,7 @@
       </p:sp>
       <p:sp>
         <p:nvSpPr>
-          <p:cNvPr id="6" name="Footer Placeholder 5">
-            <a:extLst>
-              <a:ext uri="{FF2B5EF4-FFF2-40B4-BE49-F238E27FC236}">
-                <a16:creationId xmlns:a16="http://schemas.microsoft.com/office/drawing/2014/main" id="{73B305F1-7C3A-47AC-B3BA-9C8569C6B7DC}"/>
-              </a:ext>
-            </a:extLst>
-          </p:cNvPr>
+          <p:cNvPr id="6" name="Footer Placeholder 5"/>
           <p:cNvSpPr>
             <a:spLocks noGrp="1"/>
           </p:cNvSpPr>
@@ -3416,13 +3057,7 @@
       </p:sp>
       <p:sp>
         <p:nvSpPr>
-          <p:cNvPr id="7" name="Slide Number Placeholder 6">
-            <a:extLst>
-              <a:ext uri="{FF2B5EF4-FFF2-40B4-BE49-F238E27FC236}">
-                <a16:creationId xmlns:a16="http://schemas.microsoft.com/office/drawing/2014/main" id="{AAB821BD-C529-4F76-B156-490A930D2AFF}"/>
-              </a:ext>
-            </a:extLst>
-          </p:cNvPr>
+          <p:cNvPr id="7" name="Slide Number Placeholder 6"/>
           <p:cNvSpPr>
             <a:spLocks noGrp="1"/>
           </p:cNvSpPr>
@@ -3430,20 +3065,12 @@
             <p:ph type="sldNum" sz="quarter" idx="12"/>
           </p:nvPr>
         </p:nvSpPr>
-        <p:spPr>
-          <a:xfrm>
-            <a:off x="8610600" y="6356350"/>
-            <a:ext cx="2743200" cy="365125"/>
-          </a:xfrm>
-          <a:prstGeom prst="rect">
-            <a:avLst/>
-          </a:prstGeom>
-        </p:spPr>
+        <p:spPr/>
         <p:txBody>
           <a:bodyPr/>
           <a:lstStyle/>
           <a:p>
-            <a:fld id="{17033AE6-5420-42A5-A1BB-851F57D25ED1}" type="slidenum">
+            <a:fld id="{631BB399-0552-41B9-A082-909C1E8A4E28}" type="slidenum">
               <a:rPr lang="en-US" smtClean="0"/>
               <a:t>‹#›</a:t>
             </a:fld>
@@ -3454,7 +3081,7 @@
     </p:spTree>
     <p:extLst>
       <p:ext uri="{BB962C8B-B14F-4D97-AF65-F5344CB8AC3E}">
-        <p14:creationId xmlns:p14="http://schemas.microsoft.com/office/powerpoint/2010/main" val="1691889299"/>
+        <p14:creationId xmlns:p14="http://schemas.microsoft.com/office/powerpoint/2010/main" val="4132991657"/>
       </p:ext>
     </p:extLst>
   </p:cSld>
@@ -3483,13 +3110,7 @@
       </p:grpSpPr>
       <p:sp>
         <p:nvSpPr>
-          <p:cNvPr id="2" name="Title 1">
-            <a:extLst>
-              <a:ext uri="{FF2B5EF4-FFF2-40B4-BE49-F238E27FC236}">
-                <a16:creationId xmlns:a16="http://schemas.microsoft.com/office/drawing/2014/main" id="{9C561881-86DC-4916-AE89-0AF94D9C2977}"/>
-              </a:ext>
-            </a:extLst>
-          </p:cNvPr>
+          <p:cNvPr id="2" name="Title 1"/>
           <p:cNvSpPr>
             <a:spLocks noGrp="1"/>
           </p:cNvSpPr>
@@ -3508,21 +3129,16 @@
           <a:lstStyle/>
           <a:p>
             <a:r>
-              <a:rPr lang="en-US"/>
+              <a:rPr lang="en-US" smtClean="0"/>
               <a:t>Click to edit Master title style</a:t>
             </a:r>
-          </a:p>
-        </p:txBody>
-      </p:sp>
-      <p:sp>
-        <p:nvSpPr>
-          <p:cNvPr id="3" name="Text Placeholder 2">
-            <a:extLst>
-              <a:ext uri="{FF2B5EF4-FFF2-40B4-BE49-F238E27FC236}">
-                <a16:creationId xmlns:a16="http://schemas.microsoft.com/office/drawing/2014/main" id="{B1168BAB-1836-4E96-BAD0-AAFF619D397D}"/>
-              </a:ext>
-            </a:extLst>
-          </p:cNvPr>
+            <a:endParaRPr lang="en-US"/>
+          </a:p>
+        </p:txBody>
+      </p:sp>
+      <p:sp>
+        <p:nvSpPr>
+          <p:cNvPr id="3" name="Text Placeholder 2"/>
           <p:cNvSpPr>
             <a:spLocks noGrp="1"/>
           </p:cNvSpPr>
@@ -3579,7 +3195,7 @@
           <a:p>
             <a:pPr lvl="0"/>
             <a:r>
-              <a:rPr lang="en-US"/>
+              <a:rPr lang="en-US" smtClean="0"/>
               <a:t>Edit Master text styles</a:t>
             </a:r>
           </a:p>
@@ -3587,13 +3203,7 @@
       </p:sp>
       <p:sp>
         <p:nvSpPr>
-          <p:cNvPr id="4" name="Content Placeholder 3">
-            <a:extLst>
-              <a:ext uri="{FF2B5EF4-FFF2-40B4-BE49-F238E27FC236}">
-                <a16:creationId xmlns:a16="http://schemas.microsoft.com/office/drawing/2014/main" id="{32FF6108-0262-4DA9-B7C1-67C14C5DD408}"/>
-              </a:ext>
-            </a:extLst>
-          </p:cNvPr>
+          <p:cNvPr id="4" name="Content Placeholder 3"/>
           <p:cNvSpPr>
             <a:spLocks noGrp="1"/>
           </p:cNvSpPr>
@@ -3613,49 +3223,44 @@
           <a:p>
             <a:pPr lvl="0"/>
             <a:r>
-              <a:rPr lang="en-US"/>
+              <a:rPr lang="en-US" smtClean="0"/>
               <a:t>Edit Master text styles</a:t>
             </a:r>
           </a:p>
           <a:p>
             <a:pPr lvl="1"/>
             <a:r>
-              <a:rPr lang="en-US"/>
+              <a:rPr lang="en-US" smtClean="0"/>
               <a:t>Second level</a:t>
             </a:r>
           </a:p>
           <a:p>
             <a:pPr lvl="2"/>
             <a:r>
-              <a:rPr lang="en-US"/>
+              <a:rPr lang="en-US" smtClean="0"/>
               <a:t>Third level</a:t>
             </a:r>
           </a:p>
           <a:p>
             <a:pPr lvl="3"/>
             <a:r>
-              <a:rPr lang="en-US"/>
+              <a:rPr lang="en-US" smtClean="0"/>
               <a:t>Fourth level</a:t>
             </a:r>
           </a:p>
           <a:p>
             <a:pPr lvl="4"/>
             <a:r>
-              <a:rPr lang="en-US"/>
+              <a:rPr lang="en-US" smtClean="0"/>
               <a:t>Fifth level</a:t>
             </a:r>
-          </a:p>
-        </p:txBody>
-      </p:sp>
-      <p:sp>
-        <p:nvSpPr>
-          <p:cNvPr id="5" name="Text Placeholder 4">
-            <a:extLst>
-              <a:ext uri="{FF2B5EF4-FFF2-40B4-BE49-F238E27FC236}">
-                <a16:creationId xmlns:a16="http://schemas.microsoft.com/office/drawing/2014/main" id="{C3435E12-9692-4AB9-8792-8753CF5F331B}"/>
-              </a:ext>
-            </a:extLst>
-          </p:cNvPr>
+            <a:endParaRPr lang="en-US"/>
+          </a:p>
+        </p:txBody>
+      </p:sp>
+      <p:sp>
+        <p:nvSpPr>
+          <p:cNvPr id="5" name="Text Placeholder 4"/>
           <p:cNvSpPr>
             <a:spLocks noGrp="1"/>
           </p:cNvSpPr>
@@ -3712,7 +3317,7 @@
           <a:p>
             <a:pPr lvl="0"/>
             <a:r>
-              <a:rPr lang="en-US"/>
+              <a:rPr lang="en-US" smtClean="0"/>
               <a:t>Edit Master text styles</a:t>
             </a:r>
           </a:p>
@@ -3720,13 +3325,7 @@
       </p:sp>
       <p:sp>
         <p:nvSpPr>
-          <p:cNvPr id="6" name="Content Placeholder 5">
-            <a:extLst>
-              <a:ext uri="{FF2B5EF4-FFF2-40B4-BE49-F238E27FC236}">
-                <a16:creationId xmlns:a16="http://schemas.microsoft.com/office/drawing/2014/main" id="{B354201C-5274-4011-A80E-FE3998BCD0BB}"/>
-              </a:ext>
-            </a:extLst>
-          </p:cNvPr>
+          <p:cNvPr id="6" name="Content Placeholder 5"/>
           <p:cNvSpPr>
             <a:spLocks noGrp="1"/>
           </p:cNvSpPr>
@@ -3746,49 +3345,44 @@
           <a:p>
             <a:pPr lvl="0"/>
             <a:r>
-              <a:rPr lang="en-US"/>
+              <a:rPr lang="en-US" smtClean="0"/>
               <a:t>Edit Master text styles</a:t>
             </a:r>
           </a:p>
           <a:p>
             <a:pPr lvl="1"/>
             <a:r>
-              <a:rPr lang="en-US"/>
+              <a:rPr lang="en-US" smtClean="0"/>
               <a:t>Second level</a:t>
             </a:r>
           </a:p>
           <a:p>
             <a:pPr lvl="2"/>
             <a:r>
-              <a:rPr lang="en-US"/>
+              <a:rPr lang="en-US" smtClean="0"/>
               <a:t>Third level</a:t>
             </a:r>
           </a:p>
           <a:p>
             <a:pPr lvl="3"/>
             <a:r>
-              <a:rPr lang="en-US"/>
+              <a:rPr lang="en-US" smtClean="0"/>
               <a:t>Fourth level</a:t>
             </a:r>
           </a:p>
           <a:p>
             <a:pPr lvl="4"/>
             <a:r>
-              <a:rPr lang="en-US"/>
+              <a:rPr lang="en-US" smtClean="0"/>
               <a:t>Fifth level</a:t>
             </a:r>
-          </a:p>
-        </p:txBody>
-      </p:sp>
-      <p:sp>
-        <p:nvSpPr>
-          <p:cNvPr id="7" name="Date Placeholder 6">
-            <a:extLst>
-              <a:ext uri="{FF2B5EF4-FFF2-40B4-BE49-F238E27FC236}">
-                <a16:creationId xmlns:a16="http://schemas.microsoft.com/office/drawing/2014/main" id="{DB6D68A9-CDBE-4250-BDC9-E32480670E89}"/>
-              </a:ext>
-            </a:extLst>
-          </p:cNvPr>
+            <a:endParaRPr lang="en-US"/>
+          </a:p>
+        </p:txBody>
+      </p:sp>
+      <p:sp>
+        <p:nvSpPr>
+          <p:cNvPr id="7" name="Date Placeholder 6"/>
           <p:cNvSpPr>
             <a:spLocks noGrp="1"/>
           </p:cNvSpPr>
@@ -3796,22 +3390,14 @@
             <p:ph type="dt" sz="half" idx="10"/>
           </p:nvPr>
         </p:nvSpPr>
-        <p:spPr>
-          <a:xfrm>
-            <a:off x="838200" y="6356350"/>
-            <a:ext cx="2743200" cy="365125"/>
-          </a:xfrm>
-          <a:prstGeom prst="rect">
-            <a:avLst/>
-          </a:prstGeom>
-        </p:spPr>
+        <p:spPr/>
         <p:txBody>
           <a:bodyPr/>
           <a:lstStyle/>
           <a:p>
-            <a:fld id="{96DCDAD2-BF2B-4B23-962D-FA09F549519F}" type="datetimeFigureOut">
+            <a:fld id="{E2CECFA9-435C-48EE-8853-C428740090EF}" type="datetimeFigureOut">
               <a:rPr lang="en-US" smtClean="0"/>
-              <a:t>10/18/2018</a:t>
+              <a:t>12/11/2018</a:t>
             </a:fld>
             <a:endParaRPr lang="en-US"/>
           </a:p>
@@ -3819,13 +3405,7 @@
       </p:sp>
       <p:sp>
         <p:nvSpPr>
-          <p:cNvPr id="8" name="Footer Placeholder 7">
-            <a:extLst>
-              <a:ext uri="{FF2B5EF4-FFF2-40B4-BE49-F238E27FC236}">
-                <a16:creationId xmlns:a16="http://schemas.microsoft.com/office/drawing/2014/main" id="{9C6A8D0A-7F29-45C6-82F2-06B303437B1D}"/>
-              </a:ext>
-            </a:extLst>
-          </p:cNvPr>
+          <p:cNvPr id="8" name="Footer Placeholder 7"/>
           <p:cNvSpPr>
             <a:spLocks noGrp="1"/>
           </p:cNvSpPr>
@@ -3844,13 +3424,7 @@
       </p:sp>
       <p:sp>
         <p:nvSpPr>
-          <p:cNvPr id="9" name="Slide Number Placeholder 8">
-            <a:extLst>
-              <a:ext uri="{FF2B5EF4-FFF2-40B4-BE49-F238E27FC236}">
-                <a16:creationId xmlns:a16="http://schemas.microsoft.com/office/drawing/2014/main" id="{81B1795D-5472-415B-BA30-F548D00786DF}"/>
-              </a:ext>
-            </a:extLst>
-          </p:cNvPr>
+          <p:cNvPr id="9" name="Slide Number Placeholder 8"/>
           <p:cNvSpPr>
             <a:spLocks noGrp="1"/>
           </p:cNvSpPr>
@@ -3858,20 +3432,12 @@
             <p:ph type="sldNum" sz="quarter" idx="12"/>
           </p:nvPr>
         </p:nvSpPr>
-        <p:spPr>
-          <a:xfrm>
-            <a:off x="8610600" y="6356350"/>
-            <a:ext cx="2743200" cy="365125"/>
-          </a:xfrm>
-          <a:prstGeom prst="rect">
-            <a:avLst/>
-          </a:prstGeom>
-        </p:spPr>
+        <p:spPr/>
         <p:txBody>
           <a:bodyPr/>
           <a:lstStyle/>
           <a:p>
-            <a:fld id="{17033AE6-5420-42A5-A1BB-851F57D25ED1}" type="slidenum">
+            <a:fld id="{631BB399-0552-41B9-A082-909C1E8A4E28}" type="slidenum">
               <a:rPr lang="en-US" smtClean="0"/>
               <a:t>‹#›</a:t>
             </a:fld>
@@ -3882,7 +3448,7 @@
     </p:spTree>
     <p:extLst>
       <p:ext uri="{BB962C8B-B14F-4D97-AF65-F5344CB8AC3E}">
-        <p14:creationId xmlns:p14="http://schemas.microsoft.com/office/powerpoint/2010/main" val="4195727759"/>
+        <p14:creationId xmlns:p14="http://schemas.microsoft.com/office/powerpoint/2010/main" val="1007297970"/>
       </p:ext>
     </p:extLst>
   </p:cSld>
@@ -3911,13 +3477,7 @@
       </p:grpSpPr>
       <p:sp>
         <p:nvSpPr>
-          <p:cNvPr id="2" name="Title 1">
-            <a:extLst>
-              <a:ext uri="{FF2B5EF4-FFF2-40B4-BE49-F238E27FC236}">
-                <a16:creationId xmlns:a16="http://schemas.microsoft.com/office/drawing/2014/main" id="{2EB3CEBF-9D6F-47EF-9EE3-62C97B8693C7}"/>
-              </a:ext>
-            </a:extLst>
-          </p:cNvPr>
+          <p:cNvPr id="2" name="Title 1"/>
           <p:cNvSpPr>
             <a:spLocks noGrp="1"/>
           </p:cNvSpPr>
@@ -3931,21 +3491,16 @@
           <a:lstStyle/>
           <a:p>
             <a:r>
-              <a:rPr lang="en-US"/>
+              <a:rPr lang="en-US" smtClean="0"/>
               <a:t>Click to edit Master title style</a:t>
             </a:r>
-          </a:p>
-        </p:txBody>
-      </p:sp>
-      <p:sp>
-        <p:nvSpPr>
-          <p:cNvPr id="3" name="Date Placeholder 2">
-            <a:extLst>
-              <a:ext uri="{FF2B5EF4-FFF2-40B4-BE49-F238E27FC236}">
-                <a16:creationId xmlns:a16="http://schemas.microsoft.com/office/drawing/2014/main" id="{C6AE9C0A-FC09-4279-A12C-CF1FC4ACCE9B}"/>
-              </a:ext>
-            </a:extLst>
-          </p:cNvPr>
+            <a:endParaRPr lang="en-US"/>
+          </a:p>
+        </p:txBody>
+      </p:sp>
+      <p:sp>
+        <p:nvSpPr>
+          <p:cNvPr id="3" name="Date Placeholder 2"/>
           <p:cNvSpPr>
             <a:spLocks noGrp="1"/>
           </p:cNvSpPr>
@@ -3953,22 +3508,14 @@
             <p:ph type="dt" sz="half" idx="10"/>
           </p:nvPr>
         </p:nvSpPr>
-        <p:spPr>
-          <a:xfrm>
-            <a:off x="838200" y="6356350"/>
-            <a:ext cx="2743200" cy="365125"/>
-          </a:xfrm>
-          <a:prstGeom prst="rect">
-            <a:avLst/>
-          </a:prstGeom>
-        </p:spPr>
+        <p:spPr/>
         <p:txBody>
           <a:bodyPr/>
           <a:lstStyle/>
           <a:p>
-            <a:fld id="{96DCDAD2-BF2B-4B23-962D-FA09F549519F}" type="datetimeFigureOut">
+            <a:fld id="{E2CECFA9-435C-48EE-8853-C428740090EF}" type="datetimeFigureOut">
               <a:rPr lang="en-US" smtClean="0"/>
-              <a:t>10/18/2018</a:t>
+              <a:t>12/11/2018</a:t>
             </a:fld>
             <a:endParaRPr lang="en-US"/>
           </a:p>
@@ -3976,13 +3523,7 @@
       </p:sp>
       <p:sp>
         <p:nvSpPr>
-          <p:cNvPr id="4" name="Footer Placeholder 3">
-            <a:extLst>
-              <a:ext uri="{FF2B5EF4-FFF2-40B4-BE49-F238E27FC236}">
-                <a16:creationId xmlns:a16="http://schemas.microsoft.com/office/drawing/2014/main" id="{89A9F02E-BCCD-47A7-916C-5C304CA71A62}"/>
-              </a:ext>
-            </a:extLst>
-          </p:cNvPr>
+          <p:cNvPr id="4" name="Footer Placeholder 3"/>
           <p:cNvSpPr>
             <a:spLocks noGrp="1"/>
           </p:cNvSpPr>
@@ -4001,13 +3542,7 @@
       </p:sp>
       <p:sp>
         <p:nvSpPr>
-          <p:cNvPr id="5" name="Slide Number Placeholder 4">
-            <a:extLst>
-              <a:ext uri="{FF2B5EF4-FFF2-40B4-BE49-F238E27FC236}">
-                <a16:creationId xmlns:a16="http://schemas.microsoft.com/office/drawing/2014/main" id="{DCCA5EE6-0D3B-4C18-8759-812A322530D2}"/>
-              </a:ext>
-            </a:extLst>
-          </p:cNvPr>
+          <p:cNvPr id="5" name="Slide Number Placeholder 4"/>
           <p:cNvSpPr>
             <a:spLocks noGrp="1"/>
           </p:cNvSpPr>
@@ -4015,20 +3550,12 @@
             <p:ph type="sldNum" sz="quarter" idx="12"/>
           </p:nvPr>
         </p:nvSpPr>
-        <p:spPr>
-          <a:xfrm>
-            <a:off x="8610600" y="6356350"/>
-            <a:ext cx="2743200" cy="365125"/>
-          </a:xfrm>
-          <a:prstGeom prst="rect">
-            <a:avLst/>
-          </a:prstGeom>
-        </p:spPr>
+        <p:spPr/>
         <p:txBody>
           <a:bodyPr/>
           <a:lstStyle/>
           <a:p>
-            <a:fld id="{17033AE6-5420-42A5-A1BB-851F57D25ED1}" type="slidenum">
+            <a:fld id="{631BB399-0552-41B9-A082-909C1E8A4E28}" type="slidenum">
               <a:rPr lang="en-US" smtClean="0"/>
               <a:t>‹#›</a:t>
             </a:fld>
@@ -4039,7 +3566,7 @@
     </p:spTree>
     <p:extLst>
       <p:ext uri="{BB962C8B-B14F-4D97-AF65-F5344CB8AC3E}">
-        <p14:creationId xmlns:p14="http://schemas.microsoft.com/office/powerpoint/2010/main" val="3210051941"/>
+        <p14:creationId xmlns:p14="http://schemas.microsoft.com/office/powerpoint/2010/main" val="3455074588"/>
       </p:ext>
     </p:extLst>
   </p:cSld>
@@ -4068,13 +3595,7 @@
       </p:grpSpPr>
       <p:sp>
         <p:nvSpPr>
-          <p:cNvPr id="2" name="Date Placeholder 1">
-            <a:extLst>
-              <a:ext uri="{FF2B5EF4-FFF2-40B4-BE49-F238E27FC236}">
-                <a16:creationId xmlns:a16="http://schemas.microsoft.com/office/drawing/2014/main" id="{692CB08F-9B03-4D60-8EE4-511D62AE0DA2}"/>
-              </a:ext>
-            </a:extLst>
-          </p:cNvPr>
+          <p:cNvPr id="2" name="Date Placeholder 1"/>
           <p:cNvSpPr>
             <a:spLocks noGrp="1"/>
           </p:cNvSpPr>
@@ -4082,22 +3603,14 @@
             <p:ph type="dt" sz="half" idx="10"/>
           </p:nvPr>
         </p:nvSpPr>
-        <p:spPr>
-          <a:xfrm>
-            <a:off x="838200" y="6356350"/>
-            <a:ext cx="2743200" cy="365125"/>
-          </a:xfrm>
-          <a:prstGeom prst="rect">
-            <a:avLst/>
-          </a:prstGeom>
-        </p:spPr>
+        <p:spPr/>
         <p:txBody>
           <a:bodyPr/>
           <a:lstStyle/>
           <a:p>
-            <a:fld id="{96DCDAD2-BF2B-4B23-962D-FA09F549519F}" type="datetimeFigureOut">
+            <a:fld id="{E2CECFA9-435C-48EE-8853-C428740090EF}" type="datetimeFigureOut">
               <a:rPr lang="en-US" smtClean="0"/>
-              <a:t>10/18/2018</a:t>
+              <a:t>12/11/2018</a:t>
             </a:fld>
             <a:endParaRPr lang="en-US"/>
           </a:p>
@@ -4105,13 +3618,7 @@
       </p:sp>
       <p:sp>
         <p:nvSpPr>
-          <p:cNvPr id="3" name="Footer Placeholder 2">
-            <a:extLst>
-              <a:ext uri="{FF2B5EF4-FFF2-40B4-BE49-F238E27FC236}">
-                <a16:creationId xmlns:a16="http://schemas.microsoft.com/office/drawing/2014/main" id="{02D76FC5-22C7-4DB5-A361-705C02029D6F}"/>
-              </a:ext>
-            </a:extLst>
-          </p:cNvPr>
+          <p:cNvPr id="3" name="Footer Placeholder 2"/>
           <p:cNvSpPr>
             <a:spLocks noGrp="1"/>
           </p:cNvSpPr>
@@ -4130,13 +3637,7 @@
       </p:sp>
       <p:sp>
         <p:nvSpPr>
-          <p:cNvPr id="4" name="Slide Number Placeholder 3">
-            <a:extLst>
-              <a:ext uri="{FF2B5EF4-FFF2-40B4-BE49-F238E27FC236}">
-                <a16:creationId xmlns:a16="http://schemas.microsoft.com/office/drawing/2014/main" id="{BDE70A03-9867-43E1-A029-A3BE230783BC}"/>
-              </a:ext>
-            </a:extLst>
-          </p:cNvPr>
+          <p:cNvPr id="4" name="Slide Number Placeholder 3"/>
           <p:cNvSpPr>
             <a:spLocks noGrp="1"/>
           </p:cNvSpPr>
@@ -4144,20 +3645,12 @@
             <p:ph type="sldNum" sz="quarter" idx="12"/>
           </p:nvPr>
         </p:nvSpPr>
-        <p:spPr>
-          <a:xfrm>
-            <a:off x="8610600" y="6356350"/>
-            <a:ext cx="2743200" cy="365125"/>
-          </a:xfrm>
-          <a:prstGeom prst="rect">
-            <a:avLst/>
-          </a:prstGeom>
-        </p:spPr>
+        <p:spPr/>
         <p:txBody>
           <a:bodyPr/>
           <a:lstStyle/>
           <a:p>
-            <a:fld id="{17033AE6-5420-42A5-A1BB-851F57D25ED1}" type="slidenum">
+            <a:fld id="{631BB399-0552-41B9-A082-909C1E8A4E28}" type="slidenum">
               <a:rPr lang="en-US" smtClean="0"/>
               <a:t>‹#›</a:t>
             </a:fld>
@@ -4168,7 +3661,7 @@
     </p:spTree>
     <p:extLst>
       <p:ext uri="{BB962C8B-B14F-4D97-AF65-F5344CB8AC3E}">
-        <p14:creationId xmlns:p14="http://schemas.microsoft.com/office/powerpoint/2010/main" val="3984366002"/>
+        <p14:creationId xmlns:p14="http://schemas.microsoft.com/office/powerpoint/2010/main" val="3717782296"/>
       </p:ext>
     </p:extLst>
   </p:cSld>
@@ -4197,13 +3690,7 @@
       </p:grpSpPr>
       <p:sp>
         <p:nvSpPr>
-          <p:cNvPr id="2" name="Title 1">
-            <a:extLst>
-              <a:ext uri="{FF2B5EF4-FFF2-40B4-BE49-F238E27FC236}">
-                <a16:creationId xmlns:a16="http://schemas.microsoft.com/office/drawing/2014/main" id="{7D92E7AC-CA20-4FC5-AA54-7B5F06D7E3DF}"/>
-              </a:ext>
-            </a:extLst>
-          </p:cNvPr>
+          <p:cNvPr id="2" name="Title 1"/>
           <p:cNvSpPr>
             <a:spLocks noGrp="1"/>
           </p:cNvSpPr>
@@ -4226,21 +3713,16 @@
           </a:lstStyle>
           <a:p>
             <a:r>
-              <a:rPr lang="en-US"/>
+              <a:rPr lang="en-US" smtClean="0"/>
               <a:t>Click to edit Master title style</a:t>
             </a:r>
-          </a:p>
-        </p:txBody>
-      </p:sp>
-      <p:sp>
-        <p:nvSpPr>
-          <p:cNvPr id="3" name="Content Placeholder 2">
-            <a:extLst>
-              <a:ext uri="{FF2B5EF4-FFF2-40B4-BE49-F238E27FC236}">
-                <a16:creationId xmlns:a16="http://schemas.microsoft.com/office/drawing/2014/main" id="{C04311B7-6590-4631-B0EA-3CE414A88DA8}"/>
-              </a:ext>
-            </a:extLst>
-          </p:cNvPr>
+            <a:endParaRPr lang="en-US"/>
+          </a:p>
+        </p:txBody>
+      </p:sp>
+      <p:sp>
+        <p:nvSpPr>
+          <p:cNvPr id="3" name="Content Placeholder 2"/>
           <p:cNvSpPr>
             <a:spLocks noGrp="1"/>
           </p:cNvSpPr>
@@ -4288,49 +3770,44 @@
           <a:p>
             <a:pPr lvl="0"/>
             <a:r>
-              <a:rPr lang="en-US"/>
+              <a:rPr lang="en-US" smtClean="0"/>
               <a:t>Edit Master text styles</a:t>
             </a:r>
           </a:p>
           <a:p>
             <a:pPr lvl="1"/>
             <a:r>
-              <a:rPr lang="en-US"/>
+              <a:rPr lang="en-US" smtClean="0"/>
               <a:t>Second level</a:t>
             </a:r>
           </a:p>
           <a:p>
             <a:pPr lvl="2"/>
             <a:r>
-              <a:rPr lang="en-US"/>
+              <a:rPr lang="en-US" smtClean="0"/>
               <a:t>Third level</a:t>
             </a:r>
           </a:p>
           <a:p>
             <a:pPr lvl="3"/>
             <a:r>
-              <a:rPr lang="en-US"/>
+              <a:rPr lang="en-US" smtClean="0"/>
               <a:t>Fourth level</a:t>
             </a:r>
           </a:p>
           <a:p>
             <a:pPr lvl="4"/>
             <a:r>
-              <a:rPr lang="en-US"/>
+              <a:rPr lang="en-US" smtClean="0"/>
               <a:t>Fifth level</a:t>
             </a:r>
-          </a:p>
-        </p:txBody>
-      </p:sp>
-      <p:sp>
-        <p:nvSpPr>
-          <p:cNvPr id="4" name="Text Placeholder 3">
-            <a:extLst>
-              <a:ext uri="{FF2B5EF4-FFF2-40B4-BE49-F238E27FC236}">
-                <a16:creationId xmlns:a16="http://schemas.microsoft.com/office/drawing/2014/main" id="{B2F21C70-E3E7-4A52-B9E1-8B7E6EDF4A73}"/>
-              </a:ext>
-            </a:extLst>
-          </p:cNvPr>
+            <a:endParaRPr lang="en-US"/>
+          </a:p>
+        </p:txBody>
+      </p:sp>
+      <p:sp>
+        <p:nvSpPr>
+          <p:cNvPr id="4" name="Text Placeholder 3"/>
           <p:cNvSpPr>
             <a:spLocks noGrp="1"/>
           </p:cNvSpPr>
@@ -4387,7 +3864,7 @@
           <a:p>
             <a:pPr lvl="0"/>
             <a:r>
-              <a:rPr lang="en-US"/>
+              <a:rPr lang="en-US" smtClean="0"/>
               <a:t>Edit Master text styles</a:t>
             </a:r>
           </a:p>
@@ -4395,13 +3872,7 @@
       </p:sp>
       <p:sp>
         <p:nvSpPr>
-          <p:cNvPr id="5" name="Date Placeholder 4">
-            <a:extLst>
-              <a:ext uri="{FF2B5EF4-FFF2-40B4-BE49-F238E27FC236}">
-                <a16:creationId xmlns:a16="http://schemas.microsoft.com/office/drawing/2014/main" id="{C3665185-E7E2-4539-B9D0-02A042196115}"/>
-              </a:ext>
-            </a:extLst>
-          </p:cNvPr>
+          <p:cNvPr id="5" name="Date Placeholder 4"/>
           <p:cNvSpPr>
             <a:spLocks noGrp="1"/>
           </p:cNvSpPr>
@@ -4409,22 +3880,14 @@
             <p:ph type="dt" sz="half" idx="10"/>
           </p:nvPr>
         </p:nvSpPr>
-        <p:spPr>
-          <a:xfrm>
-            <a:off x="838200" y="6356350"/>
-            <a:ext cx="2743200" cy="365125"/>
-          </a:xfrm>
-          <a:prstGeom prst="rect">
-            <a:avLst/>
-          </a:prstGeom>
-        </p:spPr>
+        <p:spPr/>
         <p:txBody>
           <a:bodyPr/>
           <a:lstStyle/>
           <a:p>
-            <a:fld id="{96DCDAD2-BF2B-4B23-962D-FA09F549519F}" type="datetimeFigureOut">
+            <a:fld id="{E2CECFA9-435C-48EE-8853-C428740090EF}" type="datetimeFigureOut">
               <a:rPr lang="en-US" smtClean="0"/>
-              <a:t>10/18/2018</a:t>
+              <a:t>12/11/2018</a:t>
             </a:fld>
             <a:endParaRPr lang="en-US"/>
           </a:p>
@@ -4432,13 +3895,7 @@
       </p:sp>
       <p:sp>
         <p:nvSpPr>
-          <p:cNvPr id="6" name="Footer Placeholder 5">
-            <a:extLst>
-              <a:ext uri="{FF2B5EF4-FFF2-40B4-BE49-F238E27FC236}">
-                <a16:creationId xmlns:a16="http://schemas.microsoft.com/office/drawing/2014/main" id="{95F35328-35F6-4E9F-ACEA-7F6EDCE1399D}"/>
-              </a:ext>
-            </a:extLst>
-          </p:cNvPr>
+          <p:cNvPr id="6" name="Footer Placeholder 5"/>
           <p:cNvSpPr>
             <a:spLocks noGrp="1"/>
           </p:cNvSpPr>
@@ -4457,13 +3914,7 @@
       </p:sp>
       <p:sp>
         <p:nvSpPr>
-          <p:cNvPr id="7" name="Slide Number Placeholder 6">
-            <a:extLst>
-              <a:ext uri="{FF2B5EF4-FFF2-40B4-BE49-F238E27FC236}">
-                <a16:creationId xmlns:a16="http://schemas.microsoft.com/office/drawing/2014/main" id="{7D3530D7-713A-4142-865D-69F2CBB2ABC3}"/>
-              </a:ext>
-            </a:extLst>
-          </p:cNvPr>
+          <p:cNvPr id="7" name="Slide Number Placeholder 6"/>
           <p:cNvSpPr>
             <a:spLocks noGrp="1"/>
           </p:cNvSpPr>
@@ -4471,20 +3922,12 @@
             <p:ph type="sldNum" sz="quarter" idx="12"/>
           </p:nvPr>
         </p:nvSpPr>
-        <p:spPr>
-          <a:xfrm>
-            <a:off x="8610600" y="6356350"/>
-            <a:ext cx="2743200" cy="365125"/>
-          </a:xfrm>
-          <a:prstGeom prst="rect">
-            <a:avLst/>
-          </a:prstGeom>
-        </p:spPr>
+        <p:spPr/>
         <p:txBody>
           <a:bodyPr/>
           <a:lstStyle/>
           <a:p>
-            <a:fld id="{17033AE6-5420-42A5-A1BB-851F57D25ED1}" type="slidenum">
+            <a:fld id="{631BB399-0552-41B9-A082-909C1E8A4E28}" type="slidenum">
               <a:rPr lang="en-US" smtClean="0"/>
               <a:t>‹#›</a:t>
             </a:fld>
@@ -4495,7 +3938,7 @@
     </p:spTree>
     <p:extLst>
       <p:ext uri="{BB962C8B-B14F-4D97-AF65-F5344CB8AC3E}">
-        <p14:creationId xmlns:p14="http://schemas.microsoft.com/office/powerpoint/2010/main" val="3063822977"/>
+        <p14:creationId xmlns:p14="http://schemas.microsoft.com/office/powerpoint/2010/main" val="2562488175"/>
       </p:ext>
     </p:extLst>
   </p:cSld>
@@ -4524,13 +3967,7 @@
       </p:grpSpPr>
       <p:sp>
         <p:nvSpPr>
-          <p:cNvPr id="2" name="Title 1">
-            <a:extLst>
-              <a:ext uri="{FF2B5EF4-FFF2-40B4-BE49-F238E27FC236}">
-                <a16:creationId xmlns:a16="http://schemas.microsoft.com/office/drawing/2014/main" id="{5858AD64-1235-487E-9A09-75012305112A}"/>
-              </a:ext>
-            </a:extLst>
-          </p:cNvPr>
+          <p:cNvPr id="2" name="Title 1"/>
           <p:cNvSpPr>
             <a:spLocks noGrp="1"/>
           </p:cNvSpPr>
@@ -4553,21 +3990,16 @@
           </a:lstStyle>
           <a:p>
             <a:r>
-              <a:rPr lang="en-US"/>
+              <a:rPr lang="en-US" smtClean="0"/>
               <a:t>Click to edit Master title style</a:t>
             </a:r>
-          </a:p>
-        </p:txBody>
-      </p:sp>
-      <p:sp>
-        <p:nvSpPr>
-          <p:cNvPr id="3" name="Picture Placeholder 2">
-            <a:extLst>
-              <a:ext uri="{FF2B5EF4-FFF2-40B4-BE49-F238E27FC236}">
-                <a16:creationId xmlns:a16="http://schemas.microsoft.com/office/drawing/2014/main" id="{05D99B9C-611F-4220-8C96-BA83A97158DA}"/>
-              </a:ext>
-            </a:extLst>
-          </p:cNvPr>
+            <a:endParaRPr lang="en-US"/>
+          </a:p>
+        </p:txBody>
+      </p:sp>
+      <p:sp>
+        <p:nvSpPr>
+          <p:cNvPr id="3" name="Picture Placeholder 2"/>
           <p:cNvSpPr>
             <a:spLocks noGrp="1"/>
           </p:cNvSpPr>
@@ -4622,22 +4054,13 @@
             </a:lvl9pPr>
           </a:lstStyle>
           <a:p>
-            <a:r>
-              <a:rPr lang="en-US"/>
-              <a:t>Click icon to add picture</a:t>
-            </a:r>
-          </a:p>
-        </p:txBody>
-      </p:sp>
-      <p:sp>
-        <p:nvSpPr>
-          <p:cNvPr id="4" name="Text Placeholder 3">
-            <a:extLst>
-              <a:ext uri="{FF2B5EF4-FFF2-40B4-BE49-F238E27FC236}">
-                <a16:creationId xmlns:a16="http://schemas.microsoft.com/office/drawing/2014/main" id="{4E0AA1A1-26F2-44A0-9322-3322B2666875}"/>
-              </a:ext>
-            </a:extLst>
-          </p:cNvPr>
+            <a:endParaRPr lang="en-US"/>
+          </a:p>
+        </p:txBody>
+      </p:sp>
+      <p:sp>
+        <p:nvSpPr>
+          <p:cNvPr id="4" name="Text Placeholder 3"/>
           <p:cNvSpPr>
             <a:spLocks noGrp="1"/>
           </p:cNvSpPr>
@@ -4694,7 +4117,7 @@
           <a:p>
             <a:pPr lvl="0"/>
             <a:r>
-              <a:rPr lang="en-US"/>
+              <a:rPr lang="en-US" smtClean="0"/>
               <a:t>Edit Master text styles</a:t>
             </a:r>
           </a:p>
@@ -4702,13 +4125,7 @@
       </p:sp>
       <p:sp>
         <p:nvSpPr>
-          <p:cNvPr id="5" name="Date Placeholder 4">
-            <a:extLst>
-              <a:ext uri="{FF2B5EF4-FFF2-40B4-BE49-F238E27FC236}">
-                <a16:creationId xmlns:a16="http://schemas.microsoft.com/office/drawing/2014/main" id="{2520F382-0E56-432B-970C-3DABE5CA9ACE}"/>
-              </a:ext>
-            </a:extLst>
-          </p:cNvPr>
+          <p:cNvPr id="5" name="Date Placeholder 4"/>
           <p:cNvSpPr>
             <a:spLocks noGrp="1"/>
           </p:cNvSpPr>
@@ -4716,22 +4133,14 @@
             <p:ph type="dt" sz="half" idx="10"/>
           </p:nvPr>
         </p:nvSpPr>
-        <p:spPr>
-          <a:xfrm>
-            <a:off x="838200" y="6356350"/>
-            <a:ext cx="2743200" cy="365125"/>
-          </a:xfrm>
-          <a:prstGeom prst="rect">
-            <a:avLst/>
-          </a:prstGeom>
-        </p:spPr>
+        <p:spPr/>
         <p:txBody>
           <a:bodyPr/>
           <a:lstStyle/>
           <a:p>
-            <a:fld id="{96DCDAD2-BF2B-4B23-962D-FA09F549519F}" type="datetimeFigureOut">
+            <a:fld id="{E2CECFA9-435C-48EE-8853-C428740090EF}" type="datetimeFigureOut">
               <a:rPr lang="en-US" smtClean="0"/>
-              <a:t>10/18/2018</a:t>
+              <a:t>12/11/2018</a:t>
             </a:fld>
             <a:endParaRPr lang="en-US"/>
           </a:p>
@@ -4739,13 +4148,7 @@
       </p:sp>
       <p:sp>
         <p:nvSpPr>
-          <p:cNvPr id="6" name="Footer Placeholder 5">
-            <a:extLst>
-              <a:ext uri="{FF2B5EF4-FFF2-40B4-BE49-F238E27FC236}">
-                <a16:creationId xmlns:a16="http://schemas.microsoft.com/office/drawing/2014/main" id="{E62E010E-DD6F-43A1-82AC-4AAEF7E49092}"/>
-              </a:ext>
-            </a:extLst>
-          </p:cNvPr>
+          <p:cNvPr id="6" name="Footer Placeholder 5"/>
           <p:cNvSpPr>
             <a:spLocks noGrp="1"/>
           </p:cNvSpPr>
@@ -4764,13 +4167,7 @@
       </p:sp>
       <p:sp>
         <p:nvSpPr>
-          <p:cNvPr id="7" name="Slide Number Placeholder 6">
-            <a:extLst>
-              <a:ext uri="{FF2B5EF4-FFF2-40B4-BE49-F238E27FC236}">
-                <a16:creationId xmlns:a16="http://schemas.microsoft.com/office/drawing/2014/main" id="{F71EA10F-0831-4A28-8DCF-F8218C7F6AF5}"/>
-              </a:ext>
-            </a:extLst>
-          </p:cNvPr>
+          <p:cNvPr id="7" name="Slide Number Placeholder 6"/>
           <p:cNvSpPr>
             <a:spLocks noGrp="1"/>
           </p:cNvSpPr>
@@ -4778,20 +4175,12 @@
             <p:ph type="sldNum" sz="quarter" idx="12"/>
           </p:nvPr>
         </p:nvSpPr>
-        <p:spPr>
-          <a:xfrm>
-            <a:off x="8610600" y="6356350"/>
-            <a:ext cx="2743200" cy="365125"/>
-          </a:xfrm>
-          <a:prstGeom prst="rect">
-            <a:avLst/>
-          </a:prstGeom>
-        </p:spPr>
+        <p:spPr/>
         <p:txBody>
           <a:bodyPr/>
           <a:lstStyle/>
           <a:p>
-            <a:fld id="{17033AE6-5420-42A5-A1BB-851F57D25ED1}" type="slidenum">
+            <a:fld id="{631BB399-0552-41B9-A082-909C1E8A4E28}" type="slidenum">
               <a:rPr lang="en-US" smtClean="0"/>
               <a:t>‹#›</a:t>
             </a:fld>
@@ -4802,7 +4191,7 @@
     </p:spTree>
     <p:extLst>
       <p:ext uri="{BB962C8B-B14F-4D97-AF65-F5344CB8AC3E}">
-        <p14:creationId xmlns:p14="http://schemas.microsoft.com/office/powerpoint/2010/main" val="3023416553"/>
+        <p14:creationId xmlns:p14="http://schemas.microsoft.com/office/powerpoint/2010/main" val="1753297546"/>
       </p:ext>
     </p:extLst>
   </p:cSld>
@@ -4836,13 +4225,7 @@
       </p:grpSpPr>
       <p:sp>
         <p:nvSpPr>
-          <p:cNvPr id="2" name="Title Placeholder 1">
-            <a:extLst>
-              <a:ext uri="{FF2B5EF4-FFF2-40B4-BE49-F238E27FC236}">
-                <a16:creationId xmlns:a16="http://schemas.microsoft.com/office/drawing/2014/main" id="{B97A4B4B-7891-46E8-8E2C-4A43CE28BEDF}"/>
-              </a:ext>
-            </a:extLst>
-          </p:cNvPr>
+          <p:cNvPr id="2" name="Title Placeholder 1"/>
           <p:cNvSpPr>
             <a:spLocks noGrp="1"/>
           </p:cNvSpPr>
@@ -4866,21 +4249,16 @@
           <a:lstStyle/>
           <a:p>
             <a:r>
-              <a:rPr lang="en-US"/>
+              <a:rPr lang="en-US" smtClean="0"/>
               <a:t>Click to edit Master title style</a:t>
             </a:r>
-          </a:p>
-        </p:txBody>
-      </p:sp>
-      <p:sp>
-        <p:nvSpPr>
-          <p:cNvPr id="3" name="Text Placeholder 2">
-            <a:extLst>
-              <a:ext uri="{FF2B5EF4-FFF2-40B4-BE49-F238E27FC236}">
-                <a16:creationId xmlns:a16="http://schemas.microsoft.com/office/drawing/2014/main" id="{3911003D-388B-489E-B61B-028FD9516650}"/>
-              </a:ext>
-            </a:extLst>
-          </p:cNvPr>
+            <a:endParaRPr lang="en-US"/>
+          </a:p>
+        </p:txBody>
+      </p:sp>
+      <p:sp>
+        <p:nvSpPr>
+          <p:cNvPr id="3" name="Text Placeholder 2"/>
           <p:cNvSpPr>
             <a:spLocks noGrp="1"/>
           </p:cNvSpPr>
@@ -4905,49 +4283,85 @@
           <a:p>
             <a:pPr lvl="0"/>
             <a:r>
-              <a:rPr lang="en-US" dirty="0"/>
+              <a:rPr lang="en-US" smtClean="0"/>
               <a:t>Edit Master text styles</a:t>
             </a:r>
           </a:p>
           <a:p>
             <a:pPr lvl="1"/>
             <a:r>
-              <a:rPr lang="en-US" dirty="0"/>
+              <a:rPr lang="en-US" smtClean="0"/>
               <a:t>Second level</a:t>
             </a:r>
           </a:p>
           <a:p>
             <a:pPr lvl="2"/>
             <a:r>
-              <a:rPr lang="en-US" dirty="0"/>
+              <a:rPr lang="en-US" smtClean="0"/>
               <a:t>Third level</a:t>
             </a:r>
           </a:p>
           <a:p>
             <a:pPr lvl="3"/>
             <a:r>
-              <a:rPr lang="en-US" dirty="0"/>
+              <a:rPr lang="en-US" smtClean="0"/>
               <a:t>Fourth level</a:t>
             </a:r>
           </a:p>
           <a:p>
             <a:pPr lvl="4"/>
             <a:r>
-              <a:rPr lang="en-US" dirty="0"/>
+              <a:rPr lang="en-US" smtClean="0"/>
               <a:t>Fifth level</a:t>
             </a:r>
-          </a:p>
-        </p:txBody>
-      </p:sp>
-      <p:sp>
-        <p:nvSpPr>
-          <p:cNvPr id="5" name="Footer Placeholder 4">
-            <a:extLst>
-              <a:ext uri="{FF2B5EF4-FFF2-40B4-BE49-F238E27FC236}">
-                <a16:creationId xmlns:a16="http://schemas.microsoft.com/office/drawing/2014/main" id="{7FF24B16-6409-4A0B-A9E8-7BEDFCD3741B}"/>
-              </a:ext>
-            </a:extLst>
-          </p:cNvPr>
+            <a:endParaRPr lang="en-US"/>
+          </a:p>
+        </p:txBody>
+      </p:sp>
+      <p:sp>
+        <p:nvSpPr>
+          <p:cNvPr id="4" name="Date Placeholder 3"/>
+          <p:cNvSpPr>
+            <a:spLocks noGrp="1"/>
+          </p:cNvSpPr>
+          <p:nvPr>
+            <p:ph type="dt" sz="half" idx="2"/>
+          </p:nvPr>
+        </p:nvSpPr>
+        <p:spPr>
+          <a:xfrm>
+            <a:off x="838200" y="6356350"/>
+            <a:ext cx="2743200" cy="365125"/>
+          </a:xfrm>
+          <a:prstGeom prst="rect">
+            <a:avLst/>
+          </a:prstGeom>
+        </p:spPr>
+        <p:txBody>
+          <a:bodyPr vert="horz" lIns="91440" tIns="45720" rIns="91440" bIns="45720" rtlCol="0" anchor="ctr"/>
+          <a:lstStyle>
+            <a:lvl1pPr algn="l">
+              <a:defRPr sz="1200">
+                <a:solidFill>
+                  <a:schemeClr val="tx1">
+                    <a:tint val="75000"/>
+                  </a:schemeClr>
+                </a:solidFill>
+              </a:defRPr>
+            </a:lvl1pPr>
+          </a:lstStyle>
+          <a:p>
+            <a:fld id="{E2CECFA9-435C-48EE-8853-C428740090EF}" type="datetimeFigureOut">
+              <a:rPr lang="en-US" smtClean="0"/>
+              <a:t>12/11/2018</a:t>
+            </a:fld>
+            <a:endParaRPr lang="en-US"/>
+          </a:p>
+        </p:txBody>
+      </p:sp>
+      <p:sp>
+        <p:nvSpPr>
+          <p:cNvPr id="5" name="Footer Placeholder 4"/>
           <p:cNvSpPr>
             <a:spLocks noGrp="1"/>
           </p:cNvSpPr>
@@ -4978,110 +4392,55 @@
             </a:lvl1pPr>
           </a:lstStyle>
           <a:p>
-            <a:r>
-              <a:rPr lang="en-US" dirty="0"/>
-              <a:t>SSA - 200</a:t>
-            </a:r>
-          </a:p>
-        </p:txBody>
-      </p:sp>
-      <p:grpSp>
-        <p:nvGrpSpPr>
-          <p:cNvPr id="8" name="Group 7">
-            <a:extLst>
-              <a:ext uri="{FF2B5EF4-FFF2-40B4-BE49-F238E27FC236}">
-                <a16:creationId xmlns:a16="http://schemas.microsoft.com/office/drawing/2014/main" id="{8C1E83E0-1C1D-47CB-853B-598DFFEE3018}"/>
-              </a:ext>
-            </a:extLst>
-          </p:cNvPr>
-          <p:cNvGrpSpPr/>
-          <p:nvPr userDrawn="1"/>
-        </p:nvGrpSpPr>
-        <p:grpSpPr>
+            <a:endParaRPr lang="en-US"/>
+          </a:p>
+        </p:txBody>
+      </p:sp>
+      <p:sp>
+        <p:nvSpPr>
+          <p:cNvPr id="6" name="Slide Number Placeholder 5"/>
+          <p:cNvSpPr>
+            <a:spLocks noGrp="1"/>
+          </p:cNvSpPr>
+          <p:nvPr>
+            <p:ph type="sldNum" sz="quarter" idx="4"/>
+          </p:nvPr>
+        </p:nvSpPr>
+        <p:spPr>
           <a:xfrm>
-            <a:off x="9460175" y="5892139"/>
-            <a:ext cx="2606722" cy="928422"/>
-            <a:chOff x="0" y="4684383"/>
-            <a:chExt cx="1175626" cy="447549"/>
+            <a:off x="8610600" y="6356350"/>
+            <a:ext cx="2743200" cy="365125"/>
           </a:xfrm>
-        </p:grpSpPr>
-        <p:pic>
-          <p:nvPicPr>
-            <p:cNvPr id="9" name="Picture 8">
-              <a:extLst>
-                <a:ext uri="{FF2B5EF4-FFF2-40B4-BE49-F238E27FC236}">
-                  <a16:creationId xmlns:a16="http://schemas.microsoft.com/office/drawing/2014/main" id="{C247AE3A-171B-4E36-8770-E111D72C8D51}"/>
-                </a:ext>
-              </a:extLst>
-            </p:cNvPr>
-            <p:cNvPicPr>
-              <a:picLocks noChangeAspect="1"/>
-            </p:cNvPicPr>
-            <p:nvPr userDrawn="1"/>
-          </p:nvPicPr>
-          <p:blipFill>
-            <a:blip r:embed="rId13" cstate="print">
-              <a:extLst>
-                <a:ext uri="{28A0092B-C50C-407E-A947-70E740481C1C}">
-                  <a14:useLocalDpi xmlns:a14="http://schemas.microsoft.com/office/drawing/2010/main" val="0"/>
-                </a:ext>
-              </a:extLst>
-            </a:blip>
-            <a:stretch>
-              <a:fillRect/>
-            </a:stretch>
-          </p:blipFill>
-          <p:spPr>
-            <a:xfrm>
-              <a:off x="0" y="4705350"/>
-              <a:ext cx="775817" cy="426582"/>
-            </a:xfrm>
-            <a:prstGeom prst="rect">
-              <a:avLst/>
-            </a:prstGeom>
-          </p:spPr>
-        </p:pic>
-        <p:pic>
-          <p:nvPicPr>
-            <p:cNvPr id="10" name="Picture 9">
-              <a:extLst>
-                <a:ext uri="{FF2B5EF4-FFF2-40B4-BE49-F238E27FC236}">
-                  <a16:creationId xmlns:a16="http://schemas.microsoft.com/office/drawing/2014/main" id="{CB3072C0-B39B-4FDC-B4B6-E51875FEB3AC}"/>
-                </a:ext>
-              </a:extLst>
-            </p:cNvPr>
-            <p:cNvPicPr>
-              <a:picLocks noChangeAspect="1"/>
-            </p:cNvPicPr>
-            <p:nvPr userDrawn="1"/>
-          </p:nvPicPr>
-          <p:blipFill>
-            <a:blip r:embed="rId14" cstate="print">
-              <a:extLst>
-                <a:ext uri="{28A0092B-C50C-407E-A947-70E740481C1C}">
-                  <a14:useLocalDpi xmlns:a14="http://schemas.microsoft.com/office/drawing/2010/main" val="0"/>
-                </a:ext>
-              </a:extLst>
-            </a:blip>
-            <a:stretch>
-              <a:fillRect/>
-            </a:stretch>
-          </p:blipFill>
-          <p:spPr>
-            <a:xfrm>
-              <a:off x="799685" y="4684383"/>
-              <a:ext cx="375941" cy="447549"/>
-            </a:xfrm>
-            <a:prstGeom prst="rect">
-              <a:avLst/>
-            </a:prstGeom>
-          </p:spPr>
-        </p:pic>
-      </p:grpSp>
+          <a:prstGeom prst="rect">
+            <a:avLst/>
+          </a:prstGeom>
+        </p:spPr>
+        <p:txBody>
+          <a:bodyPr vert="horz" lIns="91440" tIns="45720" rIns="91440" bIns="45720" rtlCol="0" anchor="ctr"/>
+          <a:lstStyle>
+            <a:lvl1pPr algn="r">
+              <a:defRPr sz="1200">
+                <a:solidFill>
+                  <a:schemeClr val="tx1">
+                    <a:tint val="75000"/>
+                  </a:schemeClr>
+                </a:solidFill>
+              </a:defRPr>
+            </a:lvl1pPr>
+          </a:lstStyle>
+          <a:p>
+            <a:fld id="{631BB399-0552-41B9-A082-909C1E8A4E28}" type="slidenum">
+              <a:rPr lang="en-US" smtClean="0"/>
+              <a:t>‹#›</a:t>
+            </a:fld>
+            <a:endParaRPr lang="en-US"/>
+          </a:p>
+        </p:txBody>
+      </p:sp>
     </p:spTree>
     <p:extLst>
       <p:ext uri="{BB962C8B-B14F-4D97-AF65-F5344CB8AC3E}">
-        <p14:creationId xmlns:p14="http://schemas.microsoft.com/office/powerpoint/2010/main" val="884656780"/>
+        <p14:creationId xmlns:p14="http://schemas.microsoft.com/office/powerpoint/2010/main" val="2581703550"/>
       </p:ext>
     </p:extLst>
   </p:cSld>
@@ -5145,8 +4504,8 @@
         <a:spcBef>
           <a:spcPts val="500"/>
         </a:spcBef>
-        <a:buFont typeface="Courier New" panose="02070309020205020404" pitchFamily="49" charset="0"/>
-        <a:buChar char="o"/>
+        <a:buFont typeface="Arial" panose="020B0604020202020204" pitchFamily="34" charset="0"/>
+        <a:buChar char="•"/>
         <a:defRPr sz="2400" kern="1200">
           <a:solidFill>
             <a:schemeClr val="tx1"/>
@@ -5163,8 +4522,8 @@
         <a:spcBef>
           <a:spcPts val="500"/>
         </a:spcBef>
-        <a:buFont typeface="Wingdings" panose="05000000000000000000" pitchFamily="2" charset="2"/>
-        <a:buChar char="§"/>
+        <a:buFont typeface="Arial" panose="020B0604020202020204" pitchFamily="34" charset="0"/>
+        <a:buChar char="•"/>
         <a:defRPr sz="2000" kern="1200">
           <a:solidFill>
             <a:schemeClr val="tx1"/>
@@ -5415,8 +4774,8 @@
           <a:lstStyle/>
           <a:p>
             <a:r>
-              <a:rPr lang="en-US"/>
-              <a:t>Descriptive data</a:t>
+              <a:rPr lang="en-US" dirty="0" smtClean="0"/>
+              <a:t>Descriptive “data”</a:t>
             </a:r>
             <a:endParaRPr lang="en-US" dirty="0"/>
           </a:p>
@@ -5424,7 +4783,7 @@
       </p:sp>
       <p:sp>
         <p:nvSpPr>
-          <p:cNvPr id="4" name="Subtitle 3"/>
+          <p:cNvPr id="3" name="Subtitle 2"/>
           <p:cNvSpPr>
             <a:spLocks noGrp="1"/>
           </p:cNvSpPr>
@@ -5438,12 +4797,130 @@
           <a:lstStyle/>
           <a:p>
             <a:r>
-              <a:rPr lang="en-US" dirty="0"/>
-              <a:t>SSA 200</a:t>
-            </a:r>
-          </a:p>
-        </p:txBody>
-      </p:sp>
+              <a:rPr lang="en-US" dirty="0" smtClean="0"/>
+              <a:t>What can we do?</a:t>
+            </a:r>
+            <a:endParaRPr lang="en-US" dirty="0"/>
+          </a:p>
+        </p:txBody>
+      </p:sp>
+      <p:grpSp>
+        <p:nvGrpSpPr>
+          <p:cNvPr id="5" name="Group 4"/>
+          <p:cNvGrpSpPr/>
+          <p:nvPr/>
+        </p:nvGrpSpPr>
+        <p:grpSpPr>
+          <a:xfrm>
+            <a:off x="0" y="6225309"/>
+            <a:ext cx="12192000" cy="632691"/>
+            <a:chOff x="0" y="6248400"/>
+            <a:chExt cx="9144000" cy="609600"/>
+          </a:xfrm>
+        </p:grpSpPr>
+        <p:sp>
+          <p:nvSpPr>
+            <p:cNvPr id="6" name="Rectangle 5"/>
+            <p:cNvSpPr/>
+            <p:nvPr/>
+          </p:nvSpPr>
+          <p:spPr>
+            <a:xfrm>
+              <a:off x="0" y="6248400"/>
+              <a:ext cx="9144000" cy="609600"/>
+            </a:xfrm>
+            <a:prstGeom prst="rect">
+              <a:avLst/>
+            </a:prstGeom>
+            <a:solidFill>
+              <a:srgbClr val="4F6228">
+                <a:alpha val="74902"/>
+              </a:srgbClr>
+            </a:solidFill>
+            <a:ln>
+              <a:noFill/>
+            </a:ln>
+          </p:spPr>
+          <p:style>
+            <a:lnRef idx="2">
+              <a:schemeClr val="accent1">
+                <a:shade val="50000"/>
+              </a:schemeClr>
+            </a:lnRef>
+            <a:fillRef idx="1">
+              <a:schemeClr val="accent1"/>
+            </a:fillRef>
+            <a:effectRef idx="0">
+              <a:schemeClr val="accent1"/>
+            </a:effectRef>
+            <a:fontRef idx="minor">
+              <a:schemeClr val="lt1"/>
+            </a:fontRef>
+          </p:style>
+          <p:txBody>
+            <a:bodyPr rtlCol="0" anchor="ctr"/>
+            <a:lstStyle/>
+            <a:p>
+              <a:r>
+                <a:rPr lang="en-US" dirty="0" smtClean="0">
+                  <a:solidFill>
+                    <a:schemeClr val="bg1"/>
+                  </a:solidFill>
+                  <a:latin typeface="Arial Narrow" panose="020B0606020202030204" pitchFamily="34" charset="0"/>
+                </a:rPr>
+                <a:t>Quantitative Tools for SSA</a:t>
+              </a:r>
+              <a:endParaRPr lang="en-US" dirty="0">
+                <a:solidFill>
+                  <a:schemeClr val="bg1"/>
+                </a:solidFill>
+                <a:latin typeface="Arial Narrow" panose="020B0606020202030204" pitchFamily="34" charset="0"/>
+              </a:endParaRPr>
+            </a:p>
+          </p:txBody>
+        </p:sp>
+        <p:pic>
+          <p:nvPicPr>
+            <p:cNvPr id="7" name="Picture 2" descr="C:\Users\amt0046\Documents\Pictures and figures\ADCNR_logo.png"/>
+            <p:cNvPicPr>
+              <a:picLocks noChangeAspect="1" noChangeArrowheads="1"/>
+            </p:cNvPicPr>
+            <p:nvPr/>
+          </p:nvPicPr>
+          <p:blipFill>
+            <a:blip r:embed="rId2">
+              <a:extLst>
+                <a:ext uri="{28A0092B-C50C-407E-A947-70E740481C1C}">
+                  <a14:useLocalDpi xmlns:a14="http://schemas.microsoft.com/office/drawing/2010/main" val="0"/>
+                </a:ext>
+              </a:extLst>
+            </a:blip>
+            <a:srcRect/>
+            <a:stretch>
+              <a:fillRect/>
+            </a:stretch>
+          </p:blipFill>
+          <p:spPr bwMode="auto">
+            <a:xfrm>
+              <a:off x="7911576" y="6248400"/>
+              <a:ext cx="1232424" cy="609599"/>
+            </a:xfrm>
+            <a:prstGeom prst="rect">
+              <a:avLst/>
+            </a:prstGeom>
+            <a:noFill/>
+            <a:extLst>
+              <a:ext uri="{909E8E84-426E-40DD-AFC4-6F175D3DCCD1}">
+                <a14:hiddenFill xmlns:a14="http://schemas.microsoft.com/office/drawing/2010/main">
+                  <a:solidFill>
+                    <a:srgbClr val="FFFFFF"/>
+                  </a:solidFill>
+                </a14:hiddenFill>
+              </a:ext>
+            </a:extLst>
+          </p:spPr>
+        </p:pic>
+      </p:grpSp>
     </p:spTree>
     <p:extLst>
       <p:ext uri="{BB962C8B-B14F-4D97-AF65-F5344CB8AC3E}">
@@ -5474,325 +4951,151 @@
           <a:chExt cx="0" cy="0"/>
         </a:xfrm>
       </p:grpSpPr>
-      <p:sp>
-        <p:nvSpPr>
-          <p:cNvPr id="2" name="Title 1"/>
-          <p:cNvSpPr>
-            <a:spLocks noGrp="1"/>
-          </p:cNvSpPr>
+      <p:graphicFrame>
+        <p:nvGraphicFramePr>
+          <p:cNvPr id="4" name="Chart 3"/>
+          <p:cNvGraphicFramePr>
+            <a:graphicFrameLocks/>
+          </p:cNvGraphicFramePr>
           <p:nvPr>
-            <p:ph type="title"/>
+            <p:extLst>
+              <p:ext uri="{D42A27DB-BD31-4B8C-83A1-F6EECF244321}">
+                <p14:modId xmlns:p14="http://schemas.microsoft.com/office/powerpoint/2010/main" val="2671436511"/>
+              </p:ext>
+            </p:extLst>
           </p:nvPr>
-        </p:nvSpPr>
-        <p:spPr/>
-        <p:txBody>
-          <a:bodyPr/>
-          <a:lstStyle/>
-          <a:p>
-            <a:r>
-              <a:rPr lang="en-US" dirty="0"/>
-              <a:t>Regression modeling</a:t>
-            </a:r>
-          </a:p>
-        </p:txBody>
-      </p:sp>
-      <mc:AlternateContent xmlns:mc="http://schemas.openxmlformats.org/markup-compatibility/2006" xmlns:a14="http://schemas.microsoft.com/office/drawing/2010/main">
-        <mc:Choice Requires="a14">
-          <p:sp>
-            <p:nvSpPr>
-              <p:cNvPr id="3" name="Content Placeholder 2"/>
-              <p:cNvSpPr>
-                <a:spLocks noGrp="1"/>
-              </p:cNvSpPr>
-              <p:nvPr>
-                <p:ph idx="1"/>
-              </p:nvPr>
-            </p:nvSpPr>
-            <p:spPr/>
-            <p:txBody>
-              <a:bodyPr>
-                <a:normAutofit/>
-              </a:bodyPr>
-              <a:lstStyle/>
-              <a:p>
-                <a:pPr marL="0" indent="0">
-                  <a:buNone/>
-                </a:pPr>
-                <a14:m>
-                  <m:oMathPara xmlns:m="http://schemas.openxmlformats.org/officeDocument/2006/math">
-                    <m:oMathParaPr>
-                      <m:jc m:val="centerGroup"/>
-                    </m:oMathParaPr>
-                    <m:oMath xmlns:m="http://schemas.openxmlformats.org/officeDocument/2006/math">
-                      <m:r>
-                        <a:rPr lang="en-US" b="0" i="1" smtClean="0">
-                          <a:latin typeface="Cambria Math" panose="02040503050406030204" pitchFamily="18" charset="0"/>
-                        </a:rPr>
-                        <m:t>𝑦</m:t>
-                      </m:r>
-                      <m:r>
-                        <a:rPr lang="en-US" b="0" i="1" smtClean="0">
-                          <a:latin typeface="Cambria Math" panose="02040503050406030204" pitchFamily="18" charset="0"/>
-                        </a:rPr>
-                        <m:t>=</m:t>
-                      </m:r>
-                      <m:r>
-                        <a:rPr lang="en-US" b="0" i="1" smtClean="0">
-                          <a:latin typeface="Cambria Math" panose="02040503050406030204" pitchFamily="18" charset="0"/>
-                        </a:rPr>
-                        <m:t>𝑎</m:t>
-                      </m:r>
-                      <m:r>
-                        <a:rPr lang="en-US" b="0" i="1" smtClean="0">
-                          <a:latin typeface="Cambria Math" panose="02040503050406030204" pitchFamily="18" charset="0"/>
-                        </a:rPr>
-                        <m:t>+</m:t>
-                      </m:r>
-                      <m:sSub>
-                        <m:sSubPr>
-                          <m:ctrlPr>
-                            <a:rPr lang="en-US" b="0" i="1" smtClean="0">
-                              <a:latin typeface="Cambria Math" panose="02040503050406030204" pitchFamily="18" charset="0"/>
-                            </a:rPr>
-                          </m:ctrlPr>
-                        </m:sSubPr>
-                        <m:e>
-                          <m:r>
-                            <a:rPr lang="en-US" b="0" i="1" smtClean="0">
-                              <a:latin typeface="Cambria Math" panose="02040503050406030204" pitchFamily="18" charset="0"/>
-                            </a:rPr>
-                            <m:t>𝑏</m:t>
-                          </m:r>
-                        </m:e>
-                        <m:sub>
-                          <m:r>
-                            <a:rPr lang="en-US" b="0" i="1" smtClean="0">
-                              <a:latin typeface="Cambria Math" panose="02040503050406030204" pitchFamily="18" charset="0"/>
-                            </a:rPr>
-                            <m:t>1</m:t>
-                          </m:r>
-                        </m:sub>
-                      </m:sSub>
-                      <m:r>
-                        <a:rPr lang="en-US" b="0" i="1" smtClean="0">
-                          <a:latin typeface="Cambria Math" panose="02040503050406030204" pitchFamily="18" charset="0"/>
-                        </a:rPr>
-                        <m:t>𝑥</m:t>
-                      </m:r>
-                    </m:oMath>
-                  </m:oMathPara>
-                </a14:m>
-                <a:endParaRPr lang="en-US" dirty="0"/>
-              </a:p>
-              <a:p>
-                <a:r>
-                  <a:rPr lang="en-US" dirty="0"/>
-                  <a:t>Abundance = minimum elevation + (0.237 x elevation)</a:t>
-                </a:r>
-              </a:p>
-              <a:p>
-                <a:endParaRPr lang="en-US" dirty="0"/>
-              </a:p>
-              <a:p>
-                <a:pPr marL="0" indent="0">
-                  <a:buNone/>
-                </a:pPr>
-                <a14:m>
-                  <m:oMathPara xmlns:m="http://schemas.openxmlformats.org/officeDocument/2006/math">
-                    <m:oMathParaPr>
-                      <m:jc m:val="centerGroup"/>
-                    </m:oMathParaPr>
-                    <m:oMath xmlns:m="http://schemas.openxmlformats.org/officeDocument/2006/math">
-                      <m:r>
-                        <a:rPr lang="en-US" b="0" i="1" smtClean="0">
-                          <a:latin typeface="Cambria Math" panose="02040503050406030204" pitchFamily="18" charset="0"/>
-                        </a:rPr>
-                        <m:t>𝑦</m:t>
-                      </m:r>
-                      <m:r>
-                        <a:rPr lang="en-US" b="0" i="1" smtClean="0">
-                          <a:latin typeface="Cambria Math" panose="02040503050406030204" pitchFamily="18" charset="0"/>
-                        </a:rPr>
-                        <m:t>=</m:t>
-                      </m:r>
-                      <m:r>
-                        <a:rPr lang="en-US" b="0" i="1" smtClean="0">
-                          <a:latin typeface="Cambria Math" panose="02040503050406030204" pitchFamily="18" charset="0"/>
-                        </a:rPr>
-                        <m:t>𝑎</m:t>
-                      </m:r>
-                      <m:r>
-                        <a:rPr lang="en-US" b="0" i="1" smtClean="0">
-                          <a:latin typeface="Cambria Math" panose="02040503050406030204" pitchFamily="18" charset="0"/>
-                        </a:rPr>
-                        <m:t>+</m:t>
-                      </m:r>
-                      <m:sSub>
-                        <m:sSubPr>
-                          <m:ctrlPr>
-                            <a:rPr lang="en-US" b="0" i="1" smtClean="0">
-                              <a:latin typeface="Cambria Math" panose="02040503050406030204" pitchFamily="18" charset="0"/>
-                            </a:rPr>
-                          </m:ctrlPr>
-                        </m:sSubPr>
-                        <m:e>
-                          <m:r>
-                            <a:rPr lang="en-US" b="0" i="1" smtClean="0">
-                              <a:latin typeface="Cambria Math" panose="02040503050406030204" pitchFamily="18" charset="0"/>
-                            </a:rPr>
-                            <m:t>𝑏</m:t>
-                          </m:r>
-                        </m:e>
-                        <m:sub>
-                          <m:r>
-                            <a:rPr lang="en-US" b="0" i="1" smtClean="0">
-                              <a:latin typeface="Cambria Math" panose="02040503050406030204" pitchFamily="18" charset="0"/>
-                            </a:rPr>
-                            <m:t>1</m:t>
-                          </m:r>
-                        </m:sub>
-                      </m:sSub>
-                      <m:r>
-                        <a:rPr lang="en-US" b="0" i="1" smtClean="0">
-                          <a:latin typeface="Cambria Math" panose="02040503050406030204" pitchFamily="18" charset="0"/>
-                        </a:rPr>
-                        <m:t>𝑥</m:t>
-                      </m:r>
-                      <m:r>
-                        <a:rPr lang="en-US" b="0" i="1" smtClean="0">
-                          <a:latin typeface="Cambria Math" panose="02040503050406030204" pitchFamily="18" charset="0"/>
-                        </a:rPr>
-                        <m:t>+</m:t>
-                      </m:r>
-                      <m:sSub>
-                        <m:sSubPr>
-                          <m:ctrlPr>
-                            <a:rPr lang="en-US" b="0" i="1" smtClean="0">
-                              <a:latin typeface="Cambria Math" panose="02040503050406030204" pitchFamily="18" charset="0"/>
-                            </a:rPr>
-                          </m:ctrlPr>
-                        </m:sSubPr>
-                        <m:e>
-                          <m:r>
-                            <a:rPr lang="en-US" b="0" i="1" smtClean="0">
-                              <a:latin typeface="Cambria Math" panose="02040503050406030204" pitchFamily="18" charset="0"/>
-                            </a:rPr>
-                            <m:t>𝑏</m:t>
-                          </m:r>
-                        </m:e>
-                        <m:sub>
-                          <m:r>
-                            <a:rPr lang="en-US" b="0" i="1" smtClean="0">
-                              <a:latin typeface="Cambria Math" panose="02040503050406030204" pitchFamily="18" charset="0"/>
-                            </a:rPr>
-                            <m:t>2</m:t>
-                          </m:r>
-                        </m:sub>
-                      </m:sSub>
-                      <m:r>
-                        <a:rPr lang="en-US" b="0" i="1" smtClean="0">
-                          <a:latin typeface="Cambria Math" panose="02040503050406030204" pitchFamily="18" charset="0"/>
-                        </a:rPr>
-                        <m:t>𝑧</m:t>
-                      </m:r>
-                      <m:r>
-                        <a:rPr lang="en-US" b="0" i="1" smtClean="0">
-                          <a:latin typeface="Cambria Math" panose="02040503050406030204" pitchFamily="18" charset="0"/>
-                        </a:rPr>
-                        <m:t>+</m:t>
-                      </m:r>
-                      <m:sSub>
-                        <m:sSubPr>
-                          <m:ctrlPr>
-                            <a:rPr lang="en-US" b="0" i="1" smtClean="0">
-                              <a:latin typeface="Cambria Math" panose="02040503050406030204" pitchFamily="18" charset="0"/>
-                            </a:rPr>
-                          </m:ctrlPr>
-                        </m:sSubPr>
-                        <m:e>
-                          <m:r>
-                            <a:rPr lang="en-US" b="0" i="1" smtClean="0">
-                              <a:latin typeface="Cambria Math" panose="02040503050406030204" pitchFamily="18" charset="0"/>
-                            </a:rPr>
-                            <m:t>𝑏</m:t>
-                          </m:r>
-                        </m:e>
-                        <m:sub>
-                          <m:r>
-                            <a:rPr lang="en-US" b="0" i="1" smtClean="0">
-                              <a:latin typeface="Cambria Math" panose="02040503050406030204" pitchFamily="18" charset="0"/>
-                            </a:rPr>
-                            <m:t>3</m:t>
-                          </m:r>
-                        </m:sub>
-                      </m:sSub>
-                      <m:r>
-                        <a:rPr lang="en-US" b="0" i="1" smtClean="0">
-                          <a:latin typeface="Cambria Math" panose="02040503050406030204" pitchFamily="18" charset="0"/>
-                        </a:rPr>
-                        <m:t>𝑘</m:t>
-                      </m:r>
-                    </m:oMath>
-                  </m:oMathPara>
-                </a14:m>
-                <a:endParaRPr lang="en-US" dirty="0"/>
-              </a:p>
-              <a:p>
-                <a:r>
-                  <a:rPr lang="en-US" dirty="0"/>
-                  <a:t>Abundance = minimum elevation + (0.237 x elevation) + (0.002 x aspect) + (0.01 x canopy cover)</a:t>
-                </a:r>
-              </a:p>
-              <a:p>
-                <a:endParaRPr lang="en-US" dirty="0"/>
-              </a:p>
-              <a:p>
-                <a:r>
-                  <a:rPr lang="en-US" dirty="0"/>
-                  <a:t>With categorical data we can use a special type of regression called a Multinomial Regression</a:t>
-                </a:r>
-              </a:p>
-            </p:txBody>
-          </p:sp>
-        </mc:Choice>
-        <mc:Fallback xmlns="">
-          <p:sp>
-            <p:nvSpPr>
-              <p:cNvPr id="3" name="Content Placeholder 2"/>
-              <p:cNvSpPr>
-                <a:spLocks noGrp="1" noRot="1" noChangeAspect="1" noMove="1" noResize="1" noEditPoints="1" noAdjustHandles="1" noChangeArrowheads="1" noChangeShapeType="1" noTextEdit="1"/>
-              </p:cNvSpPr>
-              <p:nvPr>
-                <p:ph idx="1"/>
-              </p:nvPr>
-            </p:nvSpPr>
-            <p:spPr>
-              <a:blipFill>
-                <a:blip r:embed="rId3"/>
-                <a:stretch>
-                  <a:fillRect l="-1043" r="-116" b="-140"/>
-                </a:stretch>
-              </a:blipFill>
-            </p:spPr>
-            <p:txBody>
-              <a:bodyPr/>
-              <a:lstStyle/>
-              <a:p>
-                <a:r>
-                  <a:rPr lang="en-US">
-                    <a:noFill/>
-                  </a:rPr>
-                  <a:t> </a:t>
-                </a:r>
-              </a:p>
-            </p:txBody>
-          </p:sp>
-        </mc:Fallback>
-      </mc:AlternateContent>
+        </p:nvGraphicFramePr>
+        <p:xfrm>
+          <a:off x="1159164" y="875144"/>
+          <a:ext cx="7883236" cy="4602019"/>
+        </p:xfrm>
+        <a:graphic>
+          <a:graphicData uri="http://schemas.openxmlformats.org/drawingml/2006/chart">
+            <c:chart xmlns:c="http://schemas.openxmlformats.org/drawingml/2006/chart" xmlns:r="http://schemas.openxmlformats.org/officeDocument/2006/relationships" r:id="rId2"/>
+          </a:graphicData>
+        </a:graphic>
+      </p:graphicFrame>
+      <p:grpSp>
+        <p:nvGrpSpPr>
+          <p:cNvPr id="3" name="Group 2"/>
+          <p:cNvGrpSpPr/>
+          <p:nvPr/>
+        </p:nvGrpSpPr>
+        <p:grpSpPr>
+          <a:xfrm>
+            <a:off x="0" y="6225309"/>
+            <a:ext cx="12192000" cy="632691"/>
+            <a:chOff x="0" y="6248400"/>
+            <a:chExt cx="9144000" cy="609600"/>
+          </a:xfrm>
+        </p:grpSpPr>
+        <p:sp>
+          <p:nvSpPr>
+            <p:cNvPr id="5" name="Rectangle 4"/>
+            <p:cNvSpPr/>
+            <p:nvPr/>
+          </p:nvSpPr>
+          <p:spPr>
+            <a:xfrm>
+              <a:off x="0" y="6248400"/>
+              <a:ext cx="9144000" cy="609600"/>
+            </a:xfrm>
+            <a:prstGeom prst="rect">
+              <a:avLst/>
+            </a:prstGeom>
+            <a:solidFill>
+              <a:srgbClr val="4F6228">
+                <a:alpha val="74902"/>
+              </a:srgbClr>
+            </a:solidFill>
+            <a:ln>
+              <a:noFill/>
+            </a:ln>
+          </p:spPr>
+          <p:style>
+            <a:lnRef idx="2">
+              <a:schemeClr val="accent1">
+                <a:shade val="50000"/>
+              </a:schemeClr>
+            </a:lnRef>
+            <a:fillRef idx="1">
+              <a:schemeClr val="accent1"/>
+            </a:fillRef>
+            <a:effectRef idx="0">
+              <a:schemeClr val="accent1"/>
+            </a:effectRef>
+            <a:fontRef idx="minor">
+              <a:schemeClr val="lt1"/>
+            </a:fontRef>
+          </p:style>
+          <p:txBody>
+            <a:bodyPr rtlCol="0" anchor="ctr"/>
+            <a:lstStyle/>
+            <a:p>
+              <a:r>
+                <a:rPr lang="en-US" dirty="0" smtClean="0">
+                  <a:solidFill>
+                    <a:schemeClr val="bg1"/>
+                  </a:solidFill>
+                  <a:latin typeface="Arial Narrow" panose="020B0606020202030204" pitchFamily="34" charset="0"/>
+                </a:rPr>
+                <a:t>Quantitative Tools for SSA</a:t>
+              </a:r>
+              <a:endParaRPr lang="en-US" dirty="0">
+                <a:solidFill>
+                  <a:schemeClr val="bg1"/>
+                </a:solidFill>
+                <a:latin typeface="Arial Narrow" panose="020B0606020202030204" pitchFamily="34" charset="0"/>
+              </a:endParaRPr>
+            </a:p>
+          </p:txBody>
+        </p:sp>
+        <p:pic>
+          <p:nvPicPr>
+            <p:cNvPr id="6" name="Picture 2" descr="C:\Users\amt0046\Documents\Pictures and figures\ADCNR_logo.png"/>
+            <p:cNvPicPr>
+              <a:picLocks noChangeAspect="1" noChangeArrowheads="1"/>
+            </p:cNvPicPr>
+            <p:nvPr/>
+          </p:nvPicPr>
+          <p:blipFill>
+            <a:blip r:embed="rId3">
+              <a:extLst>
+                <a:ext uri="{28A0092B-C50C-407E-A947-70E740481C1C}">
+                  <a14:useLocalDpi xmlns:a14="http://schemas.microsoft.com/office/drawing/2010/main" val="0"/>
+                </a:ext>
+              </a:extLst>
+            </a:blip>
+            <a:srcRect/>
+            <a:stretch>
+              <a:fillRect/>
+            </a:stretch>
+          </p:blipFill>
+          <p:spPr bwMode="auto">
+            <a:xfrm>
+              <a:off x="7911576" y="6248400"/>
+              <a:ext cx="1232424" cy="609599"/>
+            </a:xfrm>
+            <a:prstGeom prst="rect">
+              <a:avLst/>
+            </a:prstGeom>
+            <a:noFill/>
+            <a:extLst>
+              <a:ext uri="{909E8E84-426E-40DD-AFC4-6F175D3DCCD1}">
+                <a14:hiddenFill xmlns:a14="http://schemas.microsoft.com/office/drawing/2010/main">
+                  <a:solidFill>
+                    <a:srgbClr val="FFFFFF"/>
+                  </a:solidFill>
+                </a14:hiddenFill>
+              </a:ext>
+            </a:extLst>
+          </p:spPr>
+        </p:pic>
+      </p:grpSp>
     </p:spTree>
     <p:extLst>
       <p:ext uri="{BB962C8B-B14F-4D97-AF65-F5344CB8AC3E}">
-        <p14:creationId xmlns:p14="http://schemas.microsoft.com/office/powerpoint/2010/main" val="2907511477"/>
+        <p14:creationId xmlns:p14="http://schemas.microsoft.com/office/powerpoint/2010/main" val="1001745445"/>
       </p:ext>
     </p:extLst>
   </p:cSld>
@@ -5819,36 +5122,226 @@
           <a:chExt cx="0" cy="0"/>
         </a:xfrm>
       </p:grpSpPr>
-      <p:graphicFrame>
-        <p:nvGraphicFramePr>
-          <p:cNvPr id="4" name="Chart 3"/>
-          <p:cNvGraphicFramePr>
-            <a:graphicFrameLocks/>
-          </p:cNvGraphicFramePr>
+      <p:sp>
+        <p:nvSpPr>
+          <p:cNvPr id="2" name="Title 1"/>
+          <p:cNvSpPr>
+            <a:spLocks noGrp="1"/>
+          </p:cNvSpPr>
           <p:nvPr>
-            <p:extLst/>
+            <p:ph type="title"/>
           </p:nvPr>
-        </p:nvGraphicFramePr>
-        <p:xfrm>
-          <a:off x="1159164" y="875144"/>
-          <a:ext cx="7883236" cy="4602019"/>
-        </p:xfrm>
-        <a:graphic>
-          <a:graphicData uri="http://schemas.openxmlformats.org/drawingml/2006/chart">
-            <c:chart xmlns:c="http://schemas.openxmlformats.org/drawingml/2006/chart" xmlns:r="http://schemas.openxmlformats.org/officeDocument/2006/relationships" r:id="rId2"/>
-          </a:graphicData>
-        </a:graphic>
-      </p:graphicFrame>
+        </p:nvSpPr>
+        <p:spPr/>
+        <p:txBody>
+          <a:bodyPr/>
+          <a:lstStyle/>
+          <a:p>
+            <a:r>
+              <a:rPr lang="en-US" dirty="0" smtClean="0"/>
+              <a:t>Expert elicitation data</a:t>
+            </a:r>
+            <a:endParaRPr lang="en-US" dirty="0"/>
+          </a:p>
+        </p:txBody>
+      </p:sp>
+      <p:sp>
+        <p:nvSpPr>
+          <p:cNvPr id="3" name="Content Placeholder 2"/>
+          <p:cNvSpPr>
+            <a:spLocks noGrp="1"/>
+          </p:cNvSpPr>
+          <p:nvPr>
+            <p:ph idx="1"/>
+          </p:nvPr>
+        </p:nvSpPr>
+        <p:spPr/>
+        <p:txBody>
+          <a:bodyPr/>
+          <a:lstStyle/>
+          <a:p>
+            <a:r>
+              <a:rPr lang="en-US" dirty="0" smtClean="0"/>
+              <a:t>In the absence of good quantitative data expert elicitation might be warranted</a:t>
+            </a:r>
+          </a:p>
+          <a:p>
+            <a:pPr lvl="1"/>
+            <a:r>
+              <a:rPr lang="en-US" dirty="0" smtClean="0"/>
+              <a:t>Use expert knowledge as the basis for establishing what a species needs</a:t>
+            </a:r>
+          </a:p>
+          <a:p>
+            <a:pPr lvl="1"/>
+            <a:r>
+              <a:rPr lang="en-US" dirty="0" smtClean="0"/>
+              <a:t>Crafting questions to assess functional relationships</a:t>
+            </a:r>
+          </a:p>
+          <a:p>
+            <a:pPr lvl="2"/>
+            <a:r>
+              <a:rPr lang="en-US" dirty="0" smtClean="0"/>
+              <a:t>E.g., asking for probability of </a:t>
+            </a:r>
+            <a:r>
+              <a:rPr lang="en-US" i="1" dirty="0" smtClean="0"/>
+              <a:t>y</a:t>
+            </a:r>
+            <a:r>
+              <a:rPr lang="en-US" dirty="0" smtClean="0"/>
+              <a:t> occurring at three or more values of </a:t>
+            </a:r>
+            <a:r>
+              <a:rPr lang="en-US" i="1" dirty="0" smtClean="0"/>
+              <a:t>x</a:t>
+            </a:r>
+          </a:p>
+          <a:p>
+            <a:pPr lvl="1"/>
+            <a:r>
+              <a:rPr lang="en-US" dirty="0" smtClean="0"/>
+              <a:t>Using variation among experts to “estimate” uncertainty and variability</a:t>
+            </a:r>
+            <a:endParaRPr lang="en-US" dirty="0"/>
+          </a:p>
+        </p:txBody>
+      </p:sp>
+      <p:grpSp>
+        <p:nvGrpSpPr>
+          <p:cNvPr id="4" name="Group 3"/>
+          <p:cNvGrpSpPr/>
+          <p:nvPr/>
+        </p:nvGrpSpPr>
+        <p:grpSpPr>
+          <a:xfrm>
+            <a:off x="0" y="6225309"/>
+            <a:ext cx="12192000" cy="632691"/>
+            <a:chOff x="0" y="6248400"/>
+            <a:chExt cx="9144000" cy="609600"/>
+          </a:xfrm>
+        </p:grpSpPr>
+        <p:sp>
+          <p:nvSpPr>
+            <p:cNvPr id="5" name="Rectangle 4"/>
+            <p:cNvSpPr/>
+            <p:nvPr/>
+          </p:nvSpPr>
+          <p:spPr>
+            <a:xfrm>
+              <a:off x="0" y="6248400"/>
+              <a:ext cx="9144000" cy="609600"/>
+            </a:xfrm>
+            <a:prstGeom prst="rect">
+              <a:avLst/>
+            </a:prstGeom>
+            <a:solidFill>
+              <a:srgbClr val="4F6228">
+                <a:alpha val="74902"/>
+              </a:srgbClr>
+            </a:solidFill>
+            <a:ln>
+              <a:noFill/>
+            </a:ln>
+          </p:spPr>
+          <p:style>
+            <a:lnRef idx="2">
+              <a:schemeClr val="accent1">
+                <a:shade val="50000"/>
+              </a:schemeClr>
+            </a:lnRef>
+            <a:fillRef idx="1">
+              <a:schemeClr val="accent1"/>
+            </a:fillRef>
+            <a:effectRef idx="0">
+              <a:schemeClr val="accent1"/>
+            </a:effectRef>
+            <a:fontRef idx="minor">
+              <a:schemeClr val="lt1"/>
+            </a:fontRef>
+          </p:style>
+          <p:txBody>
+            <a:bodyPr rtlCol="0" anchor="ctr"/>
+            <a:lstStyle/>
+            <a:p>
+              <a:r>
+                <a:rPr lang="en-US" dirty="0" smtClean="0">
+                  <a:solidFill>
+                    <a:schemeClr val="bg1"/>
+                  </a:solidFill>
+                  <a:latin typeface="Arial Narrow" panose="020B0606020202030204" pitchFamily="34" charset="0"/>
+                </a:rPr>
+                <a:t>Quantitative Tools for SSA</a:t>
+              </a:r>
+              <a:endParaRPr lang="en-US" dirty="0">
+                <a:solidFill>
+                  <a:schemeClr val="bg1"/>
+                </a:solidFill>
+                <a:latin typeface="Arial Narrow" panose="020B0606020202030204" pitchFamily="34" charset="0"/>
+              </a:endParaRPr>
+            </a:p>
+          </p:txBody>
+        </p:sp>
+        <p:pic>
+          <p:nvPicPr>
+            <p:cNvPr id="6" name="Picture 2" descr="C:\Users\amt0046\Documents\Pictures and figures\ADCNR_logo.png"/>
+            <p:cNvPicPr>
+              <a:picLocks noChangeAspect="1" noChangeArrowheads="1"/>
+            </p:cNvPicPr>
+            <p:nvPr/>
+          </p:nvPicPr>
+          <p:blipFill>
+            <a:blip r:embed="rId2">
+              <a:extLst>
+                <a:ext uri="{28A0092B-C50C-407E-A947-70E740481C1C}">
+                  <a14:useLocalDpi xmlns:a14="http://schemas.microsoft.com/office/drawing/2010/main" val="0"/>
+                </a:ext>
+              </a:extLst>
+            </a:blip>
+            <a:srcRect/>
+            <a:stretch>
+              <a:fillRect/>
+            </a:stretch>
+          </p:blipFill>
+          <p:spPr bwMode="auto">
+            <a:xfrm>
+              <a:off x="7911576" y="6248400"/>
+              <a:ext cx="1232424" cy="609599"/>
+            </a:xfrm>
+            <a:prstGeom prst="rect">
+              <a:avLst/>
+            </a:prstGeom>
+            <a:noFill/>
+            <a:extLst>
+              <a:ext uri="{909E8E84-426E-40DD-AFC4-6F175D3DCCD1}">
+                <a14:hiddenFill xmlns:a14="http://schemas.microsoft.com/office/drawing/2010/main">
+                  <a:solidFill>
+                    <a:srgbClr val="FFFFFF"/>
+                  </a:solidFill>
+                </a14:hiddenFill>
+              </a:ext>
+            </a:extLst>
+          </p:spPr>
+        </p:pic>
+      </p:grpSp>
     </p:spTree>
     <p:extLst>
       <p:ext uri="{BB962C8B-B14F-4D97-AF65-F5344CB8AC3E}">
-        <p14:creationId xmlns:p14="http://schemas.microsoft.com/office/powerpoint/2010/main" val="1001745445"/>
+        <p14:creationId xmlns:p14="http://schemas.microsoft.com/office/powerpoint/2010/main" val="1235416716"/>
       </p:ext>
     </p:extLst>
   </p:cSld>
   <p:clrMapOvr>
     <a:masterClrMapping/>
   </p:clrMapOvr>
+  <p:timing>
+    <p:tnLst>
+      <p:par>
+        <p:cTn id="1" dur="indefinite" restart="never" nodeType="tmRoot"/>
+      </p:par>
+    </p:tnLst>
+  </p:timing>
 </p:sld>
 </file>
 
@@ -5885,126 +5378,130 @@
           <a:lstStyle/>
           <a:p>
             <a:r>
-              <a:rPr lang="en-US" dirty="0"/>
-              <a:t>Expert elicitation data</a:t>
-            </a:r>
-          </a:p>
-        </p:txBody>
-      </p:sp>
-      <p:sp>
-        <p:nvSpPr>
-          <p:cNvPr id="3" name="Content Placeholder 2"/>
-          <p:cNvSpPr>
-            <a:spLocks noGrp="1"/>
-          </p:cNvSpPr>
-          <p:nvPr>
-            <p:ph idx="1"/>
-          </p:nvPr>
-        </p:nvSpPr>
-        <p:spPr/>
-        <p:txBody>
-          <a:bodyPr/>
-          <a:lstStyle/>
-          <a:p>
-            <a:r>
-              <a:rPr lang="en-US" dirty="0"/>
-              <a:t>In the absence of good quantitative data, an expert elicitation might be warranted</a:t>
-            </a:r>
-          </a:p>
-          <a:p>
-            <a:pPr lvl="1"/>
-            <a:r>
-              <a:rPr lang="en-US" dirty="0"/>
-              <a:t>Use expert knowledge as the basis for establishing what a species needs</a:t>
-            </a:r>
-          </a:p>
-          <a:p>
-            <a:pPr lvl="1"/>
-            <a:r>
-              <a:rPr lang="en-US" dirty="0"/>
-              <a:t>Crafting questions to assess functional relationships</a:t>
-            </a:r>
-          </a:p>
-          <a:p>
-            <a:pPr lvl="2"/>
-            <a:r>
-              <a:rPr lang="en-US" dirty="0"/>
-              <a:t>E.g., asking for probability of </a:t>
-            </a:r>
-            <a:r>
-              <a:rPr lang="en-US" i="1" dirty="0"/>
-              <a:t>y</a:t>
-            </a:r>
-            <a:r>
-              <a:rPr lang="en-US" dirty="0"/>
-              <a:t> occurring at three or more values of </a:t>
-            </a:r>
-            <a:r>
-              <a:rPr lang="en-US" i="1" dirty="0"/>
-              <a:t>x</a:t>
-            </a:r>
-          </a:p>
-          <a:p>
-            <a:pPr lvl="1"/>
-            <a:r>
-              <a:rPr lang="en-US" dirty="0"/>
-              <a:t>Using variation among experts to “estimate” uncertainty and variability</a:t>
-            </a:r>
-          </a:p>
-        </p:txBody>
-      </p:sp>
-    </p:spTree>
-    <p:extLst>
-      <p:ext uri="{BB962C8B-B14F-4D97-AF65-F5344CB8AC3E}">
-        <p14:creationId xmlns:p14="http://schemas.microsoft.com/office/powerpoint/2010/main" val="1235416716"/>
-      </p:ext>
-    </p:extLst>
-  </p:cSld>
-  <p:clrMapOvr>
-    <a:masterClrMapping/>
-  </p:clrMapOvr>
-</p:sld>
-</file>
-
-<file path=ppt/slides/slide13.xml><?xml version="1.0" encoding="utf-8"?>
-<p:sld xmlns:a="http://schemas.openxmlformats.org/drawingml/2006/main" xmlns:r="http://schemas.openxmlformats.org/officeDocument/2006/relationships" xmlns:p="http://schemas.openxmlformats.org/presentationml/2006/main">
-  <p:cSld>
-    <p:spTree>
-      <p:nvGrpSpPr>
-        <p:cNvPr id="1" name=""/>
-        <p:cNvGrpSpPr/>
-        <p:nvPr/>
-      </p:nvGrpSpPr>
-      <p:grpSpPr>
-        <a:xfrm>
-          <a:off x="0" y="0"/>
-          <a:ext cx="0" cy="0"/>
-          <a:chOff x="0" y="0"/>
-          <a:chExt cx="0" cy="0"/>
-        </a:xfrm>
-      </p:grpSpPr>
-      <p:sp>
-        <p:nvSpPr>
-          <p:cNvPr id="2" name="Title 1"/>
-          <p:cNvSpPr>
-            <a:spLocks noGrp="1"/>
-          </p:cNvSpPr>
-          <p:nvPr>
-            <p:ph type="title"/>
-          </p:nvPr>
-        </p:nvSpPr>
-        <p:spPr/>
-        <p:txBody>
-          <a:bodyPr/>
-          <a:lstStyle/>
-          <a:p>
-            <a:r>
-              <a:rPr lang="en-US" dirty="0"/>
+              <a:rPr lang="en-US" dirty="0" smtClean="0"/>
               <a:t>Elicited conceptual model to establish species needs</a:t>
             </a:r>
-          </a:p>
-        </p:txBody>
-      </p:sp>
+            <a:endParaRPr lang="en-US" dirty="0"/>
+          </a:p>
+        </p:txBody>
+      </p:sp>
+      <p:grpSp>
+        <p:nvGrpSpPr>
+          <p:cNvPr id="4" name="Group 3"/>
+          <p:cNvGrpSpPr/>
+          <p:nvPr/>
+        </p:nvGrpSpPr>
+        <p:grpSpPr>
+          <a:xfrm>
+            <a:off x="0" y="6225309"/>
+            <a:ext cx="12192000" cy="632691"/>
+            <a:chOff x="0" y="6248400"/>
+            <a:chExt cx="9144000" cy="609600"/>
+          </a:xfrm>
+        </p:grpSpPr>
+        <p:sp>
+          <p:nvSpPr>
+            <p:cNvPr id="5" name="Rectangle 4"/>
+            <p:cNvSpPr/>
+            <p:nvPr/>
+          </p:nvSpPr>
+          <p:spPr>
+            <a:xfrm>
+              <a:off x="0" y="6248400"/>
+              <a:ext cx="9144000" cy="609600"/>
+            </a:xfrm>
+            <a:prstGeom prst="rect">
+              <a:avLst/>
+            </a:prstGeom>
+            <a:solidFill>
+              <a:srgbClr val="4F6228">
+                <a:alpha val="74902"/>
+              </a:srgbClr>
+            </a:solidFill>
+            <a:ln>
+              <a:noFill/>
+            </a:ln>
+          </p:spPr>
+          <p:style>
+            <a:lnRef idx="2">
+              <a:schemeClr val="accent1">
+                <a:shade val="50000"/>
+              </a:schemeClr>
+            </a:lnRef>
+            <a:fillRef idx="1">
+              <a:schemeClr val="accent1"/>
+            </a:fillRef>
+            <a:effectRef idx="0">
+              <a:schemeClr val="accent1"/>
+            </a:effectRef>
+            <a:fontRef idx="minor">
+              <a:schemeClr val="lt1"/>
+            </a:fontRef>
+          </p:style>
+          <p:txBody>
+            <a:bodyPr rtlCol="0" anchor="ctr"/>
+            <a:lstStyle/>
+            <a:p>
+              <a:r>
+                <a:rPr lang="en-US" dirty="0" smtClean="0">
+                  <a:solidFill>
+                    <a:schemeClr val="bg1"/>
+                  </a:solidFill>
+                  <a:latin typeface="Arial Narrow" panose="020B0606020202030204" pitchFamily="34" charset="0"/>
+                </a:rPr>
+                <a:t>Quantitative Tools for SSA</a:t>
+              </a:r>
+              <a:endParaRPr lang="en-US" dirty="0">
+                <a:solidFill>
+                  <a:schemeClr val="bg1"/>
+                </a:solidFill>
+                <a:latin typeface="Arial Narrow" panose="020B0606020202030204" pitchFamily="34" charset="0"/>
+              </a:endParaRPr>
+            </a:p>
+          </p:txBody>
+        </p:sp>
+        <p:pic>
+          <p:nvPicPr>
+            <p:cNvPr id="6" name="Picture 2" descr="C:\Users\amt0046\Documents\Pictures and figures\ADCNR_logo.png"/>
+            <p:cNvPicPr>
+              <a:picLocks noChangeAspect="1" noChangeArrowheads="1"/>
+            </p:cNvPicPr>
+            <p:nvPr/>
+          </p:nvPicPr>
+          <p:blipFill>
+            <a:blip r:embed="rId2">
+              <a:extLst>
+                <a:ext uri="{28A0092B-C50C-407E-A947-70E740481C1C}">
+                  <a14:useLocalDpi xmlns:a14="http://schemas.microsoft.com/office/drawing/2010/main" val="0"/>
+                </a:ext>
+              </a:extLst>
+            </a:blip>
+            <a:srcRect/>
+            <a:stretch>
+              <a:fillRect/>
+            </a:stretch>
+          </p:blipFill>
+          <p:spPr bwMode="auto">
+            <a:xfrm>
+              <a:off x="7911576" y="6248400"/>
+              <a:ext cx="1232424" cy="609599"/>
+            </a:xfrm>
+            <a:prstGeom prst="rect">
+              <a:avLst/>
+            </a:prstGeom>
+            <a:noFill/>
+            <a:extLst>
+              <a:ext uri="{909E8E84-426E-40DD-AFC4-6F175D3DCCD1}">
+                <a14:hiddenFill xmlns:a14="http://schemas.microsoft.com/office/drawing/2010/main">
+                  <a:solidFill>
+                    <a:srgbClr val="FFFFFF"/>
+                  </a:solidFill>
+                </a14:hiddenFill>
+              </a:ext>
+            </a:extLst>
+          </p:spPr>
+        </p:pic>
+      </p:grpSp>
       <p:sp>
         <p:nvSpPr>
           <p:cNvPr id="7" name="Rounded Rectangle 6"/>
@@ -6042,9 +5539,10 @@
           <a:p>
             <a:pPr algn="ctr"/>
             <a:r>
-              <a:rPr lang="en-US" dirty="0"/>
+              <a:rPr lang="en-US" dirty="0" smtClean="0"/>
               <a:t>Stream length</a:t>
             </a:r>
+            <a:endParaRPr lang="en-US" dirty="0"/>
           </a:p>
         </p:txBody>
       </p:sp>
@@ -6085,9 +5583,10 @@
           <a:p>
             <a:pPr algn="ctr"/>
             <a:r>
-              <a:rPr lang="en-US" dirty="0"/>
+              <a:rPr lang="en-US" dirty="0" smtClean="0"/>
               <a:t>Stream connectivity</a:t>
             </a:r>
+            <a:endParaRPr lang="en-US" dirty="0"/>
           </a:p>
         </p:txBody>
       </p:sp>
@@ -6128,9 +5627,10 @@
           <a:p>
             <a:pPr algn="ctr"/>
             <a:r>
-              <a:rPr lang="en-US" dirty="0"/>
+              <a:rPr lang="en-US" dirty="0" smtClean="0"/>
               <a:t>Exotic predators</a:t>
             </a:r>
+            <a:endParaRPr lang="en-US" dirty="0"/>
           </a:p>
         </p:txBody>
       </p:sp>
@@ -6171,9 +5671,10 @@
           <a:p>
             <a:pPr algn="ctr"/>
             <a:r>
-              <a:rPr lang="en-US" dirty="0"/>
+              <a:rPr lang="en-US" dirty="0" smtClean="0"/>
               <a:t>Adult survival</a:t>
             </a:r>
+            <a:endParaRPr lang="en-US" dirty="0"/>
           </a:p>
         </p:txBody>
       </p:sp>
@@ -6214,9 +5715,10 @@
           <a:p>
             <a:pPr algn="ctr"/>
             <a:r>
-              <a:rPr lang="en-US" dirty="0"/>
+              <a:rPr lang="en-US" dirty="0" smtClean="0"/>
               <a:t>Juvenile survival</a:t>
             </a:r>
+            <a:endParaRPr lang="en-US" dirty="0"/>
           </a:p>
         </p:txBody>
       </p:sp>
@@ -6257,9 +5759,10 @@
           <a:p>
             <a:pPr algn="ctr"/>
             <a:r>
-              <a:rPr lang="en-US" dirty="0"/>
+              <a:rPr lang="en-US" dirty="0" smtClean="0"/>
               <a:t>Productivity</a:t>
             </a:r>
+            <a:endParaRPr lang="en-US" dirty="0"/>
           </a:p>
         </p:txBody>
       </p:sp>
@@ -6480,9 +5983,10 @@
           <a:p>
             <a:pPr algn="ctr"/>
             <a:r>
-              <a:rPr lang="en-US" dirty="0"/>
+              <a:rPr lang="en-US" dirty="0" smtClean="0"/>
               <a:t>Population abundance</a:t>
             </a:r>
+            <a:endParaRPr lang="en-US" dirty="0"/>
           </a:p>
         </p:txBody>
       </p:sp>
@@ -6631,7 +6135,7 @@
           <a:p>
             <a:pPr algn="ctr"/>
             <a:r>
-              <a:rPr lang="en-US" dirty="0" err="1"/>
+              <a:rPr lang="en-US" dirty="0" err="1" smtClean="0"/>
               <a:t>Resliiency</a:t>
             </a:r>
             <a:endParaRPr lang="en-US" dirty="0"/>
@@ -6726,10 +6230,17 @@
   <p:clrMapOvr>
     <a:masterClrMapping/>
   </p:clrMapOvr>
+  <p:timing>
+    <p:tnLst>
+      <p:par>
+        <p:cTn id="1" dur="indefinite" restart="never" nodeType="tmRoot"/>
+      </p:par>
+    </p:tnLst>
+  </p:timing>
 </p:sld>
 </file>
 
-<file path=ppt/slides/slide14.xml><?xml version="1.0" encoding="utf-8"?>
+<file path=ppt/slides/slide13.xml><?xml version="1.0" encoding="utf-8"?>
 <p:sld xmlns:a="http://schemas.openxmlformats.org/drawingml/2006/main" xmlns:r="http://schemas.openxmlformats.org/officeDocument/2006/relationships" xmlns:p="http://schemas.openxmlformats.org/presentationml/2006/main">
   <p:cSld>
     <p:spTree>
@@ -6748,428 +6259,136 @@
       </p:grpSpPr>
       <p:sp>
         <p:nvSpPr>
-          <p:cNvPr id="2" name="TextBox 1"/>
-          <p:cNvSpPr txBox="1"/>
-          <p:nvPr/>
-        </p:nvSpPr>
-        <p:spPr>
-          <a:xfrm>
-            <a:off x="1634564" y="150799"/>
-            <a:ext cx="4123654" cy="1200329"/>
-          </a:xfrm>
-          <a:prstGeom prst="rect">
-            <a:avLst/>
-          </a:prstGeom>
-          <a:noFill/>
-          <a:ln>
-            <a:solidFill>
-              <a:schemeClr val="accent1"/>
-            </a:solidFill>
-          </a:ln>
-        </p:spPr>
-        <p:txBody>
-          <a:bodyPr wrap="square" rtlCol="0">
-            <a:spAutoFit/>
-          </a:bodyPr>
+          <p:cNvPr id="2" name="Title 1"/>
+          <p:cNvSpPr>
+            <a:spLocks noGrp="1"/>
+          </p:cNvSpPr>
+          <p:nvPr>
+            <p:ph type="title"/>
+          </p:nvPr>
+        </p:nvSpPr>
+        <p:spPr/>
+        <p:txBody>
+          <a:bodyPr/>
           <a:lstStyle/>
           <a:p>
-            <a:pPr algn="ctr"/>
-            <a:r>
-              <a:rPr lang="en-US" sz="2400" dirty="0"/>
-              <a:t>What is the stream length? </a:t>
-            </a:r>
-          </a:p>
-          <a:p>
-            <a:pPr algn="ctr"/>
-            <a:r>
-              <a:rPr lang="en-US" sz="2400" dirty="0"/>
-              <a:t>Stream Length</a:t>
-            </a:r>
-          </a:p>
-          <a:p>
-            <a:pPr algn="ctr"/>
-            <a:r>
-              <a:rPr lang="en-US" sz="2400" dirty="0"/>
-              <a:t>Change?</a:t>
-            </a:r>
-          </a:p>
-        </p:txBody>
-      </p:sp>
-      <p:sp>
-        <p:nvSpPr>
-          <p:cNvPr id="3" name="TextBox 2"/>
-          <p:cNvSpPr txBox="1"/>
-          <p:nvPr/>
-        </p:nvSpPr>
-        <p:spPr>
-          <a:xfrm>
-            <a:off x="2286000" y="2743201"/>
-            <a:ext cx="587340" cy="461665"/>
-          </a:xfrm>
-          <a:prstGeom prst="rect">
-            <a:avLst/>
-          </a:prstGeom>
-          <a:noFill/>
-          <a:ln>
-            <a:solidFill>
-              <a:schemeClr val="accent1"/>
-            </a:solidFill>
-          </a:ln>
-        </p:spPr>
-        <p:txBody>
-          <a:bodyPr wrap="none" rtlCol="0">
-            <a:spAutoFit/>
-          </a:bodyPr>
-          <a:lstStyle/>
-          <a:p>
-            <a:r>
-              <a:rPr lang="en-US" sz="2400" dirty="0"/>
-              <a:t>Yes</a:t>
-            </a:r>
-          </a:p>
-        </p:txBody>
-      </p:sp>
-      <p:sp>
-        <p:nvSpPr>
-          <p:cNvPr id="4" name="TextBox 3"/>
-          <p:cNvSpPr txBox="1"/>
-          <p:nvPr/>
-        </p:nvSpPr>
-        <p:spPr>
-          <a:xfrm>
-            <a:off x="3751554" y="2087159"/>
-            <a:ext cx="545342" cy="461665"/>
-          </a:xfrm>
-          <a:prstGeom prst="rect">
-            <a:avLst/>
-          </a:prstGeom>
-          <a:noFill/>
-          <a:ln>
-            <a:solidFill>
-              <a:schemeClr val="accent1"/>
-            </a:solidFill>
-          </a:ln>
-        </p:spPr>
-        <p:txBody>
-          <a:bodyPr wrap="none" rtlCol="0">
-            <a:spAutoFit/>
-          </a:bodyPr>
-          <a:lstStyle/>
-          <a:p>
-            <a:r>
-              <a:rPr lang="en-US" sz="2400" dirty="0"/>
-              <a:t>No</a:t>
-            </a:r>
-          </a:p>
-        </p:txBody>
-      </p:sp>
-      <p:cxnSp>
-        <p:nvCxnSpPr>
-          <p:cNvPr id="5" name="Straight Arrow Connector 4"/>
-          <p:cNvCxnSpPr>
-            <a:stCxn id="2" idx="2"/>
-            <a:endCxn id="4" idx="0"/>
-          </p:cNvCxnSpPr>
-          <p:nvPr/>
-        </p:nvCxnSpPr>
-        <p:spPr>
-          <a:xfrm>
-            <a:off x="3696391" y="1351128"/>
-            <a:ext cx="327834" cy="736031"/>
-          </a:xfrm>
-          <a:prstGeom prst="straightConnector1">
-            <a:avLst/>
-          </a:prstGeom>
-          <a:ln w="25400">
-            <a:solidFill>
-              <a:srgbClr val="0070C0"/>
-            </a:solidFill>
-            <a:tailEnd type="arrow"/>
-          </a:ln>
-        </p:spPr>
-        <p:style>
-          <a:lnRef idx="1">
-            <a:schemeClr val="accent1"/>
-          </a:lnRef>
-          <a:fillRef idx="0">
-            <a:schemeClr val="accent1"/>
-          </a:fillRef>
-          <a:effectRef idx="0">
-            <a:schemeClr val="accent1"/>
-          </a:effectRef>
-          <a:fontRef idx="minor">
-            <a:schemeClr val="tx1"/>
-          </a:fontRef>
-        </p:style>
-      </p:cxnSp>
-      <p:cxnSp>
-        <p:nvCxnSpPr>
-          <p:cNvPr id="7" name="Straight Arrow Connector 6"/>
-          <p:cNvCxnSpPr>
-            <a:stCxn id="2" idx="2"/>
-            <a:endCxn id="3" idx="0"/>
-          </p:cNvCxnSpPr>
-          <p:nvPr/>
-        </p:nvCxnSpPr>
-        <p:spPr>
-          <a:xfrm flipH="1">
-            <a:off x="2579671" y="1351128"/>
-            <a:ext cx="1116721" cy="1392073"/>
-          </a:xfrm>
-          <a:prstGeom prst="straightConnector1">
-            <a:avLst/>
-          </a:prstGeom>
-          <a:ln w="25400">
-            <a:solidFill>
-              <a:srgbClr val="0070C0"/>
-            </a:solidFill>
-            <a:tailEnd type="arrow"/>
-          </a:ln>
-        </p:spPr>
-        <p:style>
-          <a:lnRef idx="1">
-            <a:schemeClr val="accent1"/>
-          </a:lnRef>
-          <a:fillRef idx="0">
-            <a:schemeClr val="accent1"/>
-          </a:fillRef>
-          <a:effectRef idx="0">
-            <a:schemeClr val="accent1"/>
-          </a:effectRef>
-          <a:fontRef idx="minor">
-            <a:schemeClr val="tx1"/>
-          </a:fontRef>
-        </p:style>
-      </p:cxnSp>
-      <p:sp>
-        <p:nvSpPr>
-          <p:cNvPr id="14" name="TextBox 13"/>
-          <p:cNvSpPr txBox="1"/>
-          <p:nvPr/>
-        </p:nvSpPr>
-        <p:spPr>
-          <a:xfrm>
-            <a:off x="5791200" y="566297"/>
-            <a:ext cx="3798540" cy="369332"/>
-          </a:xfrm>
-          <a:prstGeom prst="rect">
-            <a:avLst/>
-          </a:prstGeom>
-          <a:noFill/>
-        </p:spPr>
-        <p:txBody>
-          <a:bodyPr wrap="none" rtlCol="0">
-            <a:spAutoFit/>
-          </a:bodyPr>
-          <a:lstStyle/>
-          <a:p>
-            <a:r>
-              <a:rPr lang="en-US" dirty="0"/>
-              <a:t>A stream may change length over time</a:t>
-            </a:r>
-          </a:p>
-        </p:txBody>
-      </p:sp>
-      <p:sp>
-        <p:nvSpPr>
-          <p:cNvPr id="21" name="TextBox 20"/>
-          <p:cNvSpPr txBox="1"/>
-          <p:nvPr/>
-        </p:nvSpPr>
-        <p:spPr>
-          <a:xfrm>
-            <a:off x="5410776" y="1856326"/>
-            <a:ext cx="4178964" cy="923330"/>
-          </a:xfrm>
-          <a:prstGeom prst="rect">
-            <a:avLst/>
-          </a:prstGeom>
-          <a:noFill/>
-        </p:spPr>
-        <p:txBody>
-          <a:bodyPr wrap="square" rtlCol="0">
-            <a:spAutoFit/>
-          </a:bodyPr>
-          <a:lstStyle/>
-          <a:p>
-            <a:r>
-              <a:rPr lang="en-US" dirty="0"/>
-              <a:t>If the stream does not change length, there is no effect of this parameter on occupancy.</a:t>
-            </a:r>
-          </a:p>
-        </p:txBody>
-      </p:sp>
-      <p:cxnSp>
-        <p:nvCxnSpPr>
-          <p:cNvPr id="22" name="Straight Arrow Connector 21"/>
-          <p:cNvCxnSpPr>
-            <a:stCxn id="4" idx="3"/>
-            <a:endCxn id="21" idx="1"/>
-          </p:cNvCxnSpPr>
-          <p:nvPr/>
-        </p:nvCxnSpPr>
-        <p:spPr>
-          <a:xfrm>
-            <a:off x="4296896" y="2317991"/>
-            <a:ext cx="1113880" cy="0"/>
-          </a:xfrm>
-          <a:prstGeom prst="straightConnector1">
-            <a:avLst/>
-          </a:prstGeom>
-          <a:ln w="25400">
-            <a:solidFill>
-              <a:srgbClr val="0070C0"/>
-            </a:solidFill>
-            <a:tailEnd type="arrow"/>
-          </a:ln>
-        </p:spPr>
-        <p:style>
-          <a:lnRef idx="1">
-            <a:schemeClr val="accent1"/>
-          </a:lnRef>
-          <a:fillRef idx="0">
-            <a:schemeClr val="accent1"/>
-          </a:fillRef>
-          <a:effectRef idx="0">
-            <a:schemeClr val="accent1"/>
-          </a:effectRef>
-          <a:fontRef idx="minor">
-            <a:schemeClr val="tx1"/>
-          </a:fontRef>
-        </p:style>
-      </p:cxnSp>
-      <p:sp>
-        <p:nvSpPr>
-          <p:cNvPr id="25" name="TextBox 24"/>
-          <p:cNvSpPr txBox="1"/>
-          <p:nvPr/>
-        </p:nvSpPr>
-        <p:spPr>
-          <a:xfrm>
-            <a:off x="3961731" y="3192447"/>
-            <a:ext cx="4178964" cy="923330"/>
-          </a:xfrm>
-          <a:prstGeom prst="rect">
-            <a:avLst/>
-          </a:prstGeom>
-          <a:noFill/>
-          <a:ln>
-            <a:noFill/>
-          </a:ln>
-        </p:spPr>
-        <p:txBody>
-          <a:bodyPr wrap="square" rtlCol="0">
-            <a:spAutoFit/>
-          </a:bodyPr>
-          <a:lstStyle/>
-          <a:p>
-            <a:r>
-              <a:rPr lang="en-US" dirty="0"/>
-              <a:t>If the stream does change length, there </a:t>
-            </a:r>
-            <a:r>
-              <a:rPr lang="en-US" dirty="0">
-                <a:solidFill>
-                  <a:srgbClr val="FF0000"/>
-                </a:solidFill>
-              </a:rPr>
-              <a:t>will be an effect on the probability of occupancy.</a:t>
-            </a:r>
-          </a:p>
-        </p:txBody>
-      </p:sp>
-      <p:cxnSp>
-        <p:nvCxnSpPr>
-          <p:cNvPr id="26" name="Straight Arrow Connector 25"/>
-          <p:cNvCxnSpPr>
-            <a:stCxn id="3" idx="3"/>
-            <a:endCxn id="25" idx="1"/>
-          </p:cNvCxnSpPr>
-          <p:nvPr/>
-        </p:nvCxnSpPr>
-        <p:spPr>
-          <a:xfrm>
-            <a:off x="2873341" y="2974034"/>
-            <a:ext cx="1088391" cy="680079"/>
-          </a:xfrm>
-          <a:prstGeom prst="straightConnector1">
-            <a:avLst/>
-          </a:prstGeom>
-          <a:ln w="25400">
-            <a:solidFill>
-              <a:srgbClr val="FF0000"/>
-            </a:solidFill>
-            <a:tailEnd type="arrow"/>
-          </a:ln>
-        </p:spPr>
-        <p:style>
-          <a:lnRef idx="1">
-            <a:schemeClr val="accent1"/>
-          </a:lnRef>
-          <a:fillRef idx="0">
-            <a:schemeClr val="accent1"/>
-          </a:fillRef>
-          <a:effectRef idx="0">
-            <a:schemeClr val="accent1"/>
-          </a:effectRef>
-          <a:fontRef idx="minor">
-            <a:schemeClr val="tx1"/>
-          </a:fontRef>
-        </p:style>
-      </p:cxnSp>
-      <p:sp>
-        <p:nvSpPr>
-          <p:cNvPr id="30" name="TextBox 29"/>
-          <p:cNvSpPr txBox="1"/>
-          <p:nvPr/>
-        </p:nvSpPr>
-        <p:spPr>
-          <a:xfrm>
-            <a:off x="1798588" y="5033512"/>
-            <a:ext cx="3849066" cy="1477328"/>
-          </a:xfrm>
-          <a:prstGeom prst="rect">
-            <a:avLst/>
-          </a:prstGeom>
-          <a:noFill/>
-        </p:spPr>
-        <p:txBody>
-          <a:bodyPr wrap="square" rtlCol="0">
-            <a:spAutoFit/>
-          </a:bodyPr>
-          <a:lstStyle/>
-          <a:p>
-            <a:r>
-              <a:rPr lang="en-US" dirty="0"/>
-              <a:t>We think the relationship between stream length and occupancy probability is curvilinear, a negative exponential relationship. The longer a stream is, the less it effects occupancy.</a:t>
-            </a:r>
-          </a:p>
-        </p:txBody>
-      </p:sp>
+            <a:r>
+              <a:rPr lang="en-US" dirty="0" smtClean="0"/>
+              <a:t>Headwater chub steam length and extinction risk</a:t>
+            </a:r>
+            <a:endParaRPr lang="en-US" dirty="0"/>
+          </a:p>
+        </p:txBody>
+      </p:sp>
+      <p:graphicFrame>
+        <p:nvGraphicFramePr>
+          <p:cNvPr id="4" name="Chart 3"/>
+          <p:cNvGraphicFramePr>
+            <a:graphicFrameLocks/>
+          </p:cNvGraphicFramePr>
+          <p:nvPr>
+            <p:extLst>
+              <p:ext uri="{D42A27DB-BD31-4B8C-83A1-F6EECF244321}">
+                <p14:modId xmlns:p14="http://schemas.microsoft.com/office/powerpoint/2010/main" val="2655353009"/>
+              </p:ext>
+            </p:extLst>
+          </p:nvPr>
+        </p:nvGraphicFramePr>
+        <p:xfrm>
+          <a:off x="1574800" y="2198254"/>
+          <a:ext cx="8017933" cy="3694545"/>
+        </p:xfrm>
+        <a:graphic>
+          <a:graphicData uri="http://schemas.openxmlformats.org/drawingml/2006/chart">
+            <c:chart xmlns:c="http://schemas.openxmlformats.org/drawingml/2006/chart" xmlns:r="http://schemas.openxmlformats.org/officeDocument/2006/relationships" r:id="rId2"/>
+          </a:graphicData>
+        </a:graphic>
+      </p:graphicFrame>
       <p:grpSp>
         <p:nvGrpSpPr>
-          <p:cNvPr id="1025" name="Group 1024"/>
+          <p:cNvPr id="5" name="Group 4"/>
           <p:cNvGrpSpPr/>
           <p:nvPr/>
         </p:nvGrpSpPr>
         <p:grpSpPr>
           <a:xfrm>
-            <a:off x="5870188" y="4115777"/>
-            <a:ext cx="3861822" cy="2674640"/>
-            <a:chOff x="4504663" y="4724400"/>
-            <a:chExt cx="3103301" cy="1751268"/>
+            <a:off x="0" y="6225309"/>
+            <a:ext cx="12192000" cy="632691"/>
+            <a:chOff x="0" y="6248400"/>
+            <a:chExt cx="9144000" cy="609600"/>
           </a:xfrm>
         </p:grpSpPr>
+        <p:sp>
+          <p:nvSpPr>
+            <p:cNvPr id="6" name="Rectangle 5"/>
+            <p:cNvSpPr/>
+            <p:nvPr/>
+          </p:nvSpPr>
+          <p:spPr>
+            <a:xfrm>
+              <a:off x="0" y="6248400"/>
+              <a:ext cx="9144000" cy="609600"/>
+            </a:xfrm>
+            <a:prstGeom prst="rect">
+              <a:avLst/>
+            </a:prstGeom>
+            <a:solidFill>
+              <a:srgbClr val="4F6228">
+                <a:alpha val="74902"/>
+              </a:srgbClr>
+            </a:solidFill>
+            <a:ln>
+              <a:noFill/>
+            </a:ln>
+          </p:spPr>
+          <p:style>
+            <a:lnRef idx="2">
+              <a:schemeClr val="accent1">
+                <a:shade val="50000"/>
+              </a:schemeClr>
+            </a:lnRef>
+            <a:fillRef idx="1">
+              <a:schemeClr val="accent1"/>
+            </a:fillRef>
+            <a:effectRef idx="0">
+              <a:schemeClr val="accent1"/>
+            </a:effectRef>
+            <a:fontRef idx="minor">
+              <a:schemeClr val="lt1"/>
+            </a:fontRef>
+          </p:style>
+          <p:txBody>
+            <a:bodyPr rtlCol="0" anchor="ctr"/>
+            <a:lstStyle/>
+            <a:p>
+              <a:r>
+                <a:rPr lang="en-US" dirty="0" smtClean="0">
+                  <a:solidFill>
+                    <a:schemeClr val="bg1"/>
+                  </a:solidFill>
+                  <a:latin typeface="Arial Narrow" panose="020B0606020202030204" pitchFamily="34" charset="0"/>
+                </a:rPr>
+                <a:t>Quantitative Tools for SSA</a:t>
+              </a:r>
+              <a:endParaRPr lang="en-US" dirty="0">
+                <a:solidFill>
+                  <a:schemeClr val="bg1"/>
+                </a:solidFill>
+                <a:latin typeface="Arial Narrow" panose="020B0606020202030204" pitchFamily="34" charset="0"/>
+              </a:endParaRPr>
+            </a:p>
+          </p:txBody>
+        </p:sp>
         <p:pic>
           <p:nvPicPr>
-            <p:cNvPr id="1026" name="Picture 2" descr="http://www.psychstat.missouristate.edu/introbook/sbgraph/mdist2.gif"/>
+            <p:cNvPr id="7" name="Picture 2" descr="C:\Users\amt0046\Documents\Pictures and figures\ADCNR_logo.png"/>
             <p:cNvPicPr>
               <a:picLocks noChangeAspect="1" noChangeArrowheads="1"/>
             </p:cNvPicPr>
             <p:nvPr/>
           </p:nvPicPr>
           <p:blipFill>
-            <a:blip r:embed="rId2">
+            <a:blip r:embed="rId3">
               <a:extLst>
                 <a:ext uri="{28A0092B-C50C-407E-A947-70E740481C1C}">
                   <a14:useLocalDpi xmlns:a14="http://schemas.microsoft.com/office/drawing/2010/main" val="0"/>
@@ -7183,8 +6402,8 @@
           </p:blipFill>
           <p:spPr bwMode="auto">
             <a:xfrm>
-              <a:off x="4949020" y="4724400"/>
-              <a:ext cx="2658944" cy="1661841"/>
+              <a:off x="7911576" y="6248400"/>
+              <a:ext cx="1232424" cy="609599"/>
             </a:xfrm>
             <a:prstGeom prst="rect">
               <a:avLst/>
@@ -7201,148 +6420,7 @@
             </a:extLst>
           </p:spPr>
         </p:pic>
-        <p:sp>
-          <p:nvSpPr>
-            <p:cNvPr id="31" name="TextBox 30"/>
-            <p:cNvSpPr txBox="1"/>
-            <p:nvPr/>
-          </p:nvSpPr>
-          <p:spPr>
-            <a:xfrm rot="16200000">
-              <a:off x="4321845" y="5216735"/>
-              <a:ext cx="885018" cy="519382"/>
-            </a:xfrm>
-            <a:prstGeom prst="rect">
-              <a:avLst/>
-            </a:prstGeom>
-            <a:noFill/>
-          </p:spPr>
-          <p:txBody>
-            <a:bodyPr wrap="none" rtlCol="0">
-              <a:spAutoFit/>
-            </a:bodyPr>
-            <a:lstStyle/>
-            <a:p>
-              <a:r>
-                <a:rPr lang="en-US" dirty="0"/>
-                <a:t>Effect on</a:t>
-              </a:r>
-            </a:p>
-            <a:p>
-              <a:r>
-                <a:rPr lang="en-US" dirty="0"/>
-                <a:t>P occupancy</a:t>
-              </a:r>
-            </a:p>
-          </p:txBody>
-        </p:sp>
-        <p:sp>
-          <p:nvSpPr>
-            <p:cNvPr id="1024" name="TextBox 1023"/>
-            <p:cNvSpPr txBox="1"/>
-            <p:nvPr/>
-          </p:nvSpPr>
-          <p:spPr>
-            <a:xfrm>
-              <a:off x="5421713" y="6233841"/>
-              <a:ext cx="1243270" cy="241827"/>
-            </a:xfrm>
-            <a:prstGeom prst="rect">
-              <a:avLst/>
-            </a:prstGeom>
-            <a:noFill/>
-          </p:spPr>
-          <p:txBody>
-            <a:bodyPr wrap="none" rtlCol="0">
-              <a:spAutoFit/>
-            </a:bodyPr>
-            <a:lstStyle/>
-            <a:p>
-              <a:r>
-                <a:rPr lang="en-US" dirty="0"/>
-                <a:t>Stream Length</a:t>
-              </a:r>
-            </a:p>
-          </p:txBody>
-        </p:sp>
       </p:grpSp>
-    </p:spTree>
-    <p:extLst>
-      <p:ext uri="{BB962C8B-B14F-4D97-AF65-F5344CB8AC3E}">
-        <p14:creationId xmlns:p14="http://schemas.microsoft.com/office/powerpoint/2010/main" val="786403059"/>
-      </p:ext>
-    </p:extLst>
-  </p:cSld>
-  <p:clrMapOvr>
-    <a:masterClrMapping/>
-  </p:clrMapOvr>
-</p:sld>
-</file>
-
-<file path=ppt/slides/slide15.xml><?xml version="1.0" encoding="utf-8"?>
-<p:sld xmlns:a="http://schemas.openxmlformats.org/drawingml/2006/main" xmlns:r="http://schemas.openxmlformats.org/officeDocument/2006/relationships" xmlns:p="http://schemas.openxmlformats.org/presentationml/2006/main">
-  <p:cSld>
-    <p:spTree>
-      <p:nvGrpSpPr>
-        <p:cNvPr id="1" name=""/>
-        <p:cNvGrpSpPr/>
-        <p:nvPr/>
-      </p:nvGrpSpPr>
-      <p:grpSpPr>
-        <a:xfrm>
-          <a:off x="0" y="0"/>
-          <a:ext cx="0" cy="0"/>
-          <a:chOff x="0" y="0"/>
-          <a:chExt cx="0" cy="0"/>
-        </a:xfrm>
-      </p:grpSpPr>
-      <p:sp>
-        <p:nvSpPr>
-          <p:cNvPr id="2" name="Title 1"/>
-          <p:cNvSpPr>
-            <a:spLocks noGrp="1"/>
-          </p:cNvSpPr>
-          <p:nvPr>
-            <p:ph type="title"/>
-          </p:nvPr>
-        </p:nvSpPr>
-        <p:spPr>
-          <a:xfrm>
-            <a:off x="838200" y="365125"/>
-            <a:ext cx="7731642" cy="1325563"/>
-          </a:xfrm>
-        </p:spPr>
-        <p:txBody>
-          <a:bodyPr/>
-          <a:lstStyle/>
-          <a:p>
-            <a:r>
-              <a:rPr lang="en-US" dirty="0"/>
-              <a:t>Headwater chub stream length and extinction risk</a:t>
-            </a:r>
-          </a:p>
-        </p:txBody>
-      </p:sp>
-      <p:graphicFrame>
-        <p:nvGraphicFramePr>
-          <p:cNvPr id="4" name="Chart 3"/>
-          <p:cNvGraphicFramePr>
-            <a:graphicFrameLocks/>
-          </p:cNvGraphicFramePr>
-          <p:nvPr>
-            <p:extLst/>
-          </p:nvPr>
-        </p:nvGraphicFramePr>
-        <p:xfrm>
-          <a:off x="1574800" y="2198254"/>
-          <a:ext cx="8017933" cy="3694545"/>
-        </p:xfrm>
-        <a:graphic>
-          <a:graphicData uri="http://schemas.openxmlformats.org/drawingml/2006/chart">
-            <c:chart xmlns:c="http://schemas.openxmlformats.org/drawingml/2006/chart" xmlns:r="http://schemas.openxmlformats.org/officeDocument/2006/relationships" r:id="rId2"/>
-          </a:graphicData>
-        </a:graphic>
-      </p:graphicFrame>
     </p:spTree>
     <p:extLst>
       <p:ext uri="{BB962C8B-B14F-4D97-AF65-F5344CB8AC3E}">
@@ -7353,318 +6431,17 @@
   <p:clrMapOvr>
     <a:masterClrMapping/>
   </p:clrMapOvr>
-</p:sld>
-</file>
-
-<file path=ppt/slides/slide16.xml><?xml version="1.0" encoding="utf-8"?>
-<p:sld xmlns:a="http://schemas.openxmlformats.org/drawingml/2006/main" xmlns:r="http://schemas.openxmlformats.org/officeDocument/2006/relationships" xmlns:p="http://schemas.openxmlformats.org/presentationml/2006/main">
-  <p:cSld>
-    <p:spTree>
-      <p:nvGrpSpPr>
-        <p:cNvPr id="1" name=""/>
-        <p:cNvGrpSpPr/>
-        <p:nvPr/>
-      </p:nvGrpSpPr>
-      <p:grpSpPr>
-        <a:xfrm>
-          <a:off x="0" y="0"/>
-          <a:ext cx="0" cy="0"/>
-          <a:chOff x="0" y="0"/>
-          <a:chExt cx="0" cy="0"/>
-        </a:xfrm>
-      </p:grpSpPr>
-      <p:sp>
-        <p:nvSpPr>
-          <p:cNvPr id="2" name="Title 1">
-            <a:extLst>
-              <a:ext uri="{FF2B5EF4-FFF2-40B4-BE49-F238E27FC236}">
-                <a16:creationId xmlns:a16="http://schemas.microsoft.com/office/drawing/2014/main" id="{1D3A7750-7C10-49BD-9704-51C3D1C46C96}"/>
-              </a:ext>
-            </a:extLst>
-          </p:cNvPr>
-          <p:cNvSpPr>
-            <a:spLocks noGrp="1"/>
-          </p:cNvSpPr>
-          <p:nvPr>
-            <p:ph type="title"/>
-          </p:nvPr>
-        </p:nvSpPr>
-        <p:spPr/>
-        <p:txBody>
-          <a:bodyPr/>
-          <a:lstStyle/>
-          <a:p>
-            <a:endParaRPr lang="en-US"/>
-          </a:p>
-        </p:txBody>
-      </p:sp>
-      <p:sp>
-        <p:nvSpPr>
-          <p:cNvPr id="3" name="Content Placeholder 2">
-            <a:extLst>
-              <a:ext uri="{FF2B5EF4-FFF2-40B4-BE49-F238E27FC236}">
-                <a16:creationId xmlns:a16="http://schemas.microsoft.com/office/drawing/2014/main" id="{CE9FDAF5-FCEB-4FFF-AD00-D6AC24AD43BB}"/>
-              </a:ext>
-            </a:extLst>
-          </p:cNvPr>
-          <p:cNvSpPr>
-            <a:spLocks noGrp="1"/>
-          </p:cNvSpPr>
-          <p:nvPr>
-            <p:ph idx="1"/>
-          </p:nvPr>
-        </p:nvSpPr>
-        <p:spPr/>
-        <p:txBody>
-          <a:bodyPr/>
-          <a:lstStyle/>
-          <a:p>
-            <a:endParaRPr lang="en-US"/>
-          </a:p>
-        </p:txBody>
-      </p:sp>
-    </p:spTree>
-    <p:extLst>
-      <p:ext uri="{BB962C8B-B14F-4D97-AF65-F5344CB8AC3E}">
-        <p14:creationId xmlns:p14="http://schemas.microsoft.com/office/powerpoint/2010/main" val="2088287875"/>
-      </p:ext>
-    </p:extLst>
-  </p:cSld>
-  <p:clrMapOvr>
-    <a:masterClrMapping/>
-  </p:clrMapOvr>
+  <p:timing>
+    <p:tnLst>
+      <p:par>
+        <p:cTn id="1" dur="indefinite" restart="never" nodeType="tmRoot"/>
+      </p:par>
+    </p:tnLst>
+  </p:timing>
 </p:sld>
 </file>
 
 <file path=ppt/slides/slide2.xml><?xml version="1.0" encoding="utf-8"?>
-<p:sld xmlns:a="http://schemas.openxmlformats.org/drawingml/2006/main" xmlns:r="http://schemas.openxmlformats.org/officeDocument/2006/relationships" xmlns:p="http://schemas.openxmlformats.org/presentationml/2006/main">
-  <p:cSld>
-    <p:spTree>
-      <p:nvGrpSpPr>
-        <p:cNvPr id="1" name=""/>
-        <p:cNvGrpSpPr/>
-        <p:nvPr/>
-      </p:nvGrpSpPr>
-      <p:grpSpPr>
-        <a:xfrm>
-          <a:off x="0" y="0"/>
-          <a:ext cx="0" cy="0"/>
-          <a:chOff x="0" y="0"/>
-          <a:chExt cx="0" cy="0"/>
-        </a:xfrm>
-      </p:grpSpPr>
-      <p:sp>
-        <p:nvSpPr>
-          <p:cNvPr id="2" name="Title 1"/>
-          <p:cNvSpPr>
-            <a:spLocks noGrp="1"/>
-          </p:cNvSpPr>
-          <p:nvPr>
-            <p:ph type="title"/>
-          </p:nvPr>
-        </p:nvSpPr>
-        <p:spPr/>
-        <p:txBody>
-          <a:bodyPr/>
-          <a:lstStyle/>
-          <a:p>
-            <a:r>
-              <a:rPr lang="en-US" dirty="0"/>
-              <a:t>Looking back</a:t>
-            </a:r>
-          </a:p>
-        </p:txBody>
-      </p:sp>
-      <p:sp>
-        <p:nvSpPr>
-          <p:cNvPr id="3" name="Content Placeholder 2"/>
-          <p:cNvSpPr>
-            <a:spLocks noGrp="1"/>
-          </p:cNvSpPr>
-          <p:nvPr>
-            <p:ph idx="1"/>
-          </p:nvPr>
-        </p:nvSpPr>
-        <p:spPr>
-          <a:xfrm>
-            <a:off x="838200" y="1382233"/>
-            <a:ext cx="10515600" cy="4794730"/>
-          </a:xfrm>
-        </p:spPr>
-        <p:txBody>
-          <a:bodyPr/>
-          <a:lstStyle/>
-          <a:p>
-            <a:r>
-              <a:rPr lang="en-US" dirty="0"/>
-              <a:t>Introduction to SSA course has content on how to conduct descriptive SSA analysis</a:t>
-            </a:r>
-          </a:p>
-          <a:p>
-            <a:r>
-              <a:rPr lang="en-US" dirty="0"/>
-              <a:t>Use descriptive data to assess the current redundancy and resiliency</a:t>
-            </a:r>
-          </a:p>
-        </p:txBody>
-      </p:sp>
-      <p:pic>
-        <p:nvPicPr>
-          <p:cNvPr id="4" name="Picture 3"/>
-          <p:cNvPicPr>
-            <a:picLocks noChangeAspect="1"/>
-          </p:cNvPicPr>
-          <p:nvPr/>
-        </p:nvPicPr>
-        <p:blipFill>
-          <a:blip r:embed="rId2">
-            <a:extLst>
-              <a:ext uri="{28A0092B-C50C-407E-A947-70E740481C1C}">
-                <a14:useLocalDpi xmlns:a14="http://schemas.microsoft.com/office/drawing/2010/main" val="0"/>
-              </a:ext>
-            </a:extLst>
-          </a:blip>
-          <a:stretch>
-            <a:fillRect/>
-          </a:stretch>
-        </p:blipFill>
-        <p:spPr>
-          <a:xfrm>
-            <a:off x="838199" y="2851393"/>
-            <a:ext cx="10060709" cy="3053747"/>
-          </a:xfrm>
-          <a:prstGeom prst="rect">
-            <a:avLst/>
-          </a:prstGeom>
-        </p:spPr>
-      </p:pic>
-    </p:spTree>
-    <p:extLst>
-      <p:ext uri="{BB962C8B-B14F-4D97-AF65-F5344CB8AC3E}">
-        <p14:creationId xmlns:p14="http://schemas.microsoft.com/office/powerpoint/2010/main" val="2904701271"/>
-      </p:ext>
-    </p:extLst>
-  </p:cSld>
-  <p:clrMapOvr>
-    <a:masterClrMapping/>
-  </p:clrMapOvr>
-</p:sld>
-</file>
-
-<file path=ppt/slides/slide3.xml><?xml version="1.0" encoding="utf-8"?>
-<p:sld xmlns:a="http://schemas.openxmlformats.org/drawingml/2006/main" xmlns:r="http://schemas.openxmlformats.org/officeDocument/2006/relationships" xmlns:p="http://schemas.openxmlformats.org/presentationml/2006/main">
-  <p:cSld>
-    <p:spTree>
-      <p:nvGrpSpPr>
-        <p:cNvPr id="1" name=""/>
-        <p:cNvGrpSpPr/>
-        <p:nvPr/>
-      </p:nvGrpSpPr>
-      <p:grpSpPr>
-        <a:xfrm>
-          <a:off x="0" y="0"/>
-          <a:ext cx="0" cy="0"/>
-          <a:chOff x="0" y="0"/>
-          <a:chExt cx="0" cy="0"/>
-        </a:xfrm>
-      </p:grpSpPr>
-      <p:sp>
-        <p:nvSpPr>
-          <p:cNvPr id="2" name="Title 1"/>
-          <p:cNvSpPr>
-            <a:spLocks noGrp="1"/>
-          </p:cNvSpPr>
-          <p:nvPr>
-            <p:ph type="title"/>
-          </p:nvPr>
-        </p:nvSpPr>
-        <p:spPr/>
-        <p:txBody>
-          <a:bodyPr/>
-          <a:lstStyle/>
-          <a:p>
-            <a:r>
-              <a:rPr lang="en-US" dirty="0"/>
-              <a:t>A more quantitative approach…?</a:t>
-            </a:r>
-          </a:p>
-        </p:txBody>
-      </p:sp>
-      <p:sp>
-        <p:nvSpPr>
-          <p:cNvPr id="3" name="Content Placeholder 2"/>
-          <p:cNvSpPr>
-            <a:spLocks noGrp="1"/>
-          </p:cNvSpPr>
-          <p:nvPr>
-            <p:ph idx="1"/>
-          </p:nvPr>
-        </p:nvSpPr>
-        <p:spPr/>
-        <p:txBody>
-          <a:bodyPr/>
-          <a:lstStyle/>
-          <a:p>
-            <a:r>
-              <a:rPr lang="en-US" dirty="0"/>
-              <a:t>Convert descriptors into categories or “states”</a:t>
-            </a:r>
-          </a:p>
-          <a:p>
-            <a:pPr lvl="1"/>
-            <a:r>
-              <a:rPr lang="en-US" dirty="0"/>
-              <a:t>Words describing high abundance are grouped together; words describing moderate abundance are grouped together…etc.</a:t>
-            </a:r>
-          </a:p>
-          <a:p>
-            <a:pPr lvl="1"/>
-            <a:r>
-              <a:rPr lang="en-US" dirty="0"/>
-              <a:t>“many”, “abundant”, “Plethora”… </a:t>
-            </a:r>
-            <a:r>
-              <a:rPr lang="en-US" dirty="0">
-                <a:sym typeface="Wingdings" panose="05000000000000000000" pitchFamily="2" charset="2"/>
-              </a:rPr>
-              <a:t> same category</a:t>
-            </a:r>
-          </a:p>
-          <a:p>
-            <a:pPr lvl="1"/>
-            <a:r>
-              <a:rPr lang="en-US" dirty="0">
-                <a:sym typeface="Wingdings" panose="05000000000000000000" pitchFamily="2" charset="2"/>
-              </a:rPr>
-              <a:t>“some”, “several”, “moderate”…  same category</a:t>
-            </a:r>
-          </a:p>
-          <a:p>
-            <a:pPr lvl="1"/>
-            <a:r>
-              <a:rPr lang="en-US" dirty="0">
-                <a:sym typeface="Wingdings" panose="05000000000000000000" pitchFamily="2" charset="2"/>
-              </a:rPr>
-              <a:t>“Few”, “not abundant”, “scant”… same category</a:t>
-            </a:r>
-            <a:endParaRPr lang="en-US" dirty="0"/>
-          </a:p>
-        </p:txBody>
-      </p:sp>
-    </p:spTree>
-    <p:extLst>
-      <p:ext uri="{BB962C8B-B14F-4D97-AF65-F5344CB8AC3E}">
-        <p14:creationId xmlns:p14="http://schemas.microsoft.com/office/powerpoint/2010/main" val="569860994"/>
-      </p:ext>
-    </p:extLst>
-  </p:cSld>
-  <p:clrMapOvr>
-    <a:masterClrMapping/>
-  </p:clrMapOvr>
-</p:sld>
-</file>
-
-<file path=ppt/slides/slide4.xml><?xml version="1.0" encoding="utf-8"?>
 <p:sld xmlns:a="http://schemas.openxmlformats.org/drawingml/2006/main" xmlns:r="http://schemas.openxmlformats.org/officeDocument/2006/relationships" xmlns:p="http://schemas.openxmlformats.org/presentationml/2006/main">
   <p:cSld>
     <p:spTree>
@@ -7692,7 +6469,7 @@
           </p:nvPr>
         </p:nvPicPr>
         <p:blipFill>
-          <a:blip r:embed="rId3">
+          <a:blip r:embed="rId2">
             <a:extLst>
               <a:ext uri="{28A0092B-C50C-407E-A947-70E740481C1C}">
                 <a14:useLocalDpi xmlns:a14="http://schemas.microsoft.com/office/drawing/2010/main" val="0"/>
@@ -7719,7 +6496,7 @@
           <p:nvPr/>
         </p:nvPicPr>
         <p:blipFill>
-          <a:blip r:embed="rId4" cstate="print">
+          <a:blip r:embed="rId3" cstate="print">
             <a:extLst>
               <a:ext uri="{28A0092B-C50C-407E-A947-70E740481C1C}">
                 <a14:useLocalDpi xmlns:a14="http://schemas.microsoft.com/office/drawing/2010/main" val="0"/>
@@ -7749,7 +6526,7 @@
           <p:nvPr/>
         </p:nvPicPr>
         <p:blipFill>
-          <a:blip r:embed="rId5">
+          <a:blip r:embed="rId4">
             <a:extLst>
               <a:ext uri="{28A0092B-C50C-407E-A947-70E740481C1C}">
                 <a14:useLocalDpi xmlns:a14="http://schemas.microsoft.com/office/drawing/2010/main" val="0"/>
@@ -7781,47 +6558,123 @@
           </a:extLst>
         </p:spPr>
       </p:pic>
-      <p:pic>
-        <p:nvPicPr>
-          <p:cNvPr id="9" name="Picture 2" descr="C:\Users\amt0046\Documents\Pictures and figures\ADCNR_logo.png"/>
-          <p:cNvPicPr>
-            <a:picLocks noChangeAspect="1" noChangeArrowheads="1"/>
-          </p:cNvPicPr>
+      <p:grpSp>
+        <p:nvGrpSpPr>
+          <p:cNvPr id="6" name="Group 5"/>
+          <p:cNvGrpSpPr/>
           <p:nvPr/>
-        </p:nvPicPr>
-        <p:blipFill>
-          <a:blip r:embed="rId5">
+        </p:nvGrpSpPr>
+        <p:grpSpPr>
+          <a:xfrm>
+            <a:off x="0" y="6225309"/>
+            <a:ext cx="12192000" cy="632691"/>
+            <a:chOff x="0" y="6248400"/>
+            <a:chExt cx="9144000" cy="609600"/>
+          </a:xfrm>
+        </p:grpSpPr>
+        <p:sp>
+          <p:nvSpPr>
+            <p:cNvPr id="8" name="Rectangle 7"/>
+            <p:cNvSpPr/>
+            <p:nvPr/>
+          </p:nvSpPr>
+          <p:spPr>
+            <a:xfrm>
+              <a:off x="0" y="6248400"/>
+              <a:ext cx="9144000" cy="609600"/>
+            </a:xfrm>
+            <a:prstGeom prst="rect">
+              <a:avLst/>
+            </a:prstGeom>
+            <a:solidFill>
+              <a:srgbClr val="4F6228">
+                <a:alpha val="74902"/>
+              </a:srgbClr>
+            </a:solidFill>
+            <a:ln>
+              <a:noFill/>
+            </a:ln>
+          </p:spPr>
+          <p:style>
+            <a:lnRef idx="2">
+              <a:schemeClr val="accent1">
+                <a:shade val="50000"/>
+              </a:schemeClr>
+            </a:lnRef>
+            <a:fillRef idx="1">
+              <a:schemeClr val="accent1"/>
+            </a:fillRef>
+            <a:effectRef idx="0">
+              <a:schemeClr val="accent1"/>
+            </a:effectRef>
+            <a:fontRef idx="minor">
+              <a:schemeClr val="lt1"/>
+            </a:fontRef>
+          </p:style>
+          <p:txBody>
+            <a:bodyPr rtlCol="0" anchor="ctr"/>
+            <a:lstStyle/>
+            <a:p>
+              <a:r>
+                <a:rPr lang="en-US" dirty="0" smtClean="0">
+                  <a:solidFill>
+                    <a:schemeClr val="bg1"/>
+                  </a:solidFill>
+                  <a:latin typeface="Arial Narrow" panose="020B0606020202030204" pitchFamily="34" charset="0"/>
+                </a:rPr>
+                <a:t>Quantitative Tools for SSA</a:t>
+              </a:r>
+              <a:endParaRPr lang="en-US" dirty="0">
+                <a:solidFill>
+                  <a:schemeClr val="bg1"/>
+                </a:solidFill>
+                <a:latin typeface="Arial Narrow" panose="020B0606020202030204" pitchFamily="34" charset="0"/>
+              </a:endParaRPr>
+            </a:p>
+          </p:txBody>
+        </p:sp>
+        <p:pic>
+          <p:nvPicPr>
+            <p:cNvPr id="9" name="Picture 2" descr="C:\Users\amt0046\Documents\Pictures and figures\ADCNR_logo.png"/>
+            <p:cNvPicPr>
+              <a:picLocks noChangeAspect="1" noChangeArrowheads="1"/>
+            </p:cNvPicPr>
+            <p:nvPr/>
+          </p:nvPicPr>
+          <p:blipFill>
+            <a:blip r:embed="rId4">
+              <a:extLst>
+                <a:ext uri="{28A0092B-C50C-407E-A947-70E740481C1C}">
+                  <a14:useLocalDpi xmlns:a14="http://schemas.microsoft.com/office/drawing/2010/main" val="0"/>
+                </a:ext>
+              </a:extLst>
+            </a:blip>
+            <a:srcRect/>
+            <a:stretch>
+              <a:fillRect/>
+            </a:stretch>
+          </p:blipFill>
+          <p:spPr bwMode="auto">
+            <a:xfrm>
+              <a:off x="7911576" y="6248400"/>
+              <a:ext cx="1232424" cy="609599"/>
+            </a:xfrm>
+            <a:prstGeom prst="rect">
+              <a:avLst/>
+            </a:prstGeom>
+            <a:noFill/>
             <a:extLst>
-              <a:ext uri="{28A0092B-C50C-407E-A947-70E740481C1C}">
-                <a14:useLocalDpi xmlns:a14="http://schemas.microsoft.com/office/drawing/2010/main" val="0"/>
+              <a:ext uri="{909E8E84-426E-40DD-AFC4-6F175D3DCCD1}">
+                <a14:hiddenFill xmlns:a14="http://schemas.microsoft.com/office/drawing/2010/main">
+                  <a:solidFill>
+                    <a:srgbClr val="FFFFFF"/>
+                  </a:solidFill>
+                </a14:hiddenFill>
               </a:ext>
             </a:extLst>
-          </a:blip>
-          <a:srcRect/>
-          <a:stretch>
-            <a:fillRect/>
-          </a:stretch>
-        </p:blipFill>
-        <p:spPr bwMode="auto">
-          <a:xfrm>
-            <a:off x="10548768" y="6225309"/>
-            <a:ext cx="1643232" cy="632690"/>
-          </a:xfrm>
-          <a:prstGeom prst="rect">
-            <a:avLst/>
-          </a:prstGeom>
-          <a:noFill/>
-          <a:extLst>
-            <a:ext uri="{909E8E84-426E-40DD-AFC4-6F175D3DCCD1}">
-              <a14:hiddenFill xmlns:a14="http://schemas.microsoft.com/office/drawing/2010/main">
-                <a:solidFill>
-                  <a:srgbClr val="FFFFFF"/>
-                </a:solidFill>
-              </a14:hiddenFill>
-            </a:ext>
-          </a:extLst>
-        </p:spPr>
-      </p:pic>
+          </p:spPr>
+        </p:pic>
+      </p:grpSp>
       <p:sp>
         <p:nvSpPr>
           <p:cNvPr id="2" name="Title 1"/>
@@ -7843,9 +6696,10 @@
           <a:lstStyle/>
           <a:p>
             <a:r>
-              <a:rPr lang="en-US" dirty="0"/>
+              <a:rPr lang="en-US" dirty="0" smtClean="0"/>
               <a:t>Field notes or similar data sources</a:t>
             </a:r>
+            <a:endParaRPr lang="en-US" dirty="0"/>
           </a:p>
         </p:txBody>
       </p:sp>
@@ -7859,6 +6713,486 @@
   <p:clrMapOvr>
     <a:masterClrMapping/>
   </p:clrMapOvr>
+  <p:timing>
+    <p:tnLst>
+      <p:par>
+        <p:cTn id="1" dur="indefinite" restart="never" nodeType="tmRoot"/>
+      </p:par>
+    </p:tnLst>
+  </p:timing>
+</p:sld>
+</file>
+
+<file path=ppt/slides/slide3.xml><?xml version="1.0" encoding="utf-8"?>
+<p:sld xmlns:a="http://schemas.openxmlformats.org/drawingml/2006/main" xmlns:r="http://schemas.openxmlformats.org/officeDocument/2006/relationships" xmlns:p="http://schemas.openxmlformats.org/presentationml/2006/main">
+  <p:cSld>
+    <p:spTree>
+      <p:nvGrpSpPr>
+        <p:cNvPr id="1" name=""/>
+        <p:cNvGrpSpPr/>
+        <p:nvPr/>
+      </p:nvGrpSpPr>
+      <p:grpSpPr>
+        <a:xfrm>
+          <a:off x="0" y="0"/>
+          <a:ext cx="0" cy="0"/>
+          <a:chOff x="0" y="0"/>
+          <a:chExt cx="0" cy="0"/>
+        </a:xfrm>
+      </p:grpSpPr>
+      <p:sp>
+        <p:nvSpPr>
+          <p:cNvPr id="2" name="Title 1"/>
+          <p:cNvSpPr>
+            <a:spLocks noGrp="1"/>
+          </p:cNvSpPr>
+          <p:nvPr>
+            <p:ph type="title"/>
+          </p:nvPr>
+        </p:nvSpPr>
+        <p:spPr/>
+        <p:txBody>
+          <a:bodyPr/>
+          <a:lstStyle/>
+          <a:p>
+            <a:r>
+              <a:rPr lang="en-US" dirty="0" smtClean="0"/>
+              <a:t>What are descriptive data?</a:t>
+            </a:r>
+            <a:endParaRPr lang="en-US" dirty="0"/>
+          </a:p>
+        </p:txBody>
+      </p:sp>
+      <p:sp>
+        <p:nvSpPr>
+          <p:cNvPr id="3" name="Content Placeholder 2"/>
+          <p:cNvSpPr>
+            <a:spLocks noGrp="1"/>
+          </p:cNvSpPr>
+          <p:nvPr>
+            <p:ph idx="1"/>
+          </p:nvPr>
+        </p:nvSpPr>
+        <p:spPr/>
+        <p:txBody>
+          <a:bodyPr/>
+          <a:lstStyle/>
+          <a:p>
+            <a:r>
+              <a:rPr lang="en-US" dirty="0" smtClean="0"/>
+              <a:t>Descriptive accounts of what was observed</a:t>
+            </a:r>
+          </a:p>
+          <a:p>
+            <a:endParaRPr lang="en-US" dirty="0"/>
+          </a:p>
+        </p:txBody>
+      </p:sp>
+      <p:pic>
+        <p:nvPicPr>
+          <p:cNvPr id="4" name="Picture 3"/>
+          <p:cNvPicPr>
+            <a:picLocks noChangeAspect="1"/>
+          </p:cNvPicPr>
+          <p:nvPr/>
+        </p:nvPicPr>
+        <p:blipFill>
+          <a:blip r:embed="rId2">
+            <a:extLst>
+              <a:ext uri="{28A0092B-C50C-407E-A947-70E740481C1C}">
+                <a14:useLocalDpi xmlns:a14="http://schemas.microsoft.com/office/drawing/2010/main" val="0"/>
+              </a:ext>
+            </a:extLst>
+          </a:blip>
+          <a:stretch>
+            <a:fillRect/>
+          </a:stretch>
+        </p:blipFill>
+        <p:spPr>
+          <a:xfrm>
+            <a:off x="2280438" y="2286245"/>
+            <a:ext cx="6013814" cy="3855685"/>
+          </a:xfrm>
+          <a:prstGeom prst="rect">
+            <a:avLst/>
+          </a:prstGeom>
+        </p:spPr>
+      </p:pic>
+      <p:grpSp>
+        <p:nvGrpSpPr>
+          <p:cNvPr id="5" name="Group 4"/>
+          <p:cNvGrpSpPr/>
+          <p:nvPr/>
+        </p:nvGrpSpPr>
+        <p:grpSpPr>
+          <a:xfrm>
+            <a:off x="0" y="6225309"/>
+            <a:ext cx="12192000" cy="632691"/>
+            <a:chOff x="0" y="6248400"/>
+            <a:chExt cx="9144000" cy="609600"/>
+          </a:xfrm>
+        </p:grpSpPr>
+        <p:sp>
+          <p:nvSpPr>
+            <p:cNvPr id="6" name="Rectangle 5"/>
+            <p:cNvSpPr/>
+            <p:nvPr/>
+          </p:nvSpPr>
+          <p:spPr>
+            <a:xfrm>
+              <a:off x="0" y="6248400"/>
+              <a:ext cx="9144000" cy="609600"/>
+            </a:xfrm>
+            <a:prstGeom prst="rect">
+              <a:avLst/>
+            </a:prstGeom>
+            <a:solidFill>
+              <a:srgbClr val="4F6228">
+                <a:alpha val="74902"/>
+              </a:srgbClr>
+            </a:solidFill>
+            <a:ln>
+              <a:noFill/>
+            </a:ln>
+          </p:spPr>
+          <p:style>
+            <a:lnRef idx="2">
+              <a:schemeClr val="accent1">
+                <a:shade val="50000"/>
+              </a:schemeClr>
+            </a:lnRef>
+            <a:fillRef idx="1">
+              <a:schemeClr val="accent1"/>
+            </a:fillRef>
+            <a:effectRef idx="0">
+              <a:schemeClr val="accent1"/>
+            </a:effectRef>
+            <a:fontRef idx="minor">
+              <a:schemeClr val="lt1"/>
+            </a:fontRef>
+          </p:style>
+          <p:txBody>
+            <a:bodyPr rtlCol="0" anchor="ctr"/>
+            <a:lstStyle/>
+            <a:p>
+              <a:r>
+                <a:rPr lang="en-US" dirty="0" smtClean="0">
+                  <a:solidFill>
+                    <a:schemeClr val="bg1"/>
+                  </a:solidFill>
+                  <a:latin typeface="Arial Narrow" panose="020B0606020202030204" pitchFamily="34" charset="0"/>
+                </a:rPr>
+                <a:t>Quantitative Tools for SSA</a:t>
+              </a:r>
+              <a:endParaRPr lang="en-US" dirty="0">
+                <a:solidFill>
+                  <a:schemeClr val="bg1"/>
+                </a:solidFill>
+                <a:latin typeface="Arial Narrow" panose="020B0606020202030204" pitchFamily="34" charset="0"/>
+              </a:endParaRPr>
+            </a:p>
+          </p:txBody>
+        </p:sp>
+        <p:pic>
+          <p:nvPicPr>
+            <p:cNvPr id="7" name="Picture 2" descr="C:\Users\amt0046\Documents\Pictures and figures\ADCNR_logo.png"/>
+            <p:cNvPicPr>
+              <a:picLocks noChangeAspect="1" noChangeArrowheads="1"/>
+            </p:cNvPicPr>
+            <p:nvPr/>
+          </p:nvPicPr>
+          <p:blipFill>
+            <a:blip r:embed="rId3">
+              <a:extLst>
+                <a:ext uri="{28A0092B-C50C-407E-A947-70E740481C1C}">
+                  <a14:useLocalDpi xmlns:a14="http://schemas.microsoft.com/office/drawing/2010/main" val="0"/>
+                </a:ext>
+              </a:extLst>
+            </a:blip>
+            <a:srcRect/>
+            <a:stretch>
+              <a:fillRect/>
+            </a:stretch>
+          </p:blipFill>
+          <p:spPr bwMode="auto">
+            <a:xfrm>
+              <a:off x="7911576" y="6248400"/>
+              <a:ext cx="1232424" cy="609599"/>
+            </a:xfrm>
+            <a:prstGeom prst="rect">
+              <a:avLst/>
+            </a:prstGeom>
+            <a:noFill/>
+            <a:extLst>
+              <a:ext uri="{909E8E84-426E-40DD-AFC4-6F175D3DCCD1}">
+                <a14:hiddenFill xmlns:a14="http://schemas.microsoft.com/office/drawing/2010/main">
+                  <a:solidFill>
+                    <a:srgbClr val="FFFFFF"/>
+                  </a:solidFill>
+                </a14:hiddenFill>
+              </a:ext>
+            </a:extLst>
+          </p:spPr>
+        </p:pic>
+      </p:grpSp>
+    </p:spTree>
+    <p:extLst>
+      <p:ext uri="{BB962C8B-B14F-4D97-AF65-F5344CB8AC3E}">
+        <p14:creationId xmlns:p14="http://schemas.microsoft.com/office/powerpoint/2010/main" val="592209844"/>
+      </p:ext>
+    </p:extLst>
+  </p:cSld>
+  <p:clrMapOvr>
+    <a:masterClrMapping/>
+  </p:clrMapOvr>
+  <p:timing>
+    <p:tnLst>
+      <p:par>
+        <p:cTn id="1" dur="indefinite" restart="never" nodeType="tmRoot"/>
+      </p:par>
+    </p:tnLst>
+  </p:timing>
+</p:sld>
+</file>
+
+<file path=ppt/slides/slide4.xml><?xml version="1.0" encoding="utf-8"?>
+<p:sld xmlns:a="http://schemas.openxmlformats.org/drawingml/2006/main" xmlns:r="http://schemas.openxmlformats.org/officeDocument/2006/relationships" xmlns:p="http://schemas.openxmlformats.org/presentationml/2006/main">
+  <p:cSld>
+    <p:spTree>
+      <p:nvGrpSpPr>
+        <p:cNvPr id="1" name=""/>
+        <p:cNvGrpSpPr/>
+        <p:nvPr/>
+      </p:nvGrpSpPr>
+      <p:grpSpPr>
+        <a:xfrm>
+          <a:off x="0" y="0"/>
+          <a:ext cx="0" cy="0"/>
+          <a:chOff x="0" y="0"/>
+          <a:chExt cx="0" cy="0"/>
+        </a:xfrm>
+      </p:grpSpPr>
+      <p:sp>
+        <p:nvSpPr>
+          <p:cNvPr id="2" name="Title 1"/>
+          <p:cNvSpPr>
+            <a:spLocks noGrp="1"/>
+          </p:cNvSpPr>
+          <p:nvPr>
+            <p:ph type="title"/>
+          </p:nvPr>
+        </p:nvSpPr>
+        <p:spPr/>
+        <p:txBody>
+          <a:bodyPr/>
+          <a:lstStyle/>
+          <a:p>
+            <a:r>
+              <a:rPr lang="en-US" dirty="0" smtClean="0"/>
+              <a:t>Looking back</a:t>
+            </a:r>
+            <a:endParaRPr lang="en-US" dirty="0"/>
+          </a:p>
+        </p:txBody>
+      </p:sp>
+      <p:sp>
+        <p:nvSpPr>
+          <p:cNvPr id="3" name="Content Placeholder 2"/>
+          <p:cNvSpPr>
+            <a:spLocks noGrp="1"/>
+          </p:cNvSpPr>
+          <p:nvPr>
+            <p:ph idx="1"/>
+          </p:nvPr>
+        </p:nvSpPr>
+        <p:spPr>
+          <a:xfrm>
+            <a:off x="838200" y="1382233"/>
+            <a:ext cx="10515600" cy="4794730"/>
+          </a:xfrm>
+        </p:spPr>
+        <p:txBody>
+          <a:bodyPr/>
+          <a:lstStyle/>
+          <a:p>
+            <a:r>
+              <a:rPr lang="en-US" dirty="0" smtClean="0"/>
+              <a:t>Introduction to SSA course has some content on how to conduct a descriptive SSA analysis</a:t>
+            </a:r>
+          </a:p>
+          <a:p>
+            <a:r>
+              <a:rPr lang="en-US" dirty="0" smtClean="0"/>
+              <a:t>Use descriptive data to assess the current redundancy and resiliency</a:t>
+            </a:r>
+            <a:endParaRPr lang="en-US" dirty="0"/>
+          </a:p>
+        </p:txBody>
+      </p:sp>
+      <p:pic>
+        <p:nvPicPr>
+          <p:cNvPr id="4" name="Picture 3"/>
+          <p:cNvPicPr>
+            <a:picLocks noChangeAspect="1"/>
+          </p:cNvPicPr>
+          <p:nvPr/>
+        </p:nvPicPr>
+        <p:blipFill>
+          <a:blip r:embed="rId2">
+            <a:extLst>
+              <a:ext uri="{28A0092B-C50C-407E-A947-70E740481C1C}">
+                <a14:useLocalDpi xmlns:a14="http://schemas.microsoft.com/office/drawing/2010/main" val="0"/>
+              </a:ext>
+            </a:extLst>
+          </a:blip>
+          <a:stretch>
+            <a:fillRect/>
+          </a:stretch>
+        </p:blipFill>
+        <p:spPr>
+          <a:xfrm>
+            <a:off x="838199" y="2851393"/>
+            <a:ext cx="10060709" cy="3053747"/>
+          </a:xfrm>
+          <a:prstGeom prst="rect">
+            <a:avLst/>
+          </a:prstGeom>
+        </p:spPr>
+      </p:pic>
+      <p:grpSp>
+        <p:nvGrpSpPr>
+          <p:cNvPr id="5" name="Group 4"/>
+          <p:cNvGrpSpPr/>
+          <p:nvPr/>
+        </p:nvGrpSpPr>
+        <p:grpSpPr>
+          <a:xfrm>
+            <a:off x="0" y="6225309"/>
+            <a:ext cx="12192000" cy="632691"/>
+            <a:chOff x="0" y="6248400"/>
+            <a:chExt cx="9144000" cy="609600"/>
+          </a:xfrm>
+        </p:grpSpPr>
+        <p:sp>
+          <p:nvSpPr>
+            <p:cNvPr id="6" name="Rectangle 5"/>
+            <p:cNvSpPr/>
+            <p:nvPr/>
+          </p:nvSpPr>
+          <p:spPr>
+            <a:xfrm>
+              <a:off x="0" y="6248400"/>
+              <a:ext cx="9144000" cy="609600"/>
+            </a:xfrm>
+            <a:prstGeom prst="rect">
+              <a:avLst/>
+            </a:prstGeom>
+            <a:solidFill>
+              <a:srgbClr val="4F6228">
+                <a:alpha val="74902"/>
+              </a:srgbClr>
+            </a:solidFill>
+            <a:ln>
+              <a:noFill/>
+            </a:ln>
+          </p:spPr>
+          <p:style>
+            <a:lnRef idx="2">
+              <a:schemeClr val="accent1">
+                <a:shade val="50000"/>
+              </a:schemeClr>
+            </a:lnRef>
+            <a:fillRef idx="1">
+              <a:schemeClr val="accent1"/>
+            </a:fillRef>
+            <a:effectRef idx="0">
+              <a:schemeClr val="accent1"/>
+            </a:effectRef>
+            <a:fontRef idx="minor">
+              <a:schemeClr val="lt1"/>
+            </a:fontRef>
+          </p:style>
+          <p:txBody>
+            <a:bodyPr rtlCol="0" anchor="ctr"/>
+            <a:lstStyle/>
+            <a:p>
+              <a:r>
+                <a:rPr lang="en-US" dirty="0" smtClean="0">
+                  <a:solidFill>
+                    <a:schemeClr val="bg1"/>
+                  </a:solidFill>
+                  <a:latin typeface="Arial Narrow" panose="020B0606020202030204" pitchFamily="34" charset="0"/>
+                </a:rPr>
+                <a:t>Quantitative Tools for SSA</a:t>
+              </a:r>
+              <a:endParaRPr lang="en-US" dirty="0">
+                <a:solidFill>
+                  <a:schemeClr val="bg1"/>
+                </a:solidFill>
+                <a:latin typeface="Arial Narrow" panose="020B0606020202030204" pitchFamily="34" charset="0"/>
+              </a:endParaRPr>
+            </a:p>
+          </p:txBody>
+        </p:sp>
+        <p:pic>
+          <p:nvPicPr>
+            <p:cNvPr id="7" name="Picture 2" descr="C:\Users\amt0046\Documents\Pictures and figures\ADCNR_logo.png"/>
+            <p:cNvPicPr>
+              <a:picLocks noChangeAspect="1" noChangeArrowheads="1"/>
+            </p:cNvPicPr>
+            <p:nvPr/>
+          </p:nvPicPr>
+          <p:blipFill>
+            <a:blip r:embed="rId3">
+              <a:extLst>
+                <a:ext uri="{28A0092B-C50C-407E-A947-70E740481C1C}">
+                  <a14:useLocalDpi xmlns:a14="http://schemas.microsoft.com/office/drawing/2010/main" val="0"/>
+                </a:ext>
+              </a:extLst>
+            </a:blip>
+            <a:srcRect/>
+            <a:stretch>
+              <a:fillRect/>
+            </a:stretch>
+          </p:blipFill>
+          <p:spPr bwMode="auto">
+            <a:xfrm>
+              <a:off x="7911576" y="6248400"/>
+              <a:ext cx="1232424" cy="609599"/>
+            </a:xfrm>
+            <a:prstGeom prst="rect">
+              <a:avLst/>
+            </a:prstGeom>
+            <a:noFill/>
+            <a:extLst>
+              <a:ext uri="{909E8E84-426E-40DD-AFC4-6F175D3DCCD1}">
+                <a14:hiddenFill xmlns:a14="http://schemas.microsoft.com/office/drawing/2010/main">
+                  <a:solidFill>
+                    <a:srgbClr val="FFFFFF"/>
+                  </a:solidFill>
+                </a14:hiddenFill>
+              </a:ext>
+            </a:extLst>
+          </p:spPr>
+        </p:pic>
+      </p:grpSp>
+    </p:spTree>
+    <p:extLst>
+      <p:ext uri="{BB962C8B-B14F-4D97-AF65-F5344CB8AC3E}">
+        <p14:creationId xmlns:p14="http://schemas.microsoft.com/office/powerpoint/2010/main" val="2904701271"/>
+      </p:ext>
+    </p:extLst>
+  </p:cSld>
+  <p:clrMapOvr>
+    <a:masterClrMapping/>
+  </p:clrMapOvr>
+  <p:timing>
+    <p:tnLst>
+      <p:par>
+        <p:cTn id="1" dur="indefinite" restart="never" nodeType="tmRoot"/>
+      </p:par>
+    </p:tnLst>
+  </p:timing>
 </p:sld>
 </file>
 
@@ -7895,9 +7229,247 @@
           <a:lstStyle/>
           <a:p>
             <a:r>
-              <a:rPr lang="en-US" dirty="0"/>
+              <a:rPr lang="en-US" dirty="0" smtClean="0"/>
+              <a:t>A more quantitative approach…?</a:t>
+            </a:r>
+            <a:endParaRPr lang="en-US" dirty="0"/>
+          </a:p>
+        </p:txBody>
+      </p:sp>
+      <p:sp>
+        <p:nvSpPr>
+          <p:cNvPr id="3" name="Content Placeholder 2"/>
+          <p:cNvSpPr>
+            <a:spLocks noGrp="1"/>
+          </p:cNvSpPr>
+          <p:nvPr>
+            <p:ph idx="1"/>
+          </p:nvPr>
+        </p:nvSpPr>
+        <p:spPr/>
+        <p:txBody>
+          <a:bodyPr/>
+          <a:lstStyle/>
+          <a:p>
+            <a:r>
+              <a:rPr lang="en-US" dirty="0" smtClean="0"/>
+              <a:t>Convert descriptors in to categories or “states”</a:t>
+            </a:r>
+          </a:p>
+          <a:p>
+            <a:pPr lvl="1"/>
+            <a:r>
+              <a:rPr lang="en-US" dirty="0" smtClean="0"/>
+              <a:t>Words describing high abundance are grouped together; words describing moderate abundance are grouped together…etc.</a:t>
+            </a:r>
+          </a:p>
+          <a:p>
+            <a:pPr lvl="1"/>
+            <a:r>
+              <a:rPr lang="en-US" dirty="0" smtClean="0"/>
+              <a:t>“many”, “abundant”, “Plethora”… </a:t>
+            </a:r>
+            <a:r>
+              <a:rPr lang="en-US" dirty="0" smtClean="0">
+                <a:sym typeface="Wingdings" panose="05000000000000000000" pitchFamily="2" charset="2"/>
+              </a:rPr>
+              <a:t> same category</a:t>
+            </a:r>
+          </a:p>
+          <a:p>
+            <a:pPr lvl="1"/>
+            <a:r>
+              <a:rPr lang="en-US" dirty="0" smtClean="0">
+                <a:sym typeface="Wingdings" panose="05000000000000000000" pitchFamily="2" charset="2"/>
+              </a:rPr>
+              <a:t>“some”, “several”, “moderate”…  same category</a:t>
+            </a:r>
+          </a:p>
+          <a:p>
+            <a:pPr lvl="1"/>
+            <a:r>
+              <a:rPr lang="en-US" dirty="0" smtClean="0">
+                <a:sym typeface="Wingdings" panose="05000000000000000000" pitchFamily="2" charset="2"/>
+              </a:rPr>
+              <a:t>“Few”, “not abundant”, “scant”… same </a:t>
+            </a:r>
+            <a:r>
+              <a:rPr lang="en-US" dirty="0" err="1" smtClean="0">
+                <a:sym typeface="Wingdings" panose="05000000000000000000" pitchFamily="2" charset="2"/>
+              </a:rPr>
+              <a:t>catagory</a:t>
+            </a:r>
+            <a:endParaRPr lang="en-US" dirty="0"/>
+          </a:p>
+        </p:txBody>
+      </p:sp>
+      <p:grpSp>
+        <p:nvGrpSpPr>
+          <p:cNvPr id="4" name="Group 3"/>
+          <p:cNvGrpSpPr/>
+          <p:nvPr/>
+        </p:nvGrpSpPr>
+        <p:grpSpPr>
+          <a:xfrm>
+            <a:off x="0" y="6225309"/>
+            <a:ext cx="12192000" cy="632691"/>
+            <a:chOff x="0" y="6248400"/>
+            <a:chExt cx="9144000" cy="609600"/>
+          </a:xfrm>
+        </p:grpSpPr>
+        <p:sp>
+          <p:nvSpPr>
+            <p:cNvPr id="5" name="Rectangle 4"/>
+            <p:cNvSpPr/>
+            <p:nvPr/>
+          </p:nvSpPr>
+          <p:spPr>
+            <a:xfrm>
+              <a:off x="0" y="6248400"/>
+              <a:ext cx="9144000" cy="609600"/>
+            </a:xfrm>
+            <a:prstGeom prst="rect">
+              <a:avLst/>
+            </a:prstGeom>
+            <a:solidFill>
+              <a:srgbClr val="4F6228">
+                <a:alpha val="74902"/>
+              </a:srgbClr>
+            </a:solidFill>
+            <a:ln>
+              <a:noFill/>
+            </a:ln>
+          </p:spPr>
+          <p:style>
+            <a:lnRef idx="2">
+              <a:schemeClr val="accent1">
+                <a:shade val="50000"/>
+              </a:schemeClr>
+            </a:lnRef>
+            <a:fillRef idx="1">
+              <a:schemeClr val="accent1"/>
+            </a:fillRef>
+            <a:effectRef idx="0">
+              <a:schemeClr val="accent1"/>
+            </a:effectRef>
+            <a:fontRef idx="minor">
+              <a:schemeClr val="lt1"/>
+            </a:fontRef>
+          </p:style>
+          <p:txBody>
+            <a:bodyPr rtlCol="0" anchor="ctr"/>
+            <a:lstStyle/>
+            <a:p>
+              <a:r>
+                <a:rPr lang="en-US" dirty="0" smtClean="0">
+                  <a:solidFill>
+                    <a:schemeClr val="bg1"/>
+                  </a:solidFill>
+                  <a:latin typeface="Arial Narrow" panose="020B0606020202030204" pitchFamily="34" charset="0"/>
+                </a:rPr>
+                <a:t>Quantitative Tools for SSA</a:t>
+              </a:r>
+              <a:endParaRPr lang="en-US" dirty="0">
+                <a:solidFill>
+                  <a:schemeClr val="bg1"/>
+                </a:solidFill>
+                <a:latin typeface="Arial Narrow" panose="020B0606020202030204" pitchFamily="34" charset="0"/>
+              </a:endParaRPr>
+            </a:p>
+          </p:txBody>
+        </p:sp>
+        <p:pic>
+          <p:nvPicPr>
+            <p:cNvPr id="6" name="Picture 2" descr="C:\Users\amt0046\Documents\Pictures and figures\ADCNR_logo.png"/>
+            <p:cNvPicPr>
+              <a:picLocks noChangeAspect="1" noChangeArrowheads="1"/>
+            </p:cNvPicPr>
+            <p:nvPr/>
+          </p:nvPicPr>
+          <p:blipFill>
+            <a:blip r:embed="rId2">
+              <a:extLst>
+                <a:ext uri="{28A0092B-C50C-407E-A947-70E740481C1C}">
+                  <a14:useLocalDpi xmlns:a14="http://schemas.microsoft.com/office/drawing/2010/main" val="0"/>
+                </a:ext>
+              </a:extLst>
+            </a:blip>
+            <a:srcRect/>
+            <a:stretch>
+              <a:fillRect/>
+            </a:stretch>
+          </p:blipFill>
+          <p:spPr bwMode="auto">
+            <a:xfrm>
+              <a:off x="7911576" y="6248400"/>
+              <a:ext cx="1232424" cy="609599"/>
+            </a:xfrm>
+            <a:prstGeom prst="rect">
+              <a:avLst/>
+            </a:prstGeom>
+            <a:noFill/>
+            <a:extLst>
+              <a:ext uri="{909E8E84-426E-40DD-AFC4-6F175D3DCCD1}">
+                <a14:hiddenFill xmlns:a14="http://schemas.microsoft.com/office/drawing/2010/main">
+                  <a:solidFill>
+                    <a:srgbClr val="FFFFFF"/>
+                  </a:solidFill>
+                </a14:hiddenFill>
+              </a:ext>
+            </a:extLst>
+          </p:spPr>
+        </p:pic>
+      </p:grpSp>
+    </p:spTree>
+    <p:extLst>
+      <p:ext uri="{BB962C8B-B14F-4D97-AF65-F5344CB8AC3E}">
+        <p14:creationId xmlns:p14="http://schemas.microsoft.com/office/powerpoint/2010/main" val="569860994"/>
+      </p:ext>
+    </p:extLst>
+  </p:cSld>
+  <p:clrMapOvr>
+    <a:masterClrMapping/>
+  </p:clrMapOvr>
+</p:sld>
+</file>
+
+<file path=ppt/slides/slide6.xml><?xml version="1.0" encoding="utf-8"?>
+<p:sld xmlns:a="http://schemas.openxmlformats.org/drawingml/2006/main" xmlns:r="http://schemas.openxmlformats.org/officeDocument/2006/relationships" xmlns:p="http://schemas.openxmlformats.org/presentationml/2006/main">
+  <p:cSld>
+    <p:spTree>
+      <p:nvGrpSpPr>
+        <p:cNvPr id="1" name=""/>
+        <p:cNvGrpSpPr/>
+        <p:nvPr/>
+      </p:nvGrpSpPr>
+      <p:grpSpPr>
+        <a:xfrm>
+          <a:off x="0" y="0"/>
+          <a:ext cx="0" cy="0"/>
+          <a:chOff x="0" y="0"/>
+          <a:chExt cx="0" cy="0"/>
+        </a:xfrm>
+      </p:grpSpPr>
+      <p:sp>
+        <p:nvSpPr>
+          <p:cNvPr id="2" name="Title 1"/>
+          <p:cNvSpPr>
+            <a:spLocks noGrp="1"/>
+          </p:cNvSpPr>
+          <p:nvPr>
+            <p:ph type="title"/>
+          </p:nvPr>
+        </p:nvSpPr>
+        <p:spPr/>
+        <p:txBody>
+          <a:bodyPr/>
+          <a:lstStyle/>
+          <a:p>
+            <a:r>
+              <a:rPr lang="en-US" dirty="0" smtClean="0"/>
               <a:t>“data” conversion</a:t>
             </a:r>
+            <a:endParaRPr lang="en-US" dirty="0"/>
           </a:p>
         </p:txBody>
       </p:sp>
@@ -8000,125 +7572,127 @@
           </a:p>
         </p:txBody>
       </p:sp>
+      <p:grpSp>
+        <p:nvGrpSpPr>
+          <p:cNvPr id="7" name="Group 6"/>
+          <p:cNvGrpSpPr/>
+          <p:nvPr/>
+        </p:nvGrpSpPr>
+        <p:grpSpPr>
+          <a:xfrm>
+            <a:off x="0" y="6225309"/>
+            <a:ext cx="12192000" cy="632691"/>
+            <a:chOff x="0" y="6248400"/>
+            <a:chExt cx="9144000" cy="609600"/>
+          </a:xfrm>
+        </p:grpSpPr>
+        <p:sp>
+          <p:nvSpPr>
+            <p:cNvPr id="8" name="Rectangle 7"/>
+            <p:cNvSpPr/>
+            <p:nvPr/>
+          </p:nvSpPr>
+          <p:spPr>
+            <a:xfrm>
+              <a:off x="0" y="6248400"/>
+              <a:ext cx="9144000" cy="609600"/>
+            </a:xfrm>
+            <a:prstGeom prst="rect">
+              <a:avLst/>
+            </a:prstGeom>
+            <a:solidFill>
+              <a:srgbClr val="4F6228">
+                <a:alpha val="74902"/>
+              </a:srgbClr>
+            </a:solidFill>
+            <a:ln>
+              <a:noFill/>
+            </a:ln>
+          </p:spPr>
+          <p:style>
+            <a:lnRef idx="2">
+              <a:schemeClr val="accent1">
+                <a:shade val="50000"/>
+              </a:schemeClr>
+            </a:lnRef>
+            <a:fillRef idx="1">
+              <a:schemeClr val="accent1"/>
+            </a:fillRef>
+            <a:effectRef idx="0">
+              <a:schemeClr val="accent1"/>
+            </a:effectRef>
+            <a:fontRef idx="minor">
+              <a:schemeClr val="lt1"/>
+            </a:fontRef>
+          </p:style>
+          <p:txBody>
+            <a:bodyPr rtlCol="0" anchor="ctr"/>
+            <a:lstStyle/>
+            <a:p>
+              <a:r>
+                <a:rPr lang="en-US" dirty="0" smtClean="0">
+                  <a:solidFill>
+                    <a:schemeClr val="bg1"/>
+                  </a:solidFill>
+                  <a:latin typeface="Arial Narrow" panose="020B0606020202030204" pitchFamily="34" charset="0"/>
+                </a:rPr>
+                <a:t>Quantitative Tools for SSA</a:t>
+              </a:r>
+              <a:endParaRPr lang="en-US" dirty="0">
+                <a:solidFill>
+                  <a:schemeClr val="bg1"/>
+                </a:solidFill>
+                <a:latin typeface="Arial Narrow" panose="020B0606020202030204" pitchFamily="34" charset="0"/>
+              </a:endParaRPr>
+            </a:p>
+          </p:txBody>
+        </p:sp>
+        <p:pic>
+          <p:nvPicPr>
+            <p:cNvPr id="9" name="Picture 2" descr="C:\Users\amt0046\Documents\Pictures and figures\ADCNR_logo.png"/>
+            <p:cNvPicPr>
+              <a:picLocks noChangeAspect="1" noChangeArrowheads="1"/>
+            </p:cNvPicPr>
+            <p:nvPr/>
+          </p:nvPicPr>
+          <p:blipFill>
+            <a:blip r:embed="rId4">
+              <a:extLst>
+                <a:ext uri="{28A0092B-C50C-407E-A947-70E740481C1C}">
+                  <a14:useLocalDpi xmlns:a14="http://schemas.microsoft.com/office/drawing/2010/main" val="0"/>
+                </a:ext>
+              </a:extLst>
+            </a:blip>
+            <a:srcRect/>
+            <a:stretch>
+              <a:fillRect/>
+            </a:stretch>
+          </p:blipFill>
+          <p:spPr bwMode="auto">
+            <a:xfrm>
+              <a:off x="7911576" y="6248400"/>
+              <a:ext cx="1232424" cy="609599"/>
+            </a:xfrm>
+            <a:prstGeom prst="rect">
+              <a:avLst/>
+            </a:prstGeom>
+            <a:noFill/>
+            <a:extLst>
+              <a:ext uri="{909E8E84-426E-40DD-AFC4-6F175D3DCCD1}">
+                <a14:hiddenFill xmlns:a14="http://schemas.microsoft.com/office/drawing/2010/main">
+                  <a:solidFill>
+                    <a:srgbClr val="FFFFFF"/>
+                  </a:solidFill>
+                </a14:hiddenFill>
+              </a:ext>
+            </a:extLst>
+          </p:spPr>
+        </p:pic>
+      </p:grpSp>
     </p:spTree>
     <p:extLst>
       <p:ext uri="{BB962C8B-B14F-4D97-AF65-F5344CB8AC3E}">
         <p14:creationId xmlns:p14="http://schemas.microsoft.com/office/powerpoint/2010/main" val="2099297810"/>
-      </p:ext>
-    </p:extLst>
-  </p:cSld>
-  <p:clrMapOvr>
-    <a:masterClrMapping/>
-  </p:clrMapOvr>
-</p:sld>
-</file>
-
-<file path=ppt/slides/slide6.xml><?xml version="1.0" encoding="utf-8"?>
-<p:sld xmlns:a="http://schemas.openxmlformats.org/drawingml/2006/main" xmlns:r="http://schemas.openxmlformats.org/officeDocument/2006/relationships" xmlns:p="http://schemas.openxmlformats.org/presentationml/2006/main">
-  <p:cSld>
-    <p:spTree>
-      <p:nvGrpSpPr>
-        <p:cNvPr id="1" name=""/>
-        <p:cNvGrpSpPr/>
-        <p:nvPr/>
-      </p:nvGrpSpPr>
-      <p:grpSpPr>
-        <a:xfrm>
-          <a:off x="0" y="0"/>
-          <a:ext cx="0" cy="0"/>
-          <a:chOff x="0" y="0"/>
-          <a:chExt cx="0" cy="0"/>
-        </a:xfrm>
-      </p:grpSpPr>
-      <p:sp>
-        <p:nvSpPr>
-          <p:cNvPr id="3" name="Content Placeholder 2"/>
-          <p:cNvSpPr>
-            <a:spLocks noGrp="1"/>
-          </p:cNvSpPr>
-          <p:nvPr>
-            <p:ph idx="1"/>
-          </p:nvPr>
-        </p:nvSpPr>
-        <p:spPr/>
-        <p:txBody>
-          <a:bodyPr/>
-          <a:lstStyle/>
-          <a:p>
-            <a:r>
-              <a:rPr lang="en-US" dirty="0"/>
-              <a:t>Descriptive accounts of what was observed</a:t>
-            </a:r>
-          </a:p>
-          <a:p>
-            <a:endParaRPr lang="en-US" dirty="0"/>
-          </a:p>
-        </p:txBody>
-      </p:sp>
-      <p:pic>
-        <p:nvPicPr>
-          <p:cNvPr id="4" name="Picture 3"/>
-          <p:cNvPicPr>
-            <a:picLocks noChangeAspect="1"/>
-          </p:cNvPicPr>
-          <p:nvPr/>
-        </p:nvPicPr>
-        <p:blipFill>
-          <a:blip r:embed="rId2">
-            <a:extLst>
-              <a:ext uri="{28A0092B-C50C-407E-A947-70E740481C1C}">
-                <a14:useLocalDpi xmlns:a14="http://schemas.microsoft.com/office/drawing/2010/main" val="0"/>
-              </a:ext>
-            </a:extLst>
-          </a:blip>
-          <a:stretch>
-            <a:fillRect/>
-          </a:stretch>
-        </p:blipFill>
-        <p:spPr>
-          <a:xfrm>
-            <a:off x="2280438" y="2286245"/>
-            <a:ext cx="6013814" cy="3855685"/>
-          </a:xfrm>
-          <a:prstGeom prst="rect">
-            <a:avLst/>
-          </a:prstGeom>
-        </p:spPr>
-      </p:pic>
-      <p:sp>
-        <p:nvSpPr>
-          <p:cNvPr id="8" name="Title 7"/>
-          <p:cNvSpPr>
-            <a:spLocks noGrp="1"/>
-          </p:cNvSpPr>
-          <p:nvPr>
-            <p:ph type="title"/>
-          </p:nvPr>
-        </p:nvSpPr>
-        <p:spPr/>
-        <p:txBody>
-          <a:bodyPr/>
-          <a:lstStyle/>
-          <a:p>
-            <a:r>
-              <a:rPr lang="en-US" dirty="0"/>
-              <a:t>Example </a:t>
-            </a:r>
-            <a:r>
-              <a:rPr lang="mr-IN" dirty="0"/>
-              <a:t>–</a:t>
-            </a:r>
-            <a:r>
-              <a:rPr lang="en-US" dirty="0"/>
-              <a:t> pulling from field notes</a:t>
-            </a:r>
-          </a:p>
-        </p:txBody>
-      </p:sp>
-    </p:spTree>
-    <p:extLst>
-      <p:ext uri="{BB962C8B-B14F-4D97-AF65-F5344CB8AC3E}">
-        <p14:creationId xmlns:p14="http://schemas.microsoft.com/office/powerpoint/2010/main" val="592209844"/>
       </p:ext>
     </p:extLst>
   </p:cSld>
@@ -8147,6 +7721,34 @@
       </p:grpSpPr>
       <p:sp>
         <p:nvSpPr>
+          <p:cNvPr id="2" name="Title 1"/>
+          <p:cNvSpPr>
+            <a:spLocks noGrp="1"/>
+          </p:cNvSpPr>
+          <p:nvPr>
+            <p:ph type="title"/>
+          </p:nvPr>
+        </p:nvSpPr>
+        <p:spPr>
+          <a:xfrm>
+            <a:off x="838200" y="106517"/>
+            <a:ext cx="10515600" cy="1325563"/>
+          </a:xfrm>
+        </p:spPr>
+        <p:txBody>
+          <a:bodyPr/>
+          <a:lstStyle/>
+          <a:p>
+            <a:r>
+              <a:rPr lang="en-US" dirty="0" smtClean="0"/>
+              <a:t>Probability of transitions</a:t>
+            </a:r>
+            <a:endParaRPr lang="en-US" dirty="0"/>
+          </a:p>
+        </p:txBody>
+      </p:sp>
+      <p:sp>
+        <p:nvSpPr>
           <p:cNvPr id="3" name="Content Placeholder 2"/>
           <p:cNvSpPr>
             <a:spLocks noGrp="1"/>
@@ -8155,255 +7757,6 @@
             <p:ph idx="1"/>
           </p:nvPr>
         </p:nvSpPr>
-        <p:spPr/>
-        <p:txBody>
-          <a:bodyPr/>
-          <a:lstStyle/>
-          <a:p>
-            <a:r>
-              <a:rPr lang="en-US" dirty="0"/>
-              <a:t>Descriptive accounts of what was observed</a:t>
-            </a:r>
-          </a:p>
-          <a:p>
-            <a:endParaRPr lang="en-US" dirty="0"/>
-          </a:p>
-        </p:txBody>
-      </p:sp>
-      <p:pic>
-        <p:nvPicPr>
-          <p:cNvPr id="4" name="Picture 3"/>
-          <p:cNvPicPr>
-            <a:picLocks noChangeAspect="1"/>
-          </p:cNvPicPr>
-          <p:nvPr/>
-        </p:nvPicPr>
-        <p:blipFill>
-          <a:blip r:embed="rId2">
-            <a:extLst>
-              <a:ext uri="{28A0092B-C50C-407E-A947-70E740481C1C}">
-                <a14:useLocalDpi xmlns:a14="http://schemas.microsoft.com/office/drawing/2010/main" val="0"/>
-              </a:ext>
-            </a:extLst>
-          </a:blip>
-          <a:stretch>
-            <a:fillRect/>
-          </a:stretch>
-        </p:blipFill>
-        <p:spPr>
-          <a:xfrm>
-            <a:off x="838200" y="2321278"/>
-            <a:ext cx="6013814" cy="3855685"/>
-          </a:xfrm>
-          <a:prstGeom prst="rect">
-            <a:avLst/>
-          </a:prstGeom>
-        </p:spPr>
-      </p:pic>
-      <p:sp>
-        <p:nvSpPr>
-          <p:cNvPr id="8" name="Title 7"/>
-          <p:cNvSpPr>
-            <a:spLocks noGrp="1"/>
-          </p:cNvSpPr>
-          <p:nvPr>
-            <p:ph type="title"/>
-          </p:nvPr>
-        </p:nvSpPr>
-        <p:spPr/>
-        <p:txBody>
-          <a:bodyPr/>
-          <a:lstStyle/>
-          <a:p>
-            <a:r>
-              <a:rPr lang="en-US" dirty="0"/>
-              <a:t>Example </a:t>
-            </a:r>
-            <a:r>
-              <a:rPr lang="mr-IN" dirty="0"/>
-              <a:t>–</a:t>
-            </a:r>
-            <a:r>
-              <a:rPr lang="en-US" dirty="0"/>
-              <a:t> how did the sites change?</a:t>
-            </a:r>
-          </a:p>
-        </p:txBody>
-      </p:sp>
-      <p:sp>
-        <p:nvSpPr>
-          <p:cNvPr id="2" name="Rectangle 1"/>
-          <p:cNvSpPr/>
-          <p:nvPr/>
-        </p:nvSpPr>
-        <p:spPr>
-          <a:xfrm>
-            <a:off x="7151132" y="2321278"/>
-            <a:ext cx="4438355" cy="2308324"/>
-          </a:xfrm>
-          <a:prstGeom prst="rect">
-            <a:avLst/>
-          </a:prstGeom>
-        </p:spPr>
-        <p:txBody>
-          <a:bodyPr wrap="square">
-            <a:spAutoFit/>
-          </a:bodyPr>
-          <a:lstStyle/>
-          <a:p>
-            <a:r>
-              <a:rPr lang="en-US" sz="3600" dirty="0"/>
-              <a:t>Moving from ‘</a:t>
-            </a:r>
-            <a:r>
-              <a:rPr lang="en-US" sz="3600" dirty="0">
-                <a:solidFill>
-                  <a:srgbClr val="00B0F0"/>
-                </a:solidFill>
-              </a:rPr>
-              <a:t>few</a:t>
-            </a:r>
-            <a:r>
-              <a:rPr lang="en-US" sz="3600" dirty="0"/>
-              <a:t>’ to ‘</a:t>
-            </a:r>
-            <a:r>
-              <a:rPr lang="en-US" sz="3600" dirty="0">
-                <a:solidFill>
-                  <a:srgbClr val="00B0F0"/>
-                </a:solidFill>
-              </a:rPr>
-              <a:t>several</a:t>
-            </a:r>
-            <a:r>
-              <a:rPr lang="en-US" sz="3600" dirty="0"/>
-              <a:t>’ at site 4 </a:t>
-            </a:r>
-          </a:p>
-          <a:p>
-            <a:r>
-              <a:rPr lang="en-US" sz="3600" dirty="0"/>
-              <a:t>is called a “state transition” </a:t>
-            </a:r>
-          </a:p>
-        </p:txBody>
-      </p:sp>
-      <p:sp>
-        <p:nvSpPr>
-          <p:cNvPr id="9" name="Frame 8"/>
-          <p:cNvSpPr/>
-          <p:nvPr/>
-        </p:nvSpPr>
-        <p:spPr>
-          <a:xfrm>
-            <a:off x="1743739" y="3662778"/>
-            <a:ext cx="3572539" cy="677032"/>
-          </a:xfrm>
-          <a:prstGeom prst="frame">
-            <a:avLst/>
-          </a:prstGeom>
-          <a:ln>
-            <a:solidFill>
-              <a:srgbClr val="00B0F0"/>
-            </a:solidFill>
-          </a:ln>
-        </p:spPr>
-        <p:style>
-          <a:lnRef idx="2">
-            <a:schemeClr val="accent1">
-              <a:shade val="50000"/>
-            </a:schemeClr>
-          </a:lnRef>
-          <a:fillRef idx="1">
-            <a:schemeClr val="accent1"/>
-          </a:fillRef>
-          <a:effectRef idx="0">
-            <a:schemeClr val="accent1"/>
-          </a:effectRef>
-          <a:fontRef idx="minor">
-            <a:schemeClr val="lt1"/>
-          </a:fontRef>
-        </p:style>
-        <p:txBody>
-          <a:bodyPr rtlCol="0" anchor="ctr"/>
-          <a:lstStyle/>
-          <a:p>
-            <a:pPr algn="ctr"/>
-            <a:endParaRPr lang="en-US">
-              <a:solidFill>
-                <a:schemeClr val="tx1"/>
-              </a:solidFill>
-            </a:endParaRPr>
-          </a:p>
-        </p:txBody>
-      </p:sp>
-    </p:spTree>
-    <p:extLst>
-      <p:ext uri="{BB962C8B-B14F-4D97-AF65-F5344CB8AC3E}">
-        <p14:creationId xmlns:p14="http://schemas.microsoft.com/office/powerpoint/2010/main" val="862587283"/>
-      </p:ext>
-    </p:extLst>
-  </p:cSld>
-  <p:clrMapOvr>
-    <a:masterClrMapping/>
-  </p:clrMapOvr>
-</p:sld>
-</file>
-
-<file path=ppt/slides/slide8.xml><?xml version="1.0" encoding="utf-8"?>
-<p:sld xmlns:a="http://schemas.openxmlformats.org/drawingml/2006/main" xmlns:r="http://schemas.openxmlformats.org/officeDocument/2006/relationships" xmlns:p="http://schemas.openxmlformats.org/presentationml/2006/main">
-  <p:cSld>
-    <p:spTree>
-      <p:nvGrpSpPr>
-        <p:cNvPr id="1" name=""/>
-        <p:cNvGrpSpPr/>
-        <p:nvPr/>
-      </p:nvGrpSpPr>
-      <p:grpSpPr>
-        <a:xfrm>
-          <a:off x="0" y="0"/>
-          <a:ext cx="0" cy="0"/>
-          <a:chOff x="0" y="0"/>
-          <a:chExt cx="0" cy="0"/>
-        </a:xfrm>
-      </p:grpSpPr>
-      <p:sp>
-        <p:nvSpPr>
-          <p:cNvPr id="2" name="Title 1"/>
-          <p:cNvSpPr>
-            <a:spLocks noGrp="1"/>
-          </p:cNvSpPr>
-          <p:nvPr>
-            <p:ph type="title"/>
-          </p:nvPr>
-        </p:nvSpPr>
-        <p:spPr>
-          <a:xfrm>
-            <a:off x="838200" y="106517"/>
-            <a:ext cx="10515600" cy="1325563"/>
-          </a:xfrm>
-        </p:spPr>
-        <p:txBody>
-          <a:bodyPr/>
-          <a:lstStyle/>
-          <a:p>
-            <a:r>
-              <a:rPr lang="en-US" dirty="0"/>
-              <a:t>Probability of transitions</a:t>
-            </a:r>
-          </a:p>
-        </p:txBody>
-      </p:sp>
-      <p:sp>
-        <p:nvSpPr>
-          <p:cNvPr id="3" name="Content Placeholder 2"/>
-          <p:cNvSpPr>
-            <a:spLocks noGrp="1"/>
-          </p:cNvSpPr>
-          <p:nvPr>
-            <p:ph idx="1"/>
-          </p:nvPr>
-        </p:nvSpPr>
         <p:spPr>
           <a:xfrm>
             <a:off x="838200" y="1114429"/>
@@ -8415,7 +7768,7 @@
           <a:lstStyle/>
           <a:p>
             <a:r>
-              <a:rPr lang="en-US" dirty="0"/>
+              <a:rPr lang="en-US" dirty="0" smtClean="0"/>
               <a:t>What is the probability of moving from category 1 to 2 or 1 to 3 or 1 to 0?</a:t>
             </a:r>
           </a:p>
@@ -8675,31 +8028,31 @@
           <a:lstStyle/>
           <a:p>
             <a:r>
-              <a:rPr lang="en-US" dirty="0"/>
+              <a:rPr lang="en-US" dirty="0" smtClean="0"/>
               <a:t>6 total state 1 transitions</a:t>
             </a:r>
           </a:p>
           <a:p>
             <a:r>
-              <a:rPr lang="en-US" dirty="0"/>
+              <a:rPr lang="en-US" dirty="0" smtClean="0"/>
               <a:t>1-&gt;1 happened 4 times</a:t>
             </a:r>
           </a:p>
           <a:p>
             <a:r>
-              <a:rPr lang="en-US" dirty="0"/>
+              <a:rPr lang="en-US" dirty="0" smtClean="0"/>
               <a:t>1-&gt;2 happened 2 times</a:t>
             </a:r>
           </a:p>
           <a:p>
             <a:r>
-              <a:rPr lang="en-US" dirty="0"/>
+              <a:rPr lang="en-US" dirty="0" smtClean="0"/>
               <a:t>1-&gt;3 happened 0 times</a:t>
             </a:r>
           </a:p>
           <a:p>
             <a:r>
-              <a:rPr lang="en-US" dirty="0"/>
+              <a:rPr lang="en-US" dirty="0" smtClean="0"/>
               <a:t>1-&gt;0 happened 0 times</a:t>
             </a:r>
           </a:p>
@@ -8749,10 +8102,333 @@
           </a:extLst>
         </p:spPr>
       </p:pic>
+      <p:grpSp>
+        <p:nvGrpSpPr>
+          <p:cNvPr id="18" name="Group 17"/>
+          <p:cNvGrpSpPr/>
+          <p:nvPr/>
+        </p:nvGrpSpPr>
+        <p:grpSpPr>
+          <a:xfrm>
+            <a:off x="0" y="6225309"/>
+            <a:ext cx="12192000" cy="632691"/>
+            <a:chOff x="0" y="6248400"/>
+            <a:chExt cx="9144000" cy="609600"/>
+          </a:xfrm>
+        </p:grpSpPr>
+        <p:sp>
+          <p:nvSpPr>
+            <p:cNvPr id="19" name="Rectangle 18"/>
+            <p:cNvSpPr/>
+            <p:nvPr/>
+          </p:nvSpPr>
+          <p:spPr>
+            <a:xfrm>
+              <a:off x="0" y="6248400"/>
+              <a:ext cx="9144000" cy="609600"/>
+            </a:xfrm>
+            <a:prstGeom prst="rect">
+              <a:avLst/>
+            </a:prstGeom>
+            <a:solidFill>
+              <a:srgbClr val="4F6228">
+                <a:alpha val="74902"/>
+              </a:srgbClr>
+            </a:solidFill>
+            <a:ln>
+              <a:noFill/>
+            </a:ln>
+          </p:spPr>
+          <p:style>
+            <a:lnRef idx="2">
+              <a:schemeClr val="accent1">
+                <a:shade val="50000"/>
+              </a:schemeClr>
+            </a:lnRef>
+            <a:fillRef idx="1">
+              <a:schemeClr val="accent1"/>
+            </a:fillRef>
+            <a:effectRef idx="0">
+              <a:schemeClr val="accent1"/>
+            </a:effectRef>
+            <a:fontRef idx="minor">
+              <a:schemeClr val="lt1"/>
+            </a:fontRef>
+          </p:style>
+          <p:txBody>
+            <a:bodyPr rtlCol="0" anchor="ctr"/>
+            <a:lstStyle/>
+            <a:p>
+              <a:r>
+                <a:rPr lang="en-US" dirty="0" smtClean="0">
+                  <a:solidFill>
+                    <a:schemeClr val="bg1"/>
+                  </a:solidFill>
+                  <a:latin typeface="Arial Narrow" panose="020B0606020202030204" pitchFamily="34" charset="0"/>
+                </a:rPr>
+                <a:t>Quantitative Tools for SSA</a:t>
+              </a:r>
+              <a:endParaRPr lang="en-US" dirty="0">
+                <a:solidFill>
+                  <a:schemeClr val="bg1"/>
+                </a:solidFill>
+                <a:latin typeface="Arial Narrow" panose="020B0606020202030204" pitchFamily="34" charset="0"/>
+              </a:endParaRPr>
+            </a:p>
+          </p:txBody>
+        </p:sp>
+        <p:pic>
+          <p:nvPicPr>
+            <p:cNvPr id="20" name="Picture 2" descr="C:\Users\amt0046\Documents\Pictures and figures\ADCNR_logo.png"/>
+            <p:cNvPicPr>
+              <a:picLocks noChangeAspect="1" noChangeArrowheads="1"/>
+            </p:cNvPicPr>
+            <p:nvPr/>
+          </p:nvPicPr>
+          <p:blipFill>
+            <a:blip r:embed="rId3">
+              <a:extLst>
+                <a:ext uri="{28A0092B-C50C-407E-A947-70E740481C1C}">
+                  <a14:useLocalDpi xmlns:a14="http://schemas.microsoft.com/office/drawing/2010/main" val="0"/>
+                </a:ext>
+              </a:extLst>
+            </a:blip>
+            <a:srcRect/>
+            <a:stretch>
+              <a:fillRect/>
+            </a:stretch>
+          </p:blipFill>
+          <p:spPr bwMode="auto">
+            <a:xfrm>
+              <a:off x="7911576" y="6248400"/>
+              <a:ext cx="1232424" cy="609599"/>
+            </a:xfrm>
+            <a:prstGeom prst="rect">
+              <a:avLst/>
+            </a:prstGeom>
+            <a:noFill/>
+            <a:extLst>
+              <a:ext uri="{909E8E84-426E-40DD-AFC4-6F175D3DCCD1}">
+                <a14:hiddenFill xmlns:a14="http://schemas.microsoft.com/office/drawing/2010/main">
+                  <a:solidFill>
+                    <a:srgbClr val="FFFFFF"/>
+                  </a:solidFill>
+                </a14:hiddenFill>
+              </a:ext>
+            </a:extLst>
+          </p:spPr>
+        </p:pic>
+      </p:grpSp>
     </p:spTree>
     <p:extLst>
       <p:ext uri="{BB962C8B-B14F-4D97-AF65-F5344CB8AC3E}">
         <p14:creationId xmlns:p14="http://schemas.microsoft.com/office/powerpoint/2010/main" val="4081931600"/>
+      </p:ext>
+    </p:extLst>
+  </p:cSld>
+  <p:clrMapOvr>
+    <a:masterClrMapping/>
+  </p:clrMapOvr>
+</p:sld>
+</file>
+
+<file path=ppt/slides/slide8.xml><?xml version="1.0" encoding="utf-8"?>
+<p:sld xmlns:a="http://schemas.openxmlformats.org/drawingml/2006/main" xmlns:r="http://schemas.openxmlformats.org/officeDocument/2006/relationships" xmlns:p="http://schemas.openxmlformats.org/presentationml/2006/main">
+  <p:cSld>
+    <p:spTree>
+      <p:nvGrpSpPr>
+        <p:cNvPr id="1" name=""/>
+        <p:cNvGrpSpPr/>
+        <p:nvPr/>
+      </p:nvGrpSpPr>
+      <p:grpSpPr>
+        <a:xfrm>
+          <a:off x="0" y="0"/>
+          <a:ext cx="0" cy="0"/>
+          <a:chOff x="0" y="0"/>
+          <a:chExt cx="0" cy="0"/>
+        </a:xfrm>
+      </p:grpSpPr>
+      <p:sp>
+        <p:nvSpPr>
+          <p:cNvPr id="2" name="Title 1"/>
+          <p:cNvSpPr>
+            <a:spLocks noGrp="1"/>
+          </p:cNvSpPr>
+          <p:nvPr>
+            <p:ph type="title"/>
+          </p:nvPr>
+        </p:nvSpPr>
+        <p:spPr/>
+        <p:txBody>
+          <a:bodyPr/>
+          <a:lstStyle/>
+          <a:p>
+            <a:r>
+              <a:rPr lang="en-US" dirty="0" smtClean="0"/>
+              <a:t>Linking state transitions to the environment</a:t>
+            </a:r>
+            <a:endParaRPr lang="en-US" dirty="0"/>
+          </a:p>
+        </p:txBody>
+      </p:sp>
+      <p:sp>
+        <p:nvSpPr>
+          <p:cNvPr id="3" name="Content Placeholder 2"/>
+          <p:cNvSpPr>
+            <a:spLocks noGrp="1"/>
+          </p:cNvSpPr>
+          <p:nvPr>
+            <p:ph idx="1"/>
+          </p:nvPr>
+        </p:nvSpPr>
+        <p:spPr/>
+        <p:txBody>
+          <a:bodyPr/>
+          <a:lstStyle/>
+          <a:p>
+            <a:r>
+              <a:rPr lang="en-US" dirty="0" smtClean="0"/>
+              <a:t>Develop an assessment of species needs by linking status transitions to environmental variables</a:t>
+            </a:r>
+          </a:p>
+          <a:p>
+            <a:pPr lvl="1"/>
+            <a:r>
+              <a:rPr lang="en-US" dirty="0" smtClean="0"/>
+              <a:t>What environmental factors affect state transitions?</a:t>
+            </a:r>
+          </a:p>
+          <a:p>
+            <a:pPr lvl="1"/>
+            <a:r>
+              <a:rPr lang="en-US" dirty="0" smtClean="0"/>
+              <a:t>How do we estimate or quantify any potential relationships?</a:t>
+            </a:r>
+          </a:p>
+        </p:txBody>
+      </p:sp>
+      <p:grpSp>
+        <p:nvGrpSpPr>
+          <p:cNvPr id="4" name="Group 3"/>
+          <p:cNvGrpSpPr/>
+          <p:nvPr/>
+        </p:nvGrpSpPr>
+        <p:grpSpPr>
+          <a:xfrm>
+            <a:off x="0" y="6225309"/>
+            <a:ext cx="12192000" cy="632691"/>
+            <a:chOff x="0" y="6248400"/>
+            <a:chExt cx="9144000" cy="609600"/>
+          </a:xfrm>
+        </p:grpSpPr>
+        <p:sp>
+          <p:nvSpPr>
+            <p:cNvPr id="5" name="Rectangle 4"/>
+            <p:cNvSpPr/>
+            <p:nvPr/>
+          </p:nvSpPr>
+          <p:spPr>
+            <a:xfrm>
+              <a:off x="0" y="6248400"/>
+              <a:ext cx="9144000" cy="609600"/>
+            </a:xfrm>
+            <a:prstGeom prst="rect">
+              <a:avLst/>
+            </a:prstGeom>
+            <a:solidFill>
+              <a:srgbClr val="4F6228">
+                <a:alpha val="74902"/>
+              </a:srgbClr>
+            </a:solidFill>
+            <a:ln>
+              <a:noFill/>
+            </a:ln>
+          </p:spPr>
+          <p:style>
+            <a:lnRef idx="2">
+              <a:schemeClr val="accent1">
+                <a:shade val="50000"/>
+              </a:schemeClr>
+            </a:lnRef>
+            <a:fillRef idx="1">
+              <a:schemeClr val="accent1"/>
+            </a:fillRef>
+            <a:effectRef idx="0">
+              <a:schemeClr val="accent1"/>
+            </a:effectRef>
+            <a:fontRef idx="minor">
+              <a:schemeClr val="lt1"/>
+            </a:fontRef>
+          </p:style>
+          <p:txBody>
+            <a:bodyPr rtlCol="0" anchor="ctr"/>
+            <a:lstStyle/>
+            <a:p>
+              <a:r>
+                <a:rPr lang="en-US" dirty="0" smtClean="0">
+                  <a:solidFill>
+                    <a:schemeClr val="bg1"/>
+                  </a:solidFill>
+                  <a:latin typeface="Arial Narrow" panose="020B0606020202030204" pitchFamily="34" charset="0"/>
+                </a:rPr>
+                <a:t>Quantitative Tools for SSA</a:t>
+              </a:r>
+              <a:endParaRPr lang="en-US" dirty="0">
+                <a:solidFill>
+                  <a:schemeClr val="bg1"/>
+                </a:solidFill>
+                <a:latin typeface="Arial Narrow" panose="020B0606020202030204" pitchFamily="34" charset="0"/>
+              </a:endParaRPr>
+            </a:p>
+          </p:txBody>
+        </p:sp>
+        <p:pic>
+          <p:nvPicPr>
+            <p:cNvPr id="6" name="Picture 2" descr="C:\Users\amt0046\Documents\Pictures and figures\ADCNR_logo.png"/>
+            <p:cNvPicPr>
+              <a:picLocks noChangeAspect="1" noChangeArrowheads="1"/>
+            </p:cNvPicPr>
+            <p:nvPr/>
+          </p:nvPicPr>
+          <p:blipFill>
+            <a:blip r:embed="rId2">
+              <a:extLst>
+                <a:ext uri="{28A0092B-C50C-407E-A947-70E740481C1C}">
+                  <a14:useLocalDpi xmlns:a14="http://schemas.microsoft.com/office/drawing/2010/main" val="0"/>
+                </a:ext>
+              </a:extLst>
+            </a:blip>
+            <a:srcRect/>
+            <a:stretch>
+              <a:fillRect/>
+            </a:stretch>
+          </p:blipFill>
+          <p:spPr bwMode="auto">
+            <a:xfrm>
+              <a:off x="7911576" y="6248400"/>
+              <a:ext cx="1232424" cy="609599"/>
+            </a:xfrm>
+            <a:prstGeom prst="rect">
+              <a:avLst/>
+            </a:prstGeom>
+            <a:noFill/>
+            <a:extLst>
+              <a:ext uri="{909E8E84-426E-40DD-AFC4-6F175D3DCCD1}">
+                <a14:hiddenFill xmlns:a14="http://schemas.microsoft.com/office/drawing/2010/main">
+                  <a:solidFill>
+                    <a:srgbClr val="FFFFFF"/>
+                  </a:solidFill>
+                </a14:hiddenFill>
+              </a:ext>
+            </a:extLst>
+          </p:spPr>
+        </p:pic>
+      </p:grpSp>
+    </p:spTree>
+    <p:extLst>
+      <p:ext uri="{BB962C8B-B14F-4D97-AF65-F5344CB8AC3E}">
+        <p14:creationId xmlns:p14="http://schemas.microsoft.com/office/powerpoint/2010/main" val="1279093577"/>
       </p:ext>
     </p:extLst>
   </p:cSld>
@@ -8795,52 +8471,445 @@
           <a:lstStyle/>
           <a:p>
             <a:r>
-              <a:rPr lang="en-US" dirty="0"/>
-              <a:t>Linking state transitions to the environment</a:t>
-            </a:r>
-          </a:p>
-        </p:txBody>
-      </p:sp>
-      <p:sp>
-        <p:nvSpPr>
-          <p:cNvPr id="3" name="Content Placeholder 2"/>
-          <p:cNvSpPr>
-            <a:spLocks noGrp="1"/>
-          </p:cNvSpPr>
-          <p:nvPr>
-            <p:ph idx="1"/>
-          </p:nvPr>
-        </p:nvSpPr>
-        <p:spPr/>
-        <p:txBody>
-          <a:bodyPr/>
-          <a:lstStyle/>
-          <a:p>
-            <a:r>
-              <a:rPr lang="en-US" dirty="0"/>
-              <a:t>Develop an assessment of species needs by linking status transitions to environmental variables</a:t>
-            </a:r>
-          </a:p>
-          <a:p>
-            <a:pPr lvl="1"/>
-            <a:r>
-              <a:rPr lang="en-US" dirty="0"/>
-              <a:t>What environmental factors affect state transitions?</a:t>
-            </a:r>
-          </a:p>
-          <a:p>
-            <a:pPr lvl="1"/>
-            <a:r>
-              <a:rPr lang="en-US" dirty="0"/>
-              <a:t>How do we estimate or quantify any potential relationships?</a:t>
-            </a:r>
-          </a:p>
-        </p:txBody>
-      </p:sp>
+              <a:rPr lang="en-US" dirty="0" smtClean="0"/>
+              <a:t>Regression modeling</a:t>
+            </a:r>
+            <a:endParaRPr lang="en-US" dirty="0"/>
+          </a:p>
+        </p:txBody>
+      </p:sp>
+      <mc:AlternateContent xmlns:mc="http://schemas.openxmlformats.org/markup-compatibility/2006" xmlns:a14="http://schemas.microsoft.com/office/drawing/2010/main">
+        <mc:Choice Requires="a14">
+          <p:sp>
+            <p:nvSpPr>
+              <p:cNvPr id="3" name="Content Placeholder 2"/>
+              <p:cNvSpPr>
+                <a:spLocks noGrp="1"/>
+              </p:cNvSpPr>
+              <p:nvPr>
+                <p:ph idx="1"/>
+              </p:nvPr>
+            </p:nvSpPr>
+            <p:spPr/>
+            <p:txBody>
+              <a:bodyPr>
+                <a:normAutofit/>
+              </a:bodyPr>
+              <a:lstStyle/>
+              <a:p>
+                <a:pPr marL="0" indent="0">
+                  <a:buNone/>
+                </a:pPr>
+                <a14:m>
+                  <m:oMathPara xmlns:m="http://schemas.openxmlformats.org/officeDocument/2006/math">
+                    <m:oMathParaPr>
+                      <m:jc m:val="centerGroup"/>
+                    </m:oMathParaPr>
+                    <m:oMath xmlns:m="http://schemas.openxmlformats.org/officeDocument/2006/math">
+                      <m:r>
+                        <a:rPr lang="en-US" b="0" i="1" smtClean="0">
+                          <a:latin typeface="Cambria Math" panose="02040503050406030204" pitchFamily="18" charset="0"/>
+                        </a:rPr>
+                        <m:t>𝑦</m:t>
+                      </m:r>
+                      <m:r>
+                        <a:rPr lang="en-US" b="0" i="1" smtClean="0">
+                          <a:latin typeface="Cambria Math" panose="02040503050406030204" pitchFamily="18" charset="0"/>
+                        </a:rPr>
+                        <m:t>=</m:t>
+                      </m:r>
+                      <m:r>
+                        <a:rPr lang="en-US" b="0" i="1" smtClean="0">
+                          <a:latin typeface="Cambria Math" panose="02040503050406030204" pitchFamily="18" charset="0"/>
+                        </a:rPr>
+                        <m:t>𝑎</m:t>
+                      </m:r>
+                      <m:r>
+                        <a:rPr lang="en-US" b="0" i="1" smtClean="0">
+                          <a:latin typeface="Cambria Math" panose="02040503050406030204" pitchFamily="18" charset="0"/>
+                        </a:rPr>
+                        <m:t>+</m:t>
+                      </m:r>
+                      <m:sSub>
+                        <m:sSubPr>
+                          <m:ctrlPr>
+                            <a:rPr lang="en-US" b="0" i="1" smtClean="0">
+                              <a:latin typeface="Cambria Math" panose="02040503050406030204" pitchFamily="18" charset="0"/>
+                            </a:rPr>
+                          </m:ctrlPr>
+                        </m:sSubPr>
+                        <m:e>
+                          <m:r>
+                            <a:rPr lang="en-US" b="0" i="1" smtClean="0">
+                              <a:latin typeface="Cambria Math" panose="02040503050406030204" pitchFamily="18" charset="0"/>
+                            </a:rPr>
+                            <m:t>𝑏</m:t>
+                          </m:r>
+                        </m:e>
+                        <m:sub>
+                          <m:r>
+                            <a:rPr lang="en-US" b="0" i="1" smtClean="0">
+                              <a:latin typeface="Cambria Math" panose="02040503050406030204" pitchFamily="18" charset="0"/>
+                            </a:rPr>
+                            <m:t>1</m:t>
+                          </m:r>
+                        </m:sub>
+                      </m:sSub>
+                      <m:r>
+                        <a:rPr lang="en-US" b="0" i="1" smtClean="0">
+                          <a:latin typeface="Cambria Math" panose="02040503050406030204" pitchFamily="18" charset="0"/>
+                        </a:rPr>
+                        <m:t>𝑥</m:t>
+                      </m:r>
+                    </m:oMath>
+                  </m:oMathPara>
+                </a14:m>
+                <a:endParaRPr lang="en-US" dirty="0" smtClean="0"/>
+              </a:p>
+              <a:p>
+                <a:r>
+                  <a:rPr lang="en-US" dirty="0" smtClean="0"/>
+                  <a:t>Abundance = minimum elevation + (0.237 x elevation)</a:t>
+                </a:r>
+              </a:p>
+              <a:p>
+                <a:endParaRPr lang="en-US" dirty="0"/>
+              </a:p>
+              <a:p>
+                <a:pPr marL="0" indent="0">
+                  <a:buNone/>
+                </a:pPr>
+                <a14:m>
+                  <m:oMathPara xmlns:m="http://schemas.openxmlformats.org/officeDocument/2006/math">
+                    <m:oMathParaPr>
+                      <m:jc m:val="centerGroup"/>
+                    </m:oMathParaPr>
+                    <m:oMath xmlns:m="http://schemas.openxmlformats.org/officeDocument/2006/math">
+                      <m:r>
+                        <a:rPr lang="en-US" b="0" i="1" smtClean="0">
+                          <a:latin typeface="Cambria Math" panose="02040503050406030204" pitchFamily="18" charset="0"/>
+                        </a:rPr>
+                        <m:t>𝑦</m:t>
+                      </m:r>
+                      <m:r>
+                        <a:rPr lang="en-US" b="0" i="1" smtClean="0">
+                          <a:latin typeface="Cambria Math" panose="02040503050406030204" pitchFamily="18" charset="0"/>
+                        </a:rPr>
+                        <m:t>=</m:t>
+                      </m:r>
+                      <m:r>
+                        <a:rPr lang="en-US" b="0" i="1" smtClean="0">
+                          <a:latin typeface="Cambria Math" panose="02040503050406030204" pitchFamily="18" charset="0"/>
+                        </a:rPr>
+                        <m:t>𝑎</m:t>
+                      </m:r>
+                      <m:r>
+                        <a:rPr lang="en-US" b="0" i="1" smtClean="0">
+                          <a:latin typeface="Cambria Math" panose="02040503050406030204" pitchFamily="18" charset="0"/>
+                        </a:rPr>
+                        <m:t>+</m:t>
+                      </m:r>
+                      <m:sSub>
+                        <m:sSubPr>
+                          <m:ctrlPr>
+                            <a:rPr lang="en-US" b="0" i="1" smtClean="0">
+                              <a:latin typeface="Cambria Math" panose="02040503050406030204" pitchFamily="18" charset="0"/>
+                            </a:rPr>
+                          </m:ctrlPr>
+                        </m:sSubPr>
+                        <m:e>
+                          <m:r>
+                            <a:rPr lang="en-US" b="0" i="1" smtClean="0">
+                              <a:latin typeface="Cambria Math" panose="02040503050406030204" pitchFamily="18" charset="0"/>
+                            </a:rPr>
+                            <m:t>𝑏</m:t>
+                          </m:r>
+                        </m:e>
+                        <m:sub>
+                          <m:r>
+                            <a:rPr lang="en-US" b="0" i="1" smtClean="0">
+                              <a:latin typeface="Cambria Math" panose="02040503050406030204" pitchFamily="18" charset="0"/>
+                            </a:rPr>
+                            <m:t>1</m:t>
+                          </m:r>
+                        </m:sub>
+                      </m:sSub>
+                      <m:r>
+                        <a:rPr lang="en-US" b="0" i="1" smtClean="0">
+                          <a:latin typeface="Cambria Math" panose="02040503050406030204" pitchFamily="18" charset="0"/>
+                        </a:rPr>
+                        <m:t>𝑥</m:t>
+                      </m:r>
+                      <m:r>
+                        <a:rPr lang="en-US" b="0" i="1" smtClean="0">
+                          <a:latin typeface="Cambria Math" panose="02040503050406030204" pitchFamily="18" charset="0"/>
+                        </a:rPr>
+                        <m:t>+</m:t>
+                      </m:r>
+                      <m:sSub>
+                        <m:sSubPr>
+                          <m:ctrlPr>
+                            <a:rPr lang="en-US" b="0" i="1" smtClean="0">
+                              <a:latin typeface="Cambria Math" panose="02040503050406030204" pitchFamily="18" charset="0"/>
+                            </a:rPr>
+                          </m:ctrlPr>
+                        </m:sSubPr>
+                        <m:e>
+                          <m:r>
+                            <a:rPr lang="en-US" b="0" i="1" smtClean="0">
+                              <a:latin typeface="Cambria Math" panose="02040503050406030204" pitchFamily="18" charset="0"/>
+                            </a:rPr>
+                            <m:t>𝑏</m:t>
+                          </m:r>
+                        </m:e>
+                        <m:sub>
+                          <m:r>
+                            <a:rPr lang="en-US" b="0" i="1" smtClean="0">
+                              <a:latin typeface="Cambria Math" panose="02040503050406030204" pitchFamily="18" charset="0"/>
+                            </a:rPr>
+                            <m:t>2</m:t>
+                          </m:r>
+                        </m:sub>
+                      </m:sSub>
+                      <m:r>
+                        <a:rPr lang="en-US" b="0" i="1" smtClean="0">
+                          <a:latin typeface="Cambria Math" panose="02040503050406030204" pitchFamily="18" charset="0"/>
+                        </a:rPr>
+                        <m:t>𝑧</m:t>
+                      </m:r>
+                      <m:r>
+                        <a:rPr lang="en-US" b="0" i="1" smtClean="0">
+                          <a:latin typeface="Cambria Math" panose="02040503050406030204" pitchFamily="18" charset="0"/>
+                        </a:rPr>
+                        <m:t>+</m:t>
+                      </m:r>
+                      <m:sSub>
+                        <m:sSubPr>
+                          <m:ctrlPr>
+                            <a:rPr lang="en-US" b="0" i="1" smtClean="0">
+                              <a:latin typeface="Cambria Math" panose="02040503050406030204" pitchFamily="18" charset="0"/>
+                            </a:rPr>
+                          </m:ctrlPr>
+                        </m:sSubPr>
+                        <m:e>
+                          <m:r>
+                            <a:rPr lang="en-US" b="0" i="1" smtClean="0">
+                              <a:latin typeface="Cambria Math" panose="02040503050406030204" pitchFamily="18" charset="0"/>
+                            </a:rPr>
+                            <m:t>𝑏</m:t>
+                          </m:r>
+                        </m:e>
+                        <m:sub>
+                          <m:r>
+                            <a:rPr lang="en-US" b="0" i="1" smtClean="0">
+                              <a:latin typeface="Cambria Math" panose="02040503050406030204" pitchFamily="18" charset="0"/>
+                            </a:rPr>
+                            <m:t>3</m:t>
+                          </m:r>
+                        </m:sub>
+                      </m:sSub>
+                      <m:r>
+                        <a:rPr lang="en-US" b="0" i="1" smtClean="0">
+                          <a:latin typeface="Cambria Math" panose="02040503050406030204" pitchFamily="18" charset="0"/>
+                        </a:rPr>
+                        <m:t>𝑘</m:t>
+                      </m:r>
+                    </m:oMath>
+                  </m:oMathPara>
+                </a14:m>
+                <a:endParaRPr lang="en-US" dirty="0" smtClean="0"/>
+              </a:p>
+              <a:p>
+                <a:r>
+                  <a:rPr lang="en-US" dirty="0" smtClean="0"/>
+                  <a:t>Abundance = minimum </a:t>
+                </a:r>
+                <a:r>
+                  <a:rPr lang="en-US" dirty="0"/>
+                  <a:t>elevation </a:t>
+                </a:r>
+                <a:r>
+                  <a:rPr lang="en-US" dirty="0" smtClean="0"/>
+                  <a:t>+ (</a:t>
+                </a:r>
+                <a:r>
+                  <a:rPr lang="en-US" dirty="0"/>
+                  <a:t>0.237 x elevation</a:t>
+                </a:r>
+                <a:r>
+                  <a:rPr lang="en-US" dirty="0" smtClean="0"/>
+                  <a:t>) + (0.002 x aspect) + (0.01 x canopy cover)</a:t>
+                </a:r>
+                <a:endParaRPr lang="en-US" dirty="0"/>
+              </a:p>
+              <a:p>
+                <a:endParaRPr lang="en-US" dirty="0" smtClean="0"/>
+              </a:p>
+              <a:p>
+                <a:r>
+                  <a:rPr lang="en-US" dirty="0" smtClean="0"/>
+                  <a:t>With categorical data we can use a special type of regression called a Multinomial Regression</a:t>
+                </a:r>
+                <a:endParaRPr lang="en-US" dirty="0"/>
+              </a:p>
+            </p:txBody>
+          </p:sp>
+        </mc:Choice>
+        <mc:Fallback xmlns="">
+          <p:sp>
+            <p:nvSpPr>
+              <p:cNvPr id="3" name="Content Placeholder 2"/>
+              <p:cNvSpPr>
+                <a:spLocks noGrp="1" noRot="1" noChangeAspect="1" noMove="1" noResize="1" noEditPoints="1" noAdjustHandles="1" noChangeArrowheads="1" noChangeShapeType="1" noTextEdit="1"/>
+              </p:cNvSpPr>
+              <p:nvPr>
+                <p:ph idx="1"/>
+              </p:nvPr>
+            </p:nvSpPr>
+            <p:spPr>
+              <a:blipFill>
+                <a:blip r:embed="rId3"/>
+                <a:stretch>
+                  <a:fillRect l="-1043" r="-116" b="-140"/>
+                </a:stretch>
+              </a:blipFill>
+            </p:spPr>
+            <p:txBody>
+              <a:bodyPr/>
+              <a:lstStyle/>
+              <a:p>
+                <a:r>
+                  <a:rPr lang="en-US">
+                    <a:noFill/>
+                  </a:rPr>
+                  <a:t> </a:t>
+                </a:r>
+              </a:p>
+            </p:txBody>
+          </p:sp>
+        </mc:Fallback>
+      </mc:AlternateContent>
+      <p:grpSp>
+        <p:nvGrpSpPr>
+          <p:cNvPr id="4" name="Group 3"/>
+          <p:cNvGrpSpPr/>
+          <p:nvPr/>
+        </p:nvGrpSpPr>
+        <p:grpSpPr>
+          <a:xfrm>
+            <a:off x="0" y="6225309"/>
+            <a:ext cx="12192000" cy="632691"/>
+            <a:chOff x="0" y="6248400"/>
+            <a:chExt cx="9144000" cy="609600"/>
+          </a:xfrm>
+        </p:grpSpPr>
+        <p:sp>
+          <p:nvSpPr>
+            <p:cNvPr id="5" name="Rectangle 4"/>
+            <p:cNvSpPr/>
+            <p:nvPr/>
+          </p:nvSpPr>
+          <p:spPr>
+            <a:xfrm>
+              <a:off x="0" y="6248400"/>
+              <a:ext cx="9144000" cy="609600"/>
+            </a:xfrm>
+            <a:prstGeom prst="rect">
+              <a:avLst/>
+            </a:prstGeom>
+            <a:solidFill>
+              <a:srgbClr val="4F6228">
+                <a:alpha val="74902"/>
+              </a:srgbClr>
+            </a:solidFill>
+            <a:ln>
+              <a:noFill/>
+            </a:ln>
+          </p:spPr>
+          <p:style>
+            <a:lnRef idx="2">
+              <a:schemeClr val="accent1">
+                <a:shade val="50000"/>
+              </a:schemeClr>
+            </a:lnRef>
+            <a:fillRef idx="1">
+              <a:schemeClr val="accent1"/>
+            </a:fillRef>
+            <a:effectRef idx="0">
+              <a:schemeClr val="accent1"/>
+            </a:effectRef>
+            <a:fontRef idx="minor">
+              <a:schemeClr val="lt1"/>
+            </a:fontRef>
+          </p:style>
+          <p:txBody>
+            <a:bodyPr rtlCol="0" anchor="ctr"/>
+            <a:lstStyle/>
+            <a:p>
+              <a:r>
+                <a:rPr lang="en-US" dirty="0" smtClean="0">
+                  <a:solidFill>
+                    <a:schemeClr val="bg1"/>
+                  </a:solidFill>
+                  <a:latin typeface="Arial Narrow" panose="020B0606020202030204" pitchFamily="34" charset="0"/>
+                </a:rPr>
+                <a:t>Quantitative Tools for SSA</a:t>
+              </a:r>
+              <a:endParaRPr lang="en-US" dirty="0">
+                <a:solidFill>
+                  <a:schemeClr val="bg1"/>
+                </a:solidFill>
+                <a:latin typeface="Arial Narrow" panose="020B0606020202030204" pitchFamily="34" charset="0"/>
+              </a:endParaRPr>
+            </a:p>
+          </p:txBody>
+        </p:sp>
+        <p:pic>
+          <p:nvPicPr>
+            <p:cNvPr id="6" name="Picture 2" descr="C:\Users\amt0046\Documents\Pictures and figures\ADCNR_logo.png"/>
+            <p:cNvPicPr>
+              <a:picLocks noChangeAspect="1" noChangeArrowheads="1"/>
+            </p:cNvPicPr>
+            <p:nvPr/>
+          </p:nvPicPr>
+          <p:blipFill>
+            <a:blip r:embed="rId4">
+              <a:extLst>
+                <a:ext uri="{28A0092B-C50C-407E-A947-70E740481C1C}">
+                  <a14:useLocalDpi xmlns:a14="http://schemas.microsoft.com/office/drawing/2010/main" val="0"/>
+                </a:ext>
+              </a:extLst>
+            </a:blip>
+            <a:srcRect/>
+            <a:stretch>
+              <a:fillRect/>
+            </a:stretch>
+          </p:blipFill>
+          <p:spPr bwMode="auto">
+            <a:xfrm>
+              <a:off x="7911576" y="6248400"/>
+              <a:ext cx="1232424" cy="609599"/>
+            </a:xfrm>
+            <a:prstGeom prst="rect">
+              <a:avLst/>
+            </a:prstGeom>
+            <a:noFill/>
+            <a:extLst>
+              <a:ext uri="{909E8E84-426E-40DD-AFC4-6F175D3DCCD1}">
+                <a14:hiddenFill xmlns:a14="http://schemas.microsoft.com/office/drawing/2010/main">
+                  <a:solidFill>
+                    <a:srgbClr val="FFFFFF"/>
+                  </a:solidFill>
+                </a14:hiddenFill>
+              </a:ext>
+            </a:extLst>
+          </p:spPr>
+        </p:pic>
+      </p:grpSp>
     </p:spTree>
     <p:extLst>
       <p:ext uri="{BB962C8B-B14F-4D97-AF65-F5344CB8AC3E}">
-        <p14:creationId xmlns:p14="http://schemas.microsoft.com/office/powerpoint/2010/main" val="1279093577"/>
+        <p14:creationId xmlns:p14="http://schemas.microsoft.com/office/powerpoint/2010/main" val="2907511477"/>
       </p:ext>
     </p:extLst>
   </p:cSld>
@@ -8867,7 +8936,7 @@
         <a:srgbClr val="E7E6E6"/>
       </a:lt2>
       <a:accent1>
-        <a:srgbClr val="4472C4"/>
+        <a:srgbClr val="5B9BD5"/>
       </a:accent1>
       <a:accent2>
         <a:srgbClr val="ED7D31"/>
@@ -8879,7 +8948,7 @@
         <a:srgbClr val="FFC000"/>
       </a:accent4>
       <a:accent5>
-        <a:srgbClr val="5B9BD5"/>
+        <a:srgbClr val="4472C4"/>
       </a:accent5>
       <a:accent6>
         <a:srgbClr val="70AD47"/>
@@ -8926,23 +8995,6 @@
         <a:font script="Viet" typeface="Times New Roman"/>
         <a:font script="Uigh" typeface="Microsoft Uighur"/>
         <a:font script="Geor" typeface="Sylfaen"/>
-        <a:font script="Armn" typeface="Arial"/>
-        <a:font script="Bugi" typeface="Leelawadee UI"/>
-        <a:font script="Bopo" typeface="Microsoft JhengHei"/>
-        <a:font script="Java" typeface="Javanese Text"/>
-        <a:font script="Lisu" typeface="Segoe UI"/>
-        <a:font script="Mymr" typeface="Myanmar Text"/>
-        <a:font script="Nkoo" typeface="Ebrima"/>
-        <a:font script="Olck" typeface="Nirmala UI"/>
-        <a:font script="Osma" typeface="Ebrima"/>
-        <a:font script="Phag" typeface="Phagspa"/>
-        <a:font script="Syrn" typeface="Estrangelo Edessa"/>
-        <a:font script="Syrj" typeface="Estrangelo Edessa"/>
-        <a:font script="Syre" typeface="Estrangelo Edessa"/>
-        <a:font script="Sora" typeface="Nirmala UI"/>
-        <a:font script="Tale" typeface="Microsoft Tai Le"/>
-        <a:font script="Talu" typeface="Microsoft New Tai Lue"/>
-        <a:font script="Tfng" typeface="Ebrima"/>
       </a:majorFont>
       <a:minorFont>
         <a:latin typeface="Calibri" panose="020F0502020204030204"/>
@@ -8978,23 +9030,6 @@
         <a:font script="Viet" typeface="Arial"/>
         <a:font script="Uigh" typeface="Microsoft Uighur"/>
         <a:font script="Geor" typeface="Sylfaen"/>
-        <a:font script="Armn" typeface="Arial"/>
-        <a:font script="Bugi" typeface="Leelawadee UI"/>
-        <a:font script="Bopo" typeface="Microsoft JhengHei"/>
-        <a:font script="Java" typeface="Javanese Text"/>
-        <a:font script="Lisu" typeface="Segoe UI"/>
-        <a:font script="Mymr" typeface="Myanmar Text"/>
-        <a:font script="Nkoo" typeface="Ebrima"/>
-        <a:font script="Olck" typeface="Nirmala UI"/>
-        <a:font script="Osma" typeface="Ebrima"/>
-        <a:font script="Phag" typeface="Phagspa"/>
-        <a:font script="Syrn" typeface="Estrangelo Edessa"/>
-        <a:font script="Syrj" typeface="Estrangelo Edessa"/>
-        <a:font script="Syre" typeface="Estrangelo Edessa"/>
-        <a:font script="Sora" typeface="Nirmala UI"/>
-        <a:font script="Tale" typeface="Microsoft Tai Le"/>
-        <a:font script="Talu" typeface="Microsoft New Tai Lue"/>
-        <a:font script="Tfng" typeface="Ebrima"/>
       </a:minorFont>
     </a:fontScheme>
     <a:fmtScheme name="Office">
@@ -9139,7 +9174,7 @@
   <a:extraClrSchemeLst/>
   <a:extLst>
     <a:ext uri="{05A4C25C-085E-4340-85A3-A5531E510DB2}">
-      <thm15:themeFamily xmlns:thm15="http://schemas.microsoft.com/office/thememl/2012/main" name="Presentation1" id="{A72458EE-BFF9-468A-8464-DFD913327021}" vid="{7EB1F43D-0D6C-4939-8000-7D7E4F656E14}"/>
+      <thm15:themeFamily xmlns:thm15="http://schemas.microsoft.com/office/thememl/2012/main" name="Office Theme" id="{62F939B6-93AF-4DB8-9C6B-D6C7DFDC589F}" vid="{4A3C46E8-61CC-4603-A589-7422A47A8E4A}"/>
     </a:ext>
   </a:extLst>
 </a:theme>
@@ -9162,7 +9197,7 @@
         <a:srgbClr val="E7E6E6"/>
       </a:lt2>
       <a:accent1>
-        <a:srgbClr val="4472C4"/>
+        <a:srgbClr val="5B9BD5"/>
       </a:accent1>
       <a:accent2>
         <a:srgbClr val="ED7D31"/>
@@ -9174,7 +9209,7 @@
         <a:srgbClr val="FFC000"/>
       </a:accent4>
       <a:accent5>
-        <a:srgbClr val="5B9BD5"/>
+        <a:srgbClr val="4472C4"/>
       </a:accent5>
       <a:accent6>
         <a:srgbClr val="70AD47"/>
@@ -9221,23 +9256,6 @@
         <a:font script="Viet" typeface="Times New Roman"/>
         <a:font script="Uigh" typeface="Microsoft Uighur"/>
         <a:font script="Geor" typeface="Sylfaen"/>
-        <a:font script="Armn" typeface="Arial"/>
-        <a:font script="Bugi" typeface="Leelawadee UI"/>
-        <a:font script="Bopo" typeface="Microsoft JhengHei"/>
-        <a:font script="Java" typeface="Javanese Text"/>
-        <a:font script="Lisu" typeface="Segoe UI"/>
-        <a:font script="Mymr" typeface="Myanmar Text"/>
-        <a:font script="Nkoo" typeface="Ebrima"/>
-        <a:font script="Olck" typeface="Nirmala UI"/>
-        <a:font script="Osma" typeface="Ebrima"/>
-        <a:font script="Phag" typeface="Phagspa"/>
-        <a:font script="Syrn" typeface="Estrangelo Edessa"/>
-        <a:font script="Syrj" typeface="Estrangelo Edessa"/>
-        <a:font script="Syre" typeface="Estrangelo Edessa"/>
-        <a:font script="Sora" typeface="Nirmala UI"/>
-        <a:font script="Tale" typeface="Microsoft Tai Le"/>
-        <a:font script="Talu" typeface="Microsoft New Tai Lue"/>
-        <a:font script="Tfng" typeface="Ebrima"/>
       </a:majorFont>
       <a:minorFont>
         <a:latin typeface="Calibri" panose="020F0502020204030204"/>
@@ -9273,23 +9291,6 @@
         <a:font script="Viet" typeface="Arial"/>
         <a:font script="Uigh" typeface="Microsoft Uighur"/>
         <a:font script="Geor" typeface="Sylfaen"/>
-        <a:font script="Armn" typeface="Arial"/>
-        <a:font script="Bugi" typeface="Leelawadee UI"/>
-        <a:font script="Bopo" typeface="Microsoft JhengHei"/>
-        <a:font script="Java" typeface="Javanese Text"/>
-        <a:font script="Lisu" typeface="Segoe UI"/>
-        <a:font script="Mymr" typeface="Myanmar Text"/>
-        <a:font script="Nkoo" typeface="Ebrima"/>
-        <a:font script="Olck" typeface="Nirmala UI"/>
-        <a:font script="Osma" typeface="Ebrima"/>
-        <a:font script="Phag" typeface="Phagspa"/>
-        <a:font script="Syrn" typeface="Estrangelo Edessa"/>
-        <a:font script="Syrj" typeface="Estrangelo Edessa"/>
-        <a:font script="Syre" typeface="Estrangelo Edessa"/>
-        <a:font script="Sora" typeface="Nirmala UI"/>
-        <a:font script="Tale" typeface="Microsoft Tai Le"/>
-        <a:font script="Talu" typeface="Microsoft New Tai Lue"/>
-        <a:font script="Tfng" typeface="Ebrima"/>
       </a:minorFont>
     </a:fontScheme>
     <a:fmtScheme name="Office">

--- a/static/lectures/SSA_Lecture2_QualitativeData.pptx
+++ b/static/lectures/SSA_Lecture2_QualitativeData.pptx
@@ -661,17 +661,16 @@
             </a:pPr>
             <a:r>
               <a:rPr lang="en-US" dirty="0"/>
-              <a:t>headwater chub</a:t>
+              <a:t>Headwater</a:t>
             </a:r>
             <a:r>
               <a:rPr lang="en-US" baseline="0" dirty="0"/>
-              <a:t> abundance</a:t>
+              <a:t> chub extinction probability</a:t>
             </a:r>
             <a:endParaRPr lang="en-US" dirty="0"/>
           </a:p>
         </c:rich>
       </c:tx>
-      <c:layout/>
       <c:overlay val="0"/>
     </c:title>
     <c:autoTitleDeleted val="0"/>
@@ -682,9 +681,9 @@
           <c:xMode val="edge"/>
           <c:yMode val="edge"/>
           <c:x val="0.15825275018163401"/>
-          <c:y val="0.165994759388985"/>
+          <c:y val="0.12340183734057301"/>
           <c:w val="0.80644313747178098"/>
-          <c:h val="0.57635665919020296"/>
+          <c:h val="0.61894958392852817"/>
         </c:manualLayout>
       </c:layout>
       <c:scatterChart>
@@ -716,8 +715,8 @@
             <c:trendlineLbl>
               <c:layout>
                 <c:manualLayout>
-                  <c:x val="-0.12915113735782999"/>
-                  <c:y val="-0.49418197725284402"/>
+                  <c:x val="-3.7644116008452612E-2"/>
+                  <c:y val="-0.18433825970761805"/>
                 </c:manualLayout>
               </c:layout>
               <c:numFmt formatCode="General" sourceLinked="0"/>
@@ -824,7 +823,6 @@
               </a:p>
             </c:rich>
           </c:tx>
-          <c:layout/>
           <c:overlay val="0"/>
         </c:title>
         <c:numFmt formatCode="General" sourceLinked="1"/>
@@ -852,8 +850,8 @@
                   <a:defRPr/>
                 </a:pPr>
                 <a:r>
-                  <a:rPr lang="en-US" dirty="0" smtClean="0"/>
-                  <a:t>Probability of extinction</a:t>
+                  <a:rPr lang="en-US" baseline="0" dirty="0"/>
+                  <a:t>Extinction Probability (%)</a:t>
                 </a:r>
                 <a:endParaRPr lang="en-US" dirty="0"/>
               </a:p>
@@ -1536,7 +1534,7 @@
           <a:p>
             <a:fld id="{336F2EA0-C40E-4F2B-82DB-02C2E937C52C}" type="datetimeFigureOut">
               <a:rPr lang="en-US" smtClean="0"/>
-              <a:t>12/12/2018</a:t>
+              <a:t>11/25/2019</a:t>
             </a:fld>
             <a:endParaRPr lang="en-US"/>
           </a:p>
@@ -2349,7 +2347,7 @@
           <a:p>
             <a:fld id="{96DCDAD2-BF2B-4B23-962D-FA09F549519F}" type="datetimeFigureOut">
               <a:rPr lang="en-US" smtClean="0"/>
-              <a:t>12/12/2018</a:t>
+              <a:t>11/25/2019</a:t>
             </a:fld>
             <a:endParaRPr lang="en-US"/>
           </a:p>
@@ -2573,7 +2571,7 @@
           <a:p>
             <a:fld id="{96DCDAD2-BF2B-4B23-962D-FA09F549519F}" type="datetimeFigureOut">
               <a:rPr lang="en-US" smtClean="0"/>
-              <a:t>12/12/2018</a:t>
+              <a:t>11/25/2019</a:t>
             </a:fld>
             <a:endParaRPr lang="en-US"/>
           </a:p>
@@ -3113,7 +3111,7 @@
           <a:p>
             <a:fld id="{96DCDAD2-BF2B-4B23-962D-FA09F549519F}" type="datetimeFigureOut">
               <a:rPr lang="en-US" smtClean="0"/>
-              <a:t>12/12/2018</a:t>
+              <a:t>11/25/2019</a:t>
             </a:fld>
             <a:endParaRPr lang="en-US"/>
           </a:p>
@@ -3394,7 +3392,7 @@
           <a:p>
             <a:fld id="{96DCDAD2-BF2B-4B23-962D-FA09F549519F}" type="datetimeFigureOut">
               <a:rPr lang="en-US" smtClean="0"/>
-              <a:t>12/12/2018</a:t>
+              <a:t>11/25/2019</a:t>
             </a:fld>
             <a:endParaRPr lang="en-US"/>
           </a:p>
@@ -3822,7 +3820,7 @@
           <a:p>
             <a:fld id="{96DCDAD2-BF2B-4B23-962D-FA09F549519F}" type="datetimeFigureOut">
               <a:rPr lang="en-US" smtClean="0"/>
-              <a:t>12/12/2018</a:t>
+              <a:t>11/25/2019</a:t>
             </a:fld>
             <a:endParaRPr lang="en-US"/>
           </a:p>
@@ -3979,7 +3977,7 @@
           <a:p>
             <a:fld id="{96DCDAD2-BF2B-4B23-962D-FA09F549519F}" type="datetimeFigureOut">
               <a:rPr lang="en-US" smtClean="0"/>
-              <a:t>12/12/2018</a:t>
+              <a:t>11/25/2019</a:t>
             </a:fld>
             <a:endParaRPr lang="en-US"/>
           </a:p>
@@ -4108,7 +4106,7 @@
           <a:p>
             <a:fld id="{96DCDAD2-BF2B-4B23-962D-FA09F549519F}" type="datetimeFigureOut">
               <a:rPr lang="en-US" smtClean="0"/>
-              <a:t>12/12/2018</a:t>
+              <a:t>11/25/2019</a:t>
             </a:fld>
             <a:endParaRPr lang="en-US"/>
           </a:p>
@@ -4435,7 +4433,7 @@
           <a:p>
             <a:fld id="{96DCDAD2-BF2B-4B23-962D-FA09F549519F}" type="datetimeFigureOut">
               <a:rPr lang="en-US" smtClean="0"/>
-              <a:t>12/12/2018</a:t>
+              <a:t>11/25/2019</a:t>
             </a:fld>
             <a:endParaRPr lang="en-US"/>
           </a:p>
@@ -4742,7 +4740,7 @@
           <a:p>
             <a:fld id="{96DCDAD2-BF2B-4B23-962D-FA09F549519F}" type="datetimeFigureOut">
               <a:rPr lang="en-US" smtClean="0"/>
-              <a:t>12/12/2018</a:t>
+              <a:t>11/25/2019</a:t>
             </a:fld>
             <a:endParaRPr lang="en-US"/>
           </a:p>
@@ -7343,14 +7341,14 @@
           <p:nvPr>
             <p:extLst>
               <p:ext uri="{D42A27DB-BD31-4B8C-83A1-F6EECF244321}">
-                <p14:modId xmlns:p14="http://schemas.microsoft.com/office/powerpoint/2010/main" val="2812154572"/>
+                <p14:modId xmlns:p14="http://schemas.microsoft.com/office/powerpoint/2010/main" val="2537003625"/>
               </p:ext>
             </p:extLst>
           </p:nvPr>
         </p:nvGraphicFramePr>
         <p:xfrm>
-          <a:off x="1574800" y="2170545"/>
-          <a:ext cx="8017933" cy="3694545"/>
+          <a:off x="1574800" y="1836460"/>
+          <a:ext cx="8017933" cy="4174403"/>
         </p:xfrm>
         <a:graphic>
           <a:graphicData uri="http://schemas.openxmlformats.org/drawingml/2006/chart">
